--- a/Модель склонности клиента к приобретению машиноместа.pptx
+++ b/Модель склонности клиента к приобретению машиноместа.pptx
@@ -13,7 +13,8 @@
     <p:sldId id="4146" r:id="rId7"/>
     <p:sldId id="4147" r:id="rId8"/>
     <p:sldId id="4158" r:id="rId9"/>
-    <p:sldId id="4156" r:id="rId10"/>
+    <p:sldId id="4153" r:id="rId10"/>
+    <p:sldId id="4156" r:id="rId11"/>
   </p:sldIdLst>
   <p:sldSz cx="12192000" cy="6858000"/>
   <p:notesSz cx="6858000" cy="9144000"/>
@@ -112,6 +113,11 @@
       </a:defRPr>
     </a:lvl9pPr>
   </p:defaultTextStyle>
+  <p:extLst>
+    <p:ext uri="{EFAFB233-063F-42B5-8137-9DF3F51BA10A}">
+      <p15:sldGuideLst xmlns:p15="http://schemas.microsoft.com/office/powerpoint/2012/main"/>
+    </p:ext>
+  </p:extLst>
 </p:presentation>
 </file>
 
@@ -262,7 +268,7 @@
           <a:p>
             <a:fld id="{5774639C-FBAA-4C2C-9110-08973D50BF5A}" type="datetimeFigureOut">
               <a:rPr lang="ru-RU" smtClean="0"/>
-              <a:t>18.12.2024</a:t>
+              <a:t>19.12.2024</a:t>
             </a:fld>
             <a:endParaRPr lang="ru-RU"/>
           </a:p>
@@ -460,7 +466,7 @@
           <a:p>
             <a:fld id="{5774639C-FBAA-4C2C-9110-08973D50BF5A}" type="datetimeFigureOut">
               <a:rPr lang="ru-RU" smtClean="0"/>
-              <a:t>18.12.2024</a:t>
+              <a:t>19.12.2024</a:t>
             </a:fld>
             <a:endParaRPr lang="ru-RU"/>
           </a:p>
@@ -668,7 +674,7 @@
           <a:p>
             <a:fld id="{5774639C-FBAA-4C2C-9110-08973D50BF5A}" type="datetimeFigureOut">
               <a:rPr lang="ru-RU" smtClean="0"/>
-              <a:t>18.12.2024</a:t>
+              <a:t>19.12.2024</a:t>
             </a:fld>
             <a:endParaRPr lang="ru-RU"/>
           </a:p>
@@ -1577,7 +1583,7 @@
           <a:p>
             <a:fld id="{5774639C-FBAA-4C2C-9110-08973D50BF5A}" type="datetimeFigureOut">
               <a:rPr lang="ru-RU" smtClean="0"/>
-              <a:t>18.12.2024</a:t>
+              <a:t>19.12.2024</a:t>
             </a:fld>
             <a:endParaRPr lang="ru-RU"/>
           </a:p>
@@ -1852,7 +1858,7 @@
           <a:p>
             <a:fld id="{5774639C-FBAA-4C2C-9110-08973D50BF5A}" type="datetimeFigureOut">
               <a:rPr lang="ru-RU" smtClean="0"/>
-              <a:t>18.12.2024</a:t>
+              <a:t>19.12.2024</a:t>
             </a:fld>
             <a:endParaRPr lang="ru-RU"/>
           </a:p>
@@ -2117,7 +2123,7 @@
           <a:p>
             <a:fld id="{5774639C-FBAA-4C2C-9110-08973D50BF5A}" type="datetimeFigureOut">
               <a:rPr lang="ru-RU" smtClean="0"/>
-              <a:t>18.12.2024</a:t>
+              <a:t>19.12.2024</a:t>
             </a:fld>
             <a:endParaRPr lang="ru-RU"/>
           </a:p>
@@ -2529,7 +2535,7 @@
           <a:p>
             <a:fld id="{5774639C-FBAA-4C2C-9110-08973D50BF5A}" type="datetimeFigureOut">
               <a:rPr lang="ru-RU" smtClean="0"/>
-              <a:t>18.12.2024</a:t>
+              <a:t>19.12.2024</a:t>
             </a:fld>
             <a:endParaRPr lang="ru-RU"/>
           </a:p>
@@ -2670,7 +2676,7 @@
           <a:p>
             <a:fld id="{5774639C-FBAA-4C2C-9110-08973D50BF5A}" type="datetimeFigureOut">
               <a:rPr lang="ru-RU" smtClean="0"/>
-              <a:t>18.12.2024</a:t>
+              <a:t>19.12.2024</a:t>
             </a:fld>
             <a:endParaRPr lang="ru-RU"/>
           </a:p>
@@ -2783,7 +2789,7 @@
           <a:p>
             <a:fld id="{5774639C-FBAA-4C2C-9110-08973D50BF5A}" type="datetimeFigureOut">
               <a:rPr lang="ru-RU" smtClean="0"/>
-              <a:t>18.12.2024</a:t>
+              <a:t>19.12.2024</a:t>
             </a:fld>
             <a:endParaRPr lang="ru-RU"/>
           </a:p>
@@ -3094,7 +3100,7 @@
           <a:p>
             <a:fld id="{5774639C-FBAA-4C2C-9110-08973D50BF5A}" type="datetimeFigureOut">
               <a:rPr lang="ru-RU" smtClean="0"/>
-              <a:t>18.12.2024</a:t>
+              <a:t>19.12.2024</a:t>
             </a:fld>
             <a:endParaRPr lang="ru-RU"/>
           </a:p>
@@ -3382,7 +3388,7 @@
           <a:p>
             <a:fld id="{5774639C-FBAA-4C2C-9110-08973D50BF5A}" type="datetimeFigureOut">
               <a:rPr lang="ru-RU" smtClean="0"/>
-              <a:t>18.12.2024</a:t>
+              <a:t>19.12.2024</a:t>
             </a:fld>
             <a:endParaRPr lang="ru-RU"/>
           </a:p>
@@ -3623,7 +3629,7 @@
           <a:p>
             <a:fld id="{5774639C-FBAA-4C2C-9110-08973D50BF5A}" type="datetimeFigureOut">
               <a:rPr lang="ru-RU" smtClean="0"/>
-              <a:t>18.12.2024</a:t>
+              <a:t>19.12.2024</a:t>
             </a:fld>
             <a:endParaRPr lang="ru-RU"/>
           </a:p>
@@ -4390,14 +4396,300 @@
   <p:clrMapOvr>
     <a:masterClrMapping/>
   </p:clrMapOvr>
-  <mc:AlternateContent xmlns:mc="http://schemas.openxmlformats.org/markup-compatibility/2006">
-    <mc:Choice xmlns:p14="http://schemas.microsoft.com/office/powerpoint/2010/main" Requires="p14">
+  <mc:AlternateContent xmlns:mc="http://schemas.openxmlformats.org/markup-compatibility/2006" xmlns:p14="http://schemas.microsoft.com/office/powerpoint/2010/main">
+    <mc:Choice Requires="p14">
       <p:transition p14:dur="0"/>
     </mc:Choice>
-    <mc:Fallback>
+    <mc:Fallback xmlns="">
       <p:transition/>
     </mc:Fallback>
   </mc:AlternateContent>
+</p:sld>
+</file>
+
+<file path=ppt/slides/slide10.xml><?xml version="1.0" encoding="utf-8"?>
+<p:sld xmlns:a="http://schemas.openxmlformats.org/drawingml/2006/main" xmlns:r="http://schemas.openxmlformats.org/officeDocument/2006/relationships" xmlns:p="http://schemas.openxmlformats.org/presentationml/2006/main">
+  <p:cSld>
+    <p:spTree>
+      <p:nvGrpSpPr>
+        <p:cNvPr id="1" name="">
+          <a:extLst>
+            <a:ext uri="{FF2B5EF4-FFF2-40B4-BE49-F238E27FC236}">
+              <a16:creationId xmlns:a16="http://schemas.microsoft.com/office/drawing/2014/main" id="{9D3D46D5-1B5C-3FBC-2E24-FA47B0036170}"/>
+            </a:ext>
+          </a:extLst>
+        </p:cNvPr>
+        <p:cNvGrpSpPr/>
+        <p:nvPr/>
+      </p:nvGrpSpPr>
+      <p:grpSpPr>
+        <a:xfrm>
+          <a:off x="0" y="0"/>
+          <a:ext cx="0" cy="0"/>
+          <a:chOff x="0" y="0"/>
+          <a:chExt cx="0" cy="0"/>
+        </a:xfrm>
+      </p:grpSpPr>
+      <p:pic>
+        <p:nvPicPr>
+          <p:cNvPr id="4" name="Рисунок 3">
+            <a:extLst>
+              <a:ext uri="{FF2B5EF4-FFF2-40B4-BE49-F238E27FC236}">
+                <a16:creationId xmlns:a16="http://schemas.microsoft.com/office/drawing/2014/main" id="{A7B1F158-EE51-4597-98C3-3E77CAD98016}"/>
+              </a:ext>
+            </a:extLst>
+          </p:cNvPr>
+          <p:cNvPicPr>
+            <a:picLocks noChangeAspect="1"/>
+          </p:cNvPicPr>
+          <p:nvPr/>
+        </p:nvPicPr>
+        <p:blipFill>
+          <a:blip r:embed="rId2">
+            <a:extLst>
+              <a:ext uri="{28A0092B-C50C-407E-A947-70E740481C1C}">
+                <a14:useLocalDpi xmlns:a14="http://schemas.microsoft.com/office/drawing/2010/main" val="0"/>
+              </a:ext>
+            </a:extLst>
+          </a:blip>
+          <a:stretch>
+            <a:fillRect/>
+          </a:stretch>
+        </p:blipFill>
+        <p:spPr>
+          <a:xfrm>
+            <a:off x="0" y="-1"/>
+            <a:ext cx="12192000" cy="6857999"/>
+          </a:xfrm>
+          <a:prstGeom prst="rect">
+            <a:avLst/>
+          </a:prstGeom>
+        </p:spPr>
+      </p:pic>
+      <p:sp>
+        <p:nvSpPr>
+          <p:cNvPr id="5" name="Заголовок 4">
+            <a:extLst>
+              <a:ext uri="{FF2B5EF4-FFF2-40B4-BE49-F238E27FC236}">
+                <a16:creationId xmlns:a16="http://schemas.microsoft.com/office/drawing/2014/main" id="{59283680-6EE1-4DB8-5F34-7CC8C2ECFFC1}"/>
+              </a:ext>
+            </a:extLst>
+          </p:cNvPr>
+          <p:cNvSpPr>
+            <a:spLocks noGrp="1"/>
+          </p:cNvSpPr>
+          <p:nvPr>
+            <p:ph type="title"/>
+          </p:nvPr>
+        </p:nvSpPr>
+        <p:spPr>
+          <a:xfrm>
+            <a:off x="488428" y="542880"/>
+            <a:ext cx="11302400" cy="647700"/>
+          </a:xfrm>
+        </p:spPr>
+        <p:txBody>
+          <a:bodyPr>
+            <a:normAutofit/>
+          </a:bodyPr>
+          <a:lstStyle/>
+          <a:p>
+            <a:r>
+              <a:rPr lang="ru-RU" sz="4000" dirty="0">
+                <a:solidFill>
+                  <a:srgbClr val="1485FC"/>
+                </a:solidFill>
+                <a:latin typeface="CoFo Sans (Основной текст)"/>
+                <a:cs typeface="Times New Roman" panose="02020603050405020304" pitchFamily="18" charset="0"/>
+              </a:rPr>
+              <a:t>Вывод:</a:t>
+            </a:r>
+          </a:p>
+        </p:txBody>
+      </p:sp>
+      <p:pic>
+        <p:nvPicPr>
+          <p:cNvPr id="3" name="Рисунок 2">
+            <a:extLst>
+              <a:ext uri="{FF2B5EF4-FFF2-40B4-BE49-F238E27FC236}">
+                <a16:creationId xmlns:a16="http://schemas.microsoft.com/office/drawing/2014/main" id="{4B0079B9-9E81-1B4F-6451-C5E9B1A02BBC}"/>
+              </a:ext>
+            </a:extLst>
+          </p:cNvPr>
+          <p:cNvPicPr>
+            <a:picLocks noChangeAspect="1"/>
+          </p:cNvPicPr>
+          <p:nvPr/>
+        </p:nvPicPr>
+        <p:blipFill>
+          <a:blip r:embed="rId3">
+            <a:extLst>
+              <a:ext uri="{28A0092B-C50C-407E-A947-70E740481C1C}">
+                <a14:useLocalDpi xmlns:a14="http://schemas.microsoft.com/office/drawing/2010/main" val="0"/>
+              </a:ext>
+            </a:extLst>
+          </a:blip>
+          <a:srcRect/>
+          <a:stretch/>
+        </p:blipFill>
+        <p:spPr>
+          <a:xfrm>
+            <a:off x="5881037" y="1004505"/>
+            <a:ext cx="6188134" cy="4898568"/>
+          </a:xfrm>
+          <a:prstGeom prst="rect">
+            <a:avLst/>
+          </a:prstGeom>
+        </p:spPr>
+      </p:pic>
+      <p:sp>
+        <p:nvSpPr>
+          <p:cNvPr id="8" name="Прямоугольник: скругленные углы 7">
+            <a:extLst>
+              <a:ext uri="{FF2B5EF4-FFF2-40B4-BE49-F238E27FC236}">
+                <a16:creationId xmlns:a16="http://schemas.microsoft.com/office/drawing/2014/main" id="{D5307BA0-DA66-C9AC-0562-F6576DB5B185}"/>
+              </a:ext>
+            </a:extLst>
+          </p:cNvPr>
+          <p:cNvSpPr/>
+          <p:nvPr/>
+        </p:nvSpPr>
+        <p:spPr>
+          <a:xfrm>
+            <a:off x="132539" y="2738699"/>
+            <a:ext cx="5171610" cy="1430179"/>
+          </a:xfrm>
+          <a:prstGeom prst="roundRect">
+            <a:avLst/>
+          </a:prstGeom>
+          <a:solidFill>
+            <a:srgbClr val="1485FC"/>
+          </a:solidFill>
+          <a:ln w="25400" cap="flat">
+            <a:solidFill>
+              <a:schemeClr val="bg1"/>
+            </a:solidFill>
+            <a:prstDash val="solid"/>
+            <a:round/>
+          </a:ln>
+        </p:spPr>
+        <p:style>
+          <a:lnRef idx="0">
+            <a:scrgbClr r="0" g="0" b="0"/>
+          </a:lnRef>
+          <a:fillRef idx="0">
+            <a:scrgbClr r="0" g="0" b="0"/>
+          </a:fillRef>
+          <a:effectRef idx="0">
+            <a:scrgbClr r="0" g="0" b="0"/>
+          </a:effectRef>
+          <a:fontRef idx="none"/>
+        </p:style>
+        <p:txBody>
+          <a:bodyPr rot="0" spcFirstLastPara="1" vertOverflow="overflow" horzOverflow="overflow" vert="horz" wrap="square" lIns="0" tIns="0" rIns="0" bIns="0" numCol="1" spcCol="38100" rtlCol="0" anchor="ctr">
+            <a:spAutoFit/>
+          </a:bodyPr>
+          <a:lstStyle/>
+          <a:p>
+            <a:pPr marL="0" marR="0" indent="0" algn="ctr" defTabSz="825500" rtl="0" fontAlgn="auto" latinLnBrk="0" hangingPunct="0">
+              <a:lnSpc>
+                <a:spcPct val="100000"/>
+              </a:lnSpc>
+              <a:spcBef>
+                <a:spcPts val="0"/>
+              </a:spcBef>
+              <a:spcAft>
+                <a:spcPts val="0"/>
+              </a:spcAft>
+              <a:buClrTx/>
+              <a:buSzTx/>
+              <a:buFontTx/>
+              <a:buNone/>
+            </a:pPr>
+            <a:endParaRPr kumimoji="0" lang="ru-RU" sz="2800" b="1" i="0" u="none" strike="noStrike" cap="none" spc="0" normalizeH="0" baseline="0" dirty="0">
+              <a:ln>
+                <a:noFill/>
+              </a:ln>
+              <a:solidFill>
+                <a:schemeClr val="bg1"/>
+              </a:solidFill>
+              <a:effectLst/>
+              <a:uFillTx/>
+              <a:latin typeface="CoFo Sans (Основной текст)"/>
+              <a:sym typeface="CoFo Sans" panose="020B0503030202060203"/>
+            </a:endParaRPr>
+          </a:p>
+          <a:p>
+            <a:pPr marL="0" marR="0" indent="0" algn="ctr" defTabSz="825500" rtl="0" fontAlgn="auto" latinLnBrk="0" hangingPunct="0">
+              <a:lnSpc>
+                <a:spcPct val="100000"/>
+              </a:lnSpc>
+              <a:spcBef>
+                <a:spcPts val="0"/>
+              </a:spcBef>
+              <a:spcAft>
+                <a:spcPts val="0"/>
+              </a:spcAft>
+              <a:buClrTx/>
+              <a:buSzTx/>
+              <a:buFontTx/>
+              <a:buNone/>
+            </a:pPr>
+            <a:r>
+              <a:rPr kumimoji="0" lang="ru-RU" sz="2800" b="1" i="0" u="none" strike="noStrike" cap="none" spc="0" normalizeH="0" baseline="0" dirty="0">
+                <a:ln>
+                  <a:noFill/>
+                </a:ln>
+                <a:solidFill>
+                  <a:schemeClr val="bg1"/>
+                </a:solidFill>
+                <a:effectLst/>
+                <a:uFillTx/>
+                <a:latin typeface="CoFo Sans (Основной текст)"/>
+                <a:sym typeface="CoFo Sans" panose="020B0503030202060203"/>
+              </a:rPr>
+              <a:t>Модель №3 самая точная</a:t>
+            </a:r>
+          </a:p>
+          <a:p>
+            <a:pPr marL="0" marR="0" indent="0" algn="ctr" defTabSz="825500" rtl="0" fontAlgn="auto" latinLnBrk="0" hangingPunct="0">
+              <a:lnSpc>
+                <a:spcPct val="100000"/>
+              </a:lnSpc>
+              <a:spcBef>
+                <a:spcPts val="0"/>
+              </a:spcBef>
+              <a:spcAft>
+                <a:spcPts val="0"/>
+              </a:spcAft>
+              <a:buClrTx/>
+              <a:buSzTx/>
+              <a:buFontTx/>
+              <a:buNone/>
+            </a:pPr>
+            <a:endParaRPr lang="ru-RU" sz="2800" b="1" dirty="0">
+              <a:solidFill>
+                <a:schemeClr val="bg1"/>
+              </a:solidFill>
+              <a:latin typeface="CoFo Sans (Основной текст)"/>
+              <a:sym typeface="CoFo Sans" panose="020B0503030202060203"/>
+            </a:endParaRPr>
+          </a:p>
+        </p:txBody>
+      </p:sp>
+    </p:spTree>
+    <p:extLst>
+      <p:ext uri="{BB962C8B-B14F-4D97-AF65-F5344CB8AC3E}">
+        <p14:creationId xmlns:p14="http://schemas.microsoft.com/office/powerpoint/2010/main" val="3433625626"/>
+      </p:ext>
+    </p:extLst>
+  </p:cSld>
+  <p:clrMapOvr>
+    <a:masterClrMapping/>
+  </p:clrMapOvr>
+  <p:transition spd="slow">
+    <p:push dir="u"/>
+  </p:transition>
 </p:sld>
 </file>
 
@@ -4747,11 +5039,11 @@
   <p:clrMapOvr>
     <a:masterClrMapping/>
   </p:clrMapOvr>
-  <mc:AlternateContent xmlns:mc="http://schemas.openxmlformats.org/markup-compatibility/2006">
-    <mc:Choice xmlns:p14="http://schemas.microsoft.com/office/powerpoint/2010/main" Requires="p14">
+  <mc:AlternateContent xmlns:mc="http://schemas.openxmlformats.org/markup-compatibility/2006" xmlns:p14="http://schemas.microsoft.com/office/powerpoint/2010/main">
+    <mc:Choice Requires="p14">
       <p:transition p14:dur="0"/>
     </mc:Choice>
-    <mc:Fallback>
+    <mc:Fallback xmlns="">
       <p:transition/>
     </mc:Fallback>
   </mc:AlternateContent>
@@ -5122,120 +5414,167 @@
           </a:p>
         </p:txBody>
       </p:sp>
-      <p:sp>
-        <p:nvSpPr>
-          <p:cNvPr id="5" name="TextBox 4">
-            <a:extLst>
-              <a:ext uri="{FF2B5EF4-FFF2-40B4-BE49-F238E27FC236}">
-                <a16:creationId xmlns:a16="http://schemas.microsoft.com/office/drawing/2014/main" id="{D692116A-FCF7-4289-90D3-B4DAAE5A08A5}"/>
-              </a:ext>
-            </a:extLst>
-          </p:cNvPr>
-          <p:cNvSpPr txBox="1"/>
+      <p:pic>
+        <p:nvPicPr>
+          <p:cNvPr id="12" name="Рисунок 11">
+            <a:extLst>
+              <a:ext uri="{FF2B5EF4-FFF2-40B4-BE49-F238E27FC236}">
+                <a16:creationId xmlns:a16="http://schemas.microsoft.com/office/drawing/2014/main" id="{45E7DD20-9B36-44FF-B911-18217691AF90}"/>
+              </a:ext>
+            </a:extLst>
+          </p:cNvPr>
+          <p:cNvPicPr>
+            <a:picLocks noChangeAspect="1"/>
+          </p:cNvPicPr>
           <p:nvPr/>
-        </p:nvSpPr>
+        </p:nvPicPr>
+        <p:blipFill>
+          <a:blip r:embed="rId3"/>
+          <a:stretch>
+            <a:fillRect/>
+          </a:stretch>
+        </p:blipFill>
         <p:spPr>
           <a:xfrm>
-            <a:off x="770021" y="2990134"/>
-            <a:ext cx="2271562" cy="2677656"/>
+            <a:off x="636153" y="2146699"/>
+            <a:ext cx="2688459" cy="1089092"/>
           </a:xfrm>
           <a:prstGeom prst="rect">
             <a:avLst/>
           </a:prstGeom>
-          <a:noFill/>
         </p:spPr>
-        <p:txBody>
-          <a:bodyPr wrap="square" rtlCol="0">
-            <a:spAutoFit/>
-          </a:bodyPr>
-          <a:lstStyle/>
-          <a:p>
-            <a:r>
-              <a:rPr lang="en-US" sz="2800" b="0" dirty="0">
-                <a:solidFill>
-                  <a:srgbClr val="1485FC"/>
-                </a:solidFill>
-                <a:effectLst/>
-                <a:latin typeface="CoFo Sans (Основной текст)"/>
-              </a:rPr>
-              <a:t>Pandas</a:t>
-            </a:r>
-          </a:p>
-          <a:p>
-            <a:r>
-              <a:rPr lang="en-US" sz="2800" dirty="0" err="1">
-                <a:solidFill>
-                  <a:srgbClr val="1485FC"/>
-                </a:solidFill>
-                <a:latin typeface="CoFo Sans (Основной текст)"/>
-              </a:rPr>
-              <a:t>Numpy</a:t>
-            </a:r>
-            <a:endParaRPr lang="en-US" sz="2800" dirty="0">
-              <a:solidFill>
-                <a:srgbClr val="1485FC"/>
-              </a:solidFill>
-              <a:latin typeface="CoFo Sans (Основной текст)"/>
-            </a:endParaRPr>
-          </a:p>
-          <a:p>
-            <a:r>
-              <a:rPr lang="en-US" sz="2800" b="0" dirty="0" err="1">
-                <a:solidFill>
-                  <a:srgbClr val="1485FC"/>
-                </a:solidFill>
-                <a:effectLst/>
-                <a:latin typeface="CoFo Sans (Основной текст)"/>
-              </a:rPr>
-              <a:t>Sklearn</a:t>
-            </a:r>
-            <a:endParaRPr lang="en-US" sz="2800" b="0" dirty="0">
-              <a:solidFill>
-                <a:srgbClr val="1485FC"/>
-              </a:solidFill>
-              <a:effectLst/>
-              <a:latin typeface="CoFo Sans (Основной текст)"/>
-            </a:endParaRPr>
-          </a:p>
-          <a:p>
-            <a:r>
-              <a:rPr lang="en-US" sz="2800" dirty="0" err="1">
-                <a:solidFill>
-                  <a:srgbClr val="1485FC"/>
-                </a:solidFill>
-                <a:latin typeface="CoFo Sans (Основной текст)"/>
-              </a:rPr>
-              <a:t>Imblearn</a:t>
-            </a:r>
-            <a:endParaRPr lang="en-US" sz="2800" dirty="0">
-              <a:solidFill>
-                <a:srgbClr val="1485FC"/>
-              </a:solidFill>
-              <a:latin typeface="CoFo Sans (Основной текст)"/>
-            </a:endParaRPr>
-          </a:p>
-          <a:p>
-            <a:r>
-              <a:rPr lang="en-US" sz="2800" dirty="0">
-                <a:solidFill>
-                  <a:srgbClr val="1485FC"/>
-                </a:solidFill>
-                <a:latin typeface="CoFo Sans (Основной текст)"/>
-              </a:rPr>
-              <a:t>Seaborn</a:t>
-            </a:r>
-          </a:p>
-          <a:p>
-            <a:endParaRPr lang="en-US" sz="2800" b="0" dirty="0">
-              <a:solidFill>
-                <a:srgbClr val="1485FC"/>
-              </a:solidFill>
-              <a:effectLst/>
-              <a:latin typeface="CoFo Sans (Основной текст)"/>
-            </a:endParaRPr>
-          </a:p>
-        </p:txBody>
-      </p:sp>
+      </p:pic>
+      <p:pic>
+        <p:nvPicPr>
+          <p:cNvPr id="14" name="Рисунок 13">
+            <a:extLst>
+              <a:ext uri="{FF2B5EF4-FFF2-40B4-BE49-F238E27FC236}">
+                <a16:creationId xmlns:a16="http://schemas.microsoft.com/office/drawing/2014/main" id="{A6C672EA-DFAF-4332-B2F7-76FD0BB622D4}"/>
+              </a:ext>
+            </a:extLst>
+          </p:cNvPr>
+          <p:cNvPicPr>
+            <a:picLocks noChangeAspect="1"/>
+          </p:cNvPicPr>
+          <p:nvPr/>
+        </p:nvPicPr>
+        <p:blipFill>
+          <a:blip r:embed="rId4"/>
+          <a:stretch>
+            <a:fillRect/>
+          </a:stretch>
+        </p:blipFill>
+        <p:spPr>
+          <a:xfrm>
+            <a:off x="1784629" y="3235791"/>
+            <a:ext cx="2552921" cy="1143099"/>
+          </a:xfrm>
+          <a:prstGeom prst="rect">
+            <a:avLst/>
+          </a:prstGeom>
+        </p:spPr>
+      </p:pic>
+      <p:pic>
+        <p:nvPicPr>
+          <p:cNvPr id="16" name="Рисунок 15">
+            <a:extLst>
+              <a:ext uri="{FF2B5EF4-FFF2-40B4-BE49-F238E27FC236}">
+                <a16:creationId xmlns:a16="http://schemas.microsoft.com/office/drawing/2014/main" id="{81A822F6-9637-4315-B2D2-E87C27BD525B}"/>
+              </a:ext>
+            </a:extLst>
+          </p:cNvPr>
+          <p:cNvPicPr>
+            <a:picLocks noChangeAspect="1"/>
+          </p:cNvPicPr>
+          <p:nvPr/>
+        </p:nvPicPr>
+        <p:blipFill>
+          <a:blip r:embed="rId5">
+            <a:extLst>
+              <a:ext uri="{28A0092B-C50C-407E-A947-70E740481C1C}">
+                <a14:useLocalDpi xmlns:a14="http://schemas.microsoft.com/office/drawing/2010/main" val="0"/>
+              </a:ext>
+            </a:extLst>
+          </a:blip>
+          <a:srcRect/>
+          <a:stretch/>
+        </p:blipFill>
+        <p:spPr>
+          <a:xfrm>
+            <a:off x="3287594" y="4642887"/>
+            <a:ext cx="2099912" cy="1133953"/>
+          </a:xfrm>
+          <a:prstGeom prst="rect">
+            <a:avLst/>
+          </a:prstGeom>
+        </p:spPr>
+      </p:pic>
+      <p:pic>
+        <p:nvPicPr>
+          <p:cNvPr id="18" name="Рисунок 17">
+            <a:extLst>
+              <a:ext uri="{FF2B5EF4-FFF2-40B4-BE49-F238E27FC236}">
+                <a16:creationId xmlns:a16="http://schemas.microsoft.com/office/drawing/2014/main" id="{1EB10DC3-B782-431C-A7FE-B7733C394ADC}"/>
+              </a:ext>
+            </a:extLst>
+          </p:cNvPr>
+          <p:cNvPicPr>
+            <a:picLocks noChangeAspect="1"/>
+          </p:cNvPicPr>
+          <p:nvPr/>
+        </p:nvPicPr>
+        <p:blipFill>
+          <a:blip r:embed="rId6"/>
+          <a:stretch>
+            <a:fillRect/>
+          </a:stretch>
+        </p:blipFill>
+        <p:spPr>
+          <a:xfrm>
+            <a:off x="5639976" y="5646315"/>
+            <a:ext cx="2423370" cy="1211685"/>
+          </a:xfrm>
+          <a:prstGeom prst="rect">
+            <a:avLst/>
+          </a:prstGeom>
+        </p:spPr>
+      </p:pic>
+      <p:pic>
+        <p:nvPicPr>
+          <p:cNvPr id="20" name="Рисунок 19">
+            <a:extLst>
+              <a:ext uri="{FF2B5EF4-FFF2-40B4-BE49-F238E27FC236}">
+                <a16:creationId xmlns:a16="http://schemas.microsoft.com/office/drawing/2014/main" id="{73E9D9B9-8503-409D-B7FA-AE4740E8F2E8}"/>
+              </a:ext>
+            </a:extLst>
+          </p:cNvPr>
+          <p:cNvPicPr>
+            <a:picLocks noChangeAspect="1"/>
+          </p:cNvPicPr>
+          <p:nvPr/>
+        </p:nvPicPr>
+        <p:blipFill>
+          <a:blip r:embed="rId7">
+            <a:extLst>
+              <a:ext uri="{28A0092B-C50C-407E-A947-70E740481C1C}">
+                <a14:useLocalDpi xmlns:a14="http://schemas.microsoft.com/office/drawing/2010/main" val="0"/>
+              </a:ext>
+            </a:extLst>
+          </a:blip>
+          <a:stretch>
+            <a:fillRect/>
+          </a:stretch>
+        </p:blipFill>
+        <p:spPr>
+          <a:xfrm>
+            <a:off x="5826369" y="3707171"/>
+            <a:ext cx="2438405" cy="929642"/>
+          </a:xfrm>
+          <a:prstGeom prst="rect">
+            <a:avLst/>
+          </a:prstGeom>
+        </p:spPr>
+      </p:pic>
     </p:spTree>
     <p:extLst>
       <p:ext uri="{BB962C8B-B14F-4D97-AF65-F5344CB8AC3E}">
@@ -7768,7 +8107,7 @@
         </p:blipFill>
         <p:spPr>
           <a:xfrm>
-            <a:off x="0" y="0"/>
+            <a:off x="10391" y="-31173"/>
             <a:ext cx="12192000" cy="6858000"/>
           </a:xfrm>
           <a:prstGeom prst="rect">
@@ -7778,6 +8117,55 @@
       </p:pic>
       <p:sp>
         <p:nvSpPr>
+          <p:cNvPr id="6" name="Прямоугольник: скругленные углы 5">
+            <a:extLst>
+              <a:ext uri="{FF2B5EF4-FFF2-40B4-BE49-F238E27FC236}">
+                <a16:creationId xmlns:a16="http://schemas.microsoft.com/office/drawing/2014/main" id="{BA3A3730-695B-49CD-A1E2-237C9ED5C9F1}"/>
+              </a:ext>
+            </a:extLst>
+          </p:cNvPr>
+          <p:cNvSpPr/>
+          <p:nvPr/>
+        </p:nvSpPr>
+        <p:spPr>
+          <a:xfrm>
+            <a:off x="509155" y="2254827"/>
+            <a:ext cx="8952478" cy="2536038"/>
+          </a:xfrm>
+          <a:prstGeom prst="roundRect">
+            <a:avLst/>
+          </a:prstGeom>
+          <a:solidFill>
+            <a:srgbClr val="1485FC"/>
+          </a:solidFill>
+        </p:spPr>
+        <p:style>
+          <a:lnRef idx="2">
+            <a:schemeClr val="accent1">
+              <a:shade val="50000"/>
+            </a:schemeClr>
+          </a:lnRef>
+          <a:fillRef idx="1">
+            <a:schemeClr val="accent1"/>
+          </a:fillRef>
+          <a:effectRef idx="0">
+            <a:schemeClr val="accent1"/>
+          </a:effectRef>
+          <a:fontRef idx="minor">
+            <a:schemeClr val="lt1"/>
+          </a:fontRef>
+        </p:style>
+        <p:txBody>
+          <a:bodyPr rtlCol="0" anchor="ctr"/>
+          <a:lstStyle/>
+          <a:p>
+            <a:pPr algn="ctr"/>
+            <a:endParaRPr lang="ru-RU"/>
+          </a:p>
+        </p:txBody>
+      </p:sp>
+      <p:sp>
+        <p:nvSpPr>
           <p:cNvPr id="2" name="Заголовок 1">
             <a:extLst>
               <a:ext uri="{FF2B5EF4-FFF2-40B4-BE49-F238E27FC236}">
@@ -7807,16 +8195,35 @@
             <a:r>
               <a:rPr lang="en-US" sz="3600" b="0" i="0" dirty="0">
                 <a:solidFill>
-                  <a:srgbClr val="1485FC"/>
+                  <a:schemeClr val="bg1"/>
                 </a:solidFill>
                 <a:effectLst/>
                 <a:latin typeface="CoFo Sans (Основной текст)"/>
               </a:rPr>
-              <a:t>Logistic Regression ROC-AUC: 0.6547 Gradient Boosting ROC-AUC: 0.8626 Random Forest ROC-AUC: 0.9327</a:t>
+              <a:t>Logistic Regression ROC-AUC: 0.6547 Gradient Boosting ROC-AUC: 0.8626 </a:t>
+            </a:r>
+            <a:br>
+              <a:rPr lang="en-US" sz="3600" b="0" i="0" dirty="0">
+                <a:solidFill>
+                  <a:schemeClr val="bg1"/>
+                </a:solidFill>
+                <a:effectLst/>
+                <a:latin typeface="CoFo Sans (Основной текст)"/>
+              </a:rPr>
+            </a:br>
+            <a:r>
+              <a:rPr lang="en-US" sz="3600" b="0" i="0" dirty="0">
+                <a:solidFill>
+                  <a:schemeClr val="bg1"/>
+                </a:solidFill>
+                <a:effectLst/>
+                <a:latin typeface="CoFo Sans (Основной текст)"/>
+              </a:rPr>
+              <a:t>Random Forest ROC-AUC: 0.9327</a:t>
             </a:r>
             <a:endParaRPr lang="ru-RU" sz="3600" dirty="0">
               <a:solidFill>
-                <a:srgbClr val="1485FC"/>
+                <a:schemeClr val="bg1"/>
               </a:solidFill>
               <a:latin typeface="CoFo Sans (Основной текст)"/>
             </a:endParaRPr>
@@ -7885,7 +8292,7 @@
         <p:cNvPr id="1" name="">
           <a:extLst>
             <a:ext uri="{FF2B5EF4-FFF2-40B4-BE49-F238E27FC236}">
-              <a16:creationId xmlns:a16="http://schemas.microsoft.com/office/drawing/2014/main" id="{9D3D46D5-1B5C-3FBC-2E24-FA47B0036170}"/>
+              <a16:creationId xmlns:a16="http://schemas.microsoft.com/office/drawing/2014/main" id="{FE7D91F1-A787-9653-E0A3-1FB60B5A815D}"/>
             </a:ext>
           </a:extLst>
         </p:cNvPr>
@@ -7902,10 +8309,10 @@
       </p:grpSpPr>
       <p:pic>
         <p:nvPicPr>
-          <p:cNvPr id="4" name="Рисунок 3">
-            <a:extLst>
-              <a:ext uri="{FF2B5EF4-FFF2-40B4-BE49-F238E27FC236}">
-                <a16:creationId xmlns:a16="http://schemas.microsoft.com/office/drawing/2014/main" id="{A7B1F158-EE51-4597-98C3-3E77CAD98016}"/>
+          <p:cNvPr id="10" name="Рисунок 9">
+            <a:extLst>
+              <a:ext uri="{FF2B5EF4-FFF2-40B4-BE49-F238E27FC236}">
+                <a16:creationId xmlns:a16="http://schemas.microsoft.com/office/drawing/2014/main" id="{DC7AABEA-8658-4886-B08F-7DD648473093}"/>
               </a:ext>
             </a:extLst>
           </p:cNvPr>
@@ -7928,8 +8335,8 @@
         </p:blipFill>
         <p:spPr>
           <a:xfrm>
-            <a:off x="0" y="-1"/>
-            <a:ext cx="12192000" cy="6857999"/>
+            <a:off x="-1" y="10391"/>
+            <a:ext cx="12192001" cy="6858000"/>
           </a:xfrm>
           <a:prstGeom prst="rect">
             <a:avLst/>
@@ -7941,7 +8348,7 @@
           <p:cNvPr id="5" name="Заголовок 4">
             <a:extLst>
               <a:ext uri="{FF2B5EF4-FFF2-40B4-BE49-F238E27FC236}">
-                <a16:creationId xmlns:a16="http://schemas.microsoft.com/office/drawing/2014/main" id="{59283680-6EE1-4DB8-5F34-7CC8C2ECFFC1}"/>
+                <a16:creationId xmlns:a16="http://schemas.microsoft.com/office/drawing/2014/main" id="{ABF702ED-72A0-19F1-45E6-08EC22EE5E06}"/>
               </a:ext>
             </a:extLst>
           </p:cNvPr>
@@ -7954,8 +8361,8 @@
         </p:nvSpPr>
         <p:spPr>
           <a:xfrm>
-            <a:off x="488428" y="542880"/>
-            <a:ext cx="11302400" cy="647700"/>
+            <a:off x="715510" y="622043"/>
+            <a:ext cx="9583522" cy="647700"/>
           </a:xfrm>
         </p:spPr>
         <p:txBody>
@@ -7972,62 +8379,44 @@
                 <a:latin typeface="CoFo Sans (Основной текст)"/>
                 <a:cs typeface="Times New Roman" panose="02020603050405020304" pitchFamily="18" charset="0"/>
               </a:rPr>
-              <a:t>Вывод:</a:t>
-            </a:r>
-          </a:p>
-        </p:txBody>
-      </p:sp>
-      <p:pic>
-        <p:nvPicPr>
-          <p:cNvPr id="3" name="Рисунок 2">
-            <a:extLst>
-              <a:ext uri="{FF2B5EF4-FFF2-40B4-BE49-F238E27FC236}">
-                <a16:creationId xmlns:a16="http://schemas.microsoft.com/office/drawing/2014/main" id="{4B0079B9-9E81-1B4F-6451-C5E9B1A02BBC}"/>
-              </a:ext>
-            </a:extLst>
-          </p:cNvPr>
-          <p:cNvPicPr>
-            <a:picLocks noChangeAspect="1"/>
-          </p:cNvPicPr>
+              <a:t>Баланс классов с помощью </a:t>
+            </a:r>
+            <a:r>
+              <a:rPr lang="en-US" sz="4000" dirty="0">
+                <a:solidFill>
+                  <a:srgbClr val="1485FC"/>
+                </a:solidFill>
+                <a:latin typeface="CoFo Sans (Основной текст)"/>
+                <a:cs typeface="Times New Roman" panose="02020603050405020304" pitchFamily="18" charset="0"/>
+              </a:rPr>
+              <a:t>SMOTE</a:t>
+            </a:r>
+            <a:endParaRPr lang="ru-RU" sz="4000" dirty="0">
+              <a:solidFill>
+                <a:srgbClr val="1485FC"/>
+              </a:solidFill>
+              <a:latin typeface="CoFo Sans (Основной текст)"/>
+              <a:cs typeface="Times New Roman" panose="02020603050405020304" pitchFamily="18" charset="0"/>
+            </a:endParaRPr>
+          </a:p>
+        </p:txBody>
+      </p:sp>
+      <p:sp>
+        <p:nvSpPr>
+          <p:cNvPr id="8" name="Прямоугольник: скругленные углы 7">
+            <a:extLst>
+              <a:ext uri="{FF2B5EF4-FFF2-40B4-BE49-F238E27FC236}">
+                <a16:creationId xmlns:a16="http://schemas.microsoft.com/office/drawing/2014/main" id="{26A8EB3D-A3FB-4AF2-9DEF-CB231F68BA45}"/>
+              </a:ext>
+            </a:extLst>
+          </p:cNvPr>
+          <p:cNvSpPr/>
           <p:nvPr/>
-        </p:nvPicPr>
-        <p:blipFill>
-          <a:blip r:embed="rId3">
-            <a:extLst>
-              <a:ext uri="{28A0092B-C50C-407E-A947-70E740481C1C}">
-                <a14:useLocalDpi xmlns:a14="http://schemas.microsoft.com/office/drawing/2010/main" val="0"/>
-              </a:ext>
-            </a:extLst>
-          </a:blip>
-          <a:srcRect/>
-          <a:stretch/>
-        </p:blipFill>
+        </p:nvSpPr>
         <p:spPr>
           <a:xfrm>
-            <a:off x="5881037" y="1004505"/>
-            <a:ext cx="6188134" cy="4898568"/>
-          </a:xfrm>
-          <a:prstGeom prst="rect">
-            <a:avLst/>
-          </a:prstGeom>
-        </p:spPr>
-      </p:pic>
-      <p:sp>
-        <p:nvSpPr>
-          <p:cNvPr id="8" name="Прямоугольник: скругленные углы 7">
-            <a:extLst>
-              <a:ext uri="{FF2B5EF4-FFF2-40B4-BE49-F238E27FC236}">
-                <a16:creationId xmlns:a16="http://schemas.microsoft.com/office/drawing/2014/main" id="{D5307BA0-DA66-C9AC-0562-F6576DB5B185}"/>
-              </a:ext>
-            </a:extLst>
-          </p:cNvPr>
-          <p:cNvSpPr/>
-          <p:nvPr/>
-        </p:nvSpPr>
-        <p:spPr>
-          <a:xfrm>
-            <a:off x="132539" y="2738699"/>
-            <a:ext cx="5171610" cy="1430179"/>
+            <a:off x="394855" y="2192482"/>
+            <a:ext cx="7266739" cy="4281054"/>
           </a:xfrm>
           <a:prstGeom prst="roundRect">
             <a:avLst/>
@@ -8035,114 +8424,201 @@
           <a:solidFill>
             <a:srgbClr val="1485FC"/>
           </a:solidFill>
-          <a:ln w="25400" cap="flat">
-            <a:solidFill>
-              <a:schemeClr val="bg1"/>
-            </a:solidFill>
-            <a:prstDash val="solid"/>
-            <a:round/>
-          </a:ln>
         </p:spPr>
         <p:style>
-          <a:lnRef idx="0">
-            <a:scrgbClr r="0" g="0" b="0"/>
+          <a:lnRef idx="2">
+            <a:schemeClr val="accent1">
+              <a:shade val="50000"/>
+            </a:schemeClr>
           </a:lnRef>
-          <a:fillRef idx="0">
-            <a:scrgbClr r="0" g="0" b="0"/>
+          <a:fillRef idx="1">
+            <a:schemeClr val="accent1"/>
           </a:fillRef>
           <a:effectRef idx="0">
-            <a:scrgbClr r="0" g="0" b="0"/>
+            <a:schemeClr val="accent1"/>
           </a:effectRef>
-          <a:fontRef idx="none"/>
+          <a:fontRef idx="minor">
+            <a:schemeClr val="lt1"/>
+          </a:fontRef>
         </p:style>
         <p:txBody>
-          <a:bodyPr rot="0" spcFirstLastPara="1" vertOverflow="overflow" horzOverflow="overflow" vert="horz" wrap="square" lIns="0" tIns="0" rIns="0" bIns="0" numCol="1" spcCol="38100" rtlCol="0" anchor="ctr">
+          <a:bodyPr rtlCol="0" anchor="ctr"/>
+          <a:lstStyle/>
+          <a:p>
+            <a:pPr algn="ctr"/>
+            <a:endParaRPr lang="ru-RU"/>
+          </a:p>
+        </p:txBody>
+      </p:sp>
+      <p:sp>
+        <p:nvSpPr>
+          <p:cNvPr id="3" name="TextBox 2">
+            <a:extLst>
+              <a:ext uri="{FF2B5EF4-FFF2-40B4-BE49-F238E27FC236}">
+                <a16:creationId xmlns:a16="http://schemas.microsoft.com/office/drawing/2014/main" id="{F33E68A1-7505-4A6B-A0DE-471C98B2682E}"/>
+              </a:ext>
+            </a:extLst>
+          </p:cNvPr>
+          <p:cNvSpPr txBox="1"/>
+          <p:nvPr/>
+        </p:nvSpPr>
+        <p:spPr>
+          <a:xfrm>
+            <a:off x="715510" y="2450305"/>
+            <a:ext cx="6946084" cy="3785652"/>
+          </a:xfrm>
+          <a:prstGeom prst="rect">
+            <a:avLst/>
+          </a:prstGeom>
+          <a:noFill/>
+        </p:spPr>
+        <p:txBody>
+          <a:bodyPr wrap="square" rtlCol="0">
             <a:spAutoFit/>
           </a:bodyPr>
           <a:lstStyle/>
           <a:p>
-            <a:pPr marL="0" marR="0" indent="0" algn="ctr" defTabSz="825500" rtl="0" fontAlgn="auto" latinLnBrk="0" hangingPunct="0">
-              <a:lnSpc>
-                <a:spcPct val="100000"/>
-              </a:lnSpc>
-              <a:spcBef>
-                <a:spcPts val="0"/>
-              </a:spcBef>
-              <a:spcAft>
-                <a:spcPts val="0"/>
-              </a:spcAft>
-              <a:buClrTx/>
-              <a:buSzTx/>
-              <a:buFontTx/>
-              <a:buNone/>
-            </a:pPr>
-            <a:endParaRPr kumimoji="0" lang="ru-RU" sz="2800" b="1" i="0" u="none" strike="noStrike" cap="none" spc="0" normalizeH="0" baseline="0" dirty="0">
-              <a:ln>
-                <a:noFill/>
-              </a:ln>
+            <a:r>
+              <a:rPr lang="ru-RU" sz="4000" b="0" i="0" dirty="0">
+                <a:solidFill>
+                  <a:schemeClr val="bg1"/>
+                </a:solidFill>
+                <a:effectLst/>
+                <a:latin typeface="CoFo Sans (Основной текст)"/>
+              </a:rPr>
+              <a:t>Распределение классов после SMOTE:</a:t>
+            </a:r>
+            <a:endParaRPr lang="en-US" sz="4000" b="0" i="0" dirty="0">
               <a:solidFill>
                 <a:schemeClr val="bg1"/>
               </a:solidFill>
               <a:effectLst/>
-              <a:uFillTx/>
               <a:latin typeface="CoFo Sans (Основной текст)"/>
-              <a:sym typeface="CoFo Sans" panose="020B0503030202060203"/>
             </a:endParaRPr>
           </a:p>
           <a:p>
-            <a:pPr marL="0" marR="0" indent="0" algn="ctr" defTabSz="825500" rtl="0" fontAlgn="auto" latinLnBrk="0" hangingPunct="0">
-              <a:lnSpc>
-                <a:spcPct val="100000"/>
-              </a:lnSpc>
-              <a:spcBef>
-                <a:spcPts val="0"/>
-              </a:spcBef>
-              <a:spcAft>
-                <a:spcPts val="0"/>
-              </a:spcAft>
-              <a:buClrTx/>
-              <a:buSzTx/>
-              <a:buFontTx/>
-              <a:buNone/>
-            </a:pPr>
-            <a:r>
-              <a:rPr kumimoji="0" lang="ru-RU" sz="2800" b="1" i="0" u="none" strike="noStrike" cap="none" spc="0" normalizeH="0" baseline="0" dirty="0">
-                <a:ln>
-                  <a:noFill/>
-                </a:ln>
+            <a:r>
+              <a:rPr lang="ru-RU" sz="4000" b="0" i="0" dirty="0" err="1">
                 <a:solidFill>
                   <a:schemeClr val="bg1"/>
                 </a:solidFill>
                 <a:effectLst/>
-                <a:uFillTx/>
                 <a:latin typeface="CoFo Sans (Основной текст)"/>
-                <a:sym typeface="CoFo Sans" panose="020B0503030202060203"/>
-              </a:rPr>
-              <a:t>Модель №3 самая точная</a:t>
-            </a:r>
-          </a:p>
-          <a:p>
-            <a:pPr marL="0" marR="0" indent="0" algn="ctr" defTabSz="825500" rtl="0" fontAlgn="auto" latinLnBrk="0" hangingPunct="0">
-              <a:lnSpc>
-                <a:spcPct val="100000"/>
-              </a:lnSpc>
-              <a:spcBef>
-                <a:spcPts val="0"/>
-              </a:spcBef>
-              <a:spcAft>
-                <a:spcPts val="0"/>
-              </a:spcAft>
-              <a:buClrTx/>
-              <a:buSzTx/>
-              <a:buFontTx/>
-              <a:buNone/>
-            </a:pPr>
-            <a:endParaRPr lang="ru-RU" sz="2800" b="1" dirty="0">
+              </a:rPr>
+              <a:t>target</a:t>
+            </a:r>
+            <a:r>
+              <a:rPr lang="ru-RU" sz="4000" b="0" i="0" dirty="0">
+                <a:solidFill>
+                  <a:schemeClr val="bg1"/>
+                </a:solidFill>
+                <a:effectLst/>
+                <a:latin typeface="CoFo Sans (Основной текст)"/>
+              </a:rPr>
+              <a:t> </a:t>
+            </a:r>
+            <a:endParaRPr lang="en-US" sz="4000" b="0" i="0" dirty="0">
+              <a:solidFill>
+                <a:schemeClr val="bg1"/>
+              </a:solidFill>
+              <a:effectLst/>
+              <a:latin typeface="CoFo Sans (Основной текст)"/>
+            </a:endParaRPr>
+          </a:p>
+          <a:p>
+            <a:r>
+              <a:rPr lang="ru-RU" sz="4000" b="0" i="0" dirty="0">
+                <a:solidFill>
+                  <a:schemeClr val="bg1"/>
+                </a:solidFill>
+                <a:effectLst/>
+                <a:latin typeface="CoFo Sans (Основной текст)"/>
+              </a:rPr>
+              <a:t>0 14020 </a:t>
+            </a:r>
+            <a:endParaRPr lang="en-US" sz="4000" b="0" i="0" dirty="0">
+              <a:solidFill>
+                <a:schemeClr val="bg1"/>
+              </a:solidFill>
+              <a:effectLst/>
+              <a:latin typeface="CoFo Sans (Основной текст)"/>
+            </a:endParaRPr>
+          </a:p>
+          <a:p>
+            <a:r>
+              <a:rPr lang="ru-RU" sz="4000" b="0" i="0" dirty="0">
+                <a:solidFill>
+                  <a:schemeClr val="bg1"/>
+                </a:solidFill>
+                <a:effectLst/>
+                <a:latin typeface="CoFo Sans (Основной текст)"/>
+              </a:rPr>
+              <a:t>1 14020 </a:t>
+            </a:r>
+            <a:endParaRPr lang="en-US" sz="4000" b="0" i="0" dirty="0">
+              <a:solidFill>
+                <a:schemeClr val="bg1"/>
+              </a:solidFill>
+              <a:effectLst/>
+              <a:latin typeface="CoFo Sans (Основной текст)"/>
+            </a:endParaRPr>
+          </a:p>
+          <a:p>
+            <a:r>
+              <a:rPr lang="ru-RU" sz="4000" b="0" i="0" dirty="0">
+                <a:solidFill>
+                  <a:schemeClr val="bg1"/>
+                </a:solidFill>
+                <a:effectLst/>
+                <a:latin typeface="CoFo Sans (Основной текст)"/>
+              </a:rPr>
+              <a:t>Name: </a:t>
+            </a:r>
+            <a:r>
+              <a:rPr lang="ru-RU" sz="4000" b="0" i="0" dirty="0" err="1">
+                <a:solidFill>
+                  <a:schemeClr val="bg1"/>
+                </a:solidFill>
+                <a:effectLst/>
+                <a:latin typeface="CoFo Sans (Основной текст)"/>
+              </a:rPr>
+              <a:t>count</a:t>
+            </a:r>
+            <a:r>
+              <a:rPr lang="ru-RU" sz="4000" b="0" i="0" dirty="0">
+                <a:solidFill>
+                  <a:schemeClr val="bg1"/>
+                </a:solidFill>
+                <a:effectLst/>
+                <a:latin typeface="CoFo Sans (Основной текст)"/>
+              </a:rPr>
+              <a:t>, </a:t>
+            </a:r>
+            <a:r>
+              <a:rPr lang="ru-RU" sz="4000" b="0" i="0" dirty="0" err="1">
+                <a:solidFill>
+                  <a:schemeClr val="bg1"/>
+                </a:solidFill>
+                <a:effectLst/>
+                <a:latin typeface="CoFo Sans (Основной текст)"/>
+              </a:rPr>
+              <a:t>dtype</a:t>
+            </a:r>
+            <a:r>
+              <a:rPr lang="ru-RU" sz="4000" b="0" i="0" dirty="0">
+                <a:solidFill>
+                  <a:schemeClr val="bg1"/>
+                </a:solidFill>
+                <a:effectLst/>
+                <a:latin typeface="CoFo Sans (Основной текст)"/>
+              </a:rPr>
+              <a:t>: int64</a:t>
+            </a:r>
+            <a:endParaRPr lang="ru-RU" sz="4000" dirty="0">
               <a:solidFill>
                 <a:schemeClr val="bg1"/>
               </a:solidFill>
               <a:latin typeface="CoFo Sans (Основной текст)"/>
-              <a:sym typeface="CoFo Sans" panose="020B0503030202060203"/>
             </a:endParaRPr>
           </a:p>
         </p:txBody>
@@ -8150,15 +8626,15 @@
     </p:spTree>
     <p:extLst>
       <p:ext uri="{BB962C8B-B14F-4D97-AF65-F5344CB8AC3E}">
-        <p14:creationId xmlns:p14="http://schemas.microsoft.com/office/powerpoint/2010/main" val="3433625626"/>
+        <p14:creationId xmlns:p14="http://schemas.microsoft.com/office/powerpoint/2010/main" val="3140196582"/>
       </p:ext>
     </p:extLst>
   </p:cSld>
   <p:clrMapOvr>
     <a:masterClrMapping/>
   </p:clrMapOvr>
-  <p:transition spd="slow">
-    <p:push dir="u"/>
+  <p:transition spd="med">
+    <p:pull/>
   </p:transition>
 </p:sld>
 </file>

--- a/Модель склонности клиента к приобретению машиноместа.pptx
+++ b/Модель склонности клиента к приобретению машиноместа.pptx
@@ -268,7 +268,7 @@
           <a:p>
             <a:fld id="{5774639C-FBAA-4C2C-9110-08973D50BF5A}" type="datetimeFigureOut">
               <a:rPr lang="ru-RU" smtClean="0"/>
-              <a:t>19.12.2024</a:t>
+              <a:t>23.12.2024</a:t>
             </a:fld>
             <a:endParaRPr lang="ru-RU"/>
           </a:p>
@@ -466,7 +466,7 @@
           <a:p>
             <a:fld id="{5774639C-FBAA-4C2C-9110-08973D50BF5A}" type="datetimeFigureOut">
               <a:rPr lang="ru-RU" smtClean="0"/>
-              <a:t>19.12.2024</a:t>
+              <a:t>23.12.2024</a:t>
             </a:fld>
             <a:endParaRPr lang="ru-RU"/>
           </a:p>
@@ -674,7 +674,7 @@
           <a:p>
             <a:fld id="{5774639C-FBAA-4C2C-9110-08973D50BF5A}" type="datetimeFigureOut">
               <a:rPr lang="ru-RU" smtClean="0"/>
-              <a:t>19.12.2024</a:t>
+              <a:t>23.12.2024</a:t>
             </a:fld>
             <a:endParaRPr lang="ru-RU"/>
           </a:p>
@@ -1583,7 +1583,7 @@
           <a:p>
             <a:fld id="{5774639C-FBAA-4C2C-9110-08973D50BF5A}" type="datetimeFigureOut">
               <a:rPr lang="ru-RU" smtClean="0"/>
-              <a:t>19.12.2024</a:t>
+              <a:t>23.12.2024</a:t>
             </a:fld>
             <a:endParaRPr lang="ru-RU"/>
           </a:p>
@@ -1858,7 +1858,7 @@
           <a:p>
             <a:fld id="{5774639C-FBAA-4C2C-9110-08973D50BF5A}" type="datetimeFigureOut">
               <a:rPr lang="ru-RU" smtClean="0"/>
-              <a:t>19.12.2024</a:t>
+              <a:t>23.12.2024</a:t>
             </a:fld>
             <a:endParaRPr lang="ru-RU"/>
           </a:p>
@@ -2123,7 +2123,7 @@
           <a:p>
             <a:fld id="{5774639C-FBAA-4C2C-9110-08973D50BF5A}" type="datetimeFigureOut">
               <a:rPr lang="ru-RU" smtClean="0"/>
-              <a:t>19.12.2024</a:t>
+              <a:t>23.12.2024</a:t>
             </a:fld>
             <a:endParaRPr lang="ru-RU"/>
           </a:p>
@@ -2535,7 +2535,7 @@
           <a:p>
             <a:fld id="{5774639C-FBAA-4C2C-9110-08973D50BF5A}" type="datetimeFigureOut">
               <a:rPr lang="ru-RU" smtClean="0"/>
-              <a:t>19.12.2024</a:t>
+              <a:t>23.12.2024</a:t>
             </a:fld>
             <a:endParaRPr lang="ru-RU"/>
           </a:p>
@@ -2676,7 +2676,7 @@
           <a:p>
             <a:fld id="{5774639C-FBAA-4C2C-9110-08973D50BF5A}" type="datetimeFigureOut">
               <a:rPr lang="ru-RU" smtClean="0"/>
-              <a:t>19.12.2024</a:t>
+              <a:t>23.12.2024</a:t>
             </a:fld>
             <a:endParaRPr lang="ru-RU"/>
           </a:p>
@@ -2789,7 +2789,7 @@
           <a:p>
             <a:fld id="{5774639C-FBAA-4C2C-9110-08973D50BF5A}" type="datetimeFigureOut">
               <a:rPr lang="ru-RU" smtClean="0"/>
-              <a:t>19.12.2024</a:t>
+              <a:t>23.12.2024</a:t>
             </a:fld>
             <a:endParaRPr lang="ru-RU"/>
           </a:p>
@@ -3100,7 +3100,7 @@
           <a:p>
             <a:fld id="{5774639C-FBAA-4C2C-9110-08973D50BF5A}" type="datetimeFigureOut">
               <a:rPr lang="ru-RU" smtClean="0"/>
-              <a:t>19.12.2024</a:t>
+              <a:t>23.12.2024</a:t>
             </a:fld>
             <a:endParaRPr lang="ru-RU"/>
           </a:p>
@@ -3388,7 +3388,7 @@
           <a:p>
             <a:fld id="{5774639C-FBAA-4C2C-9110-08973D50BF5A}" type="datetimeFigureOut">
               <a:rPr lang="ru-RU" smtClean="0"/>
-              <a:t>19.12.2024</a:t>
+              <a:t>23.12.2024</a:t>
             </a:fld>
             <a:endParaRPr lang="ru-RU"/>
           </a:p>
@@ -3629,7 +3629,7 @@
           <a:p>
             <a:fld id="{5774639C-FBAA-4C2C-9110-08973D50BF5A}" type="datetimeFigureOut">
               <a:rPr lang="ru-RU" smtClean="0"/>
-              <a:t>19.12.2024</a:t>
+              <a:t>23.12.2024</a:t>
             </a:fld>
             <a:endParaRPr lang="ru-RU"/>
           </a:p>
@@ -4534,8 +4534,8 @@
         </p:blipFill>
         <p:spPr>
           <a:xfrm>
-            <a:off x="5881037" y="1004505"/>
-            <a:ext cx="6188134" cy="4898568"/>
+            <a:off x="5881037" y="1004506"/>
+            <a:ext cx="6188134" cy="4898566"/>
           </a:xfrm>
           <a:prstGeom prst="rect">
             <a:avLst/>
@@ -7830,10 +7830,10 @@
       </p:sp>
       <p:pic>
         <p:nvPicPr>
-          <p:cNvPr id="7" name="Рисунок 6">
-            <a:extLst>
-              <a:ext uri="{FF2B5EF4-FFF2-40B4-BE49-F238E27FC236}">
-                <a16:creationId xmlns:a16="http://schemas.microsoft.com/office/drawing/2014/main" id="{CE22D535-533D-CEE0-ADD8-68A1D2158C39}"/>
+          <p:cNvPr id="4" name="Рисунок 3">
+            <a:extLst>
+              <a:ext uri="{FF2B5EF4-FFF2-40B4-BE49-F238E27FC236}">
+                <a16:creationId xmlns:a16="http://schemas.microsoft.com/office/drawing/2014/main" id="{06B54607-D675-45E1-9260-BBF702C2FFBD}"/>
               </a:ext>
             </a:extLst>
           </p:cNvPr>
@@ -7843,215 +7843,51 @@
           <p:nvPr/>
         </p:nvPicPr>
         <p:blipFill>
-          <a:blip r:embed="rId3">
-            <a:extLst>
-              <a:ext uri="{28A0092B-C50C-407E-A947-70E740481C1C}">
-                <a14:useLocalDpi xmlns:a14="http://schemas.microsoft.com/office/drawing/2010/main" val="0"/>
-              </a:ext>
-            </a:extLst>
-          </a:blip>
-          <a:srcRect/>
-          <a:stretch/>
+          <a:blip r:embed="rId3"/>
+          <a:stretch>
+            <a:fillRect/>
+          </a:stretch>
         </p:blipFill>
         <p:spPr>
           <a:xfrm>
-            <a:off x="7096642" y="1992725"/>
-            <a:ext cx="4812592" cy="3571181"/>
+            <a:off x="535083" y="1502370"/>
+            <a:ext cx="5191850" cy="4639322"/>
           </a:xfrm>
           <a:prstGeom prst="rect">
             <a:avLst/>
           </a:prstGeom>
         </p:spPr>
       </p:pic>
-      <p:sp>
-        <p:nvSpPr>
-          <p:cNvPr id="2" name="TextBox 1">
-            <a:extLst>
-              <a:ext uri="{FF2B5EF4-FFF2-40B4-BE49-F238E27FC236}">
-                <a16:creationId xmlns:a16="http://schemas.microsoft.com/office/drawing/2014/main" id="{EED99083-BC70-45D9-9616-098B8627F8FA}"/>
-              </a:ext>
-            </a:extLst>
-          </p:cNvPr>
-          <p:cNvSpPr txBox="1"/>
+      <p:pic>
+        <p:nvPicPr>
+          <p:cNvPr id="9" name="Рисунок 8">
+            <a:extLst>
+              <a:ext uri="{FF2B5EF4-FFF2-40B4-BE49-F238E27FC236}">
+                <a16:creationId xmlns:a16="http://schemas.microsoft.com/office/drawing/2014/main" id="{76047003-7FF6-4FB7-85F8-29A5B6D3A383}"/>
+              </a:ext>
+            </a:extLst>
+          </p:cNvPr>
+          <p:cNvPicPr>
+            <a:picLocks noChangeAspect="1"/>
+          </p:cNvPicPr>
           <p:nvPr/>
-        </p:nvSpPr>
+        </p:nvPicPr>
+        <p:blipFill>
+          <a:blip r:embed="rId4"/>
+          <a:stretch>
+            <a:fillRect/>
+          </a:stretch>
+        </p:blipFill>
         <p:spPr>
           <a:xfrm>
-            <a:off x="708115" y="1793156"/>
-            <a:ext cx="5387885" cy="3970318"/>
+            <a:off x="6265015" y="1502370"/>
+            <a:ext cx="5391902" cy="4639322"/>
           </a:xfrm>
           <a:prstGeom prst="rect">
             <a:avLst/>
           </a:prstGeom>
-          <a:solidFill>
-            <a:srgbClr val="1485FC"/>
-          </a:solidFill>
         </p:spPr>
-        <p:txBody>
-          <a:bodyPr wrap="none" rtlCol="0">
-            <a:spAutoFit/>
-          </a:bodyPr>
-          <a:lstStyle/>
-          <a:p>
-            <a:r>
-              <a:rPr lang="en-US" dirty="0">
-                <a:solidFill>
-                  <a:schemeClr val="bg1"/>
-                </a:solidFill>
-              </a:rPr>
-              <a:t>&lt;bound method DataFrame.info of       </a:t>
-            </a:r>
-            <a:r>
-              <a:rPr lang="en-US" dirty="0" err="1">
-                <a:solidFill>
-                  <a:schemeClr val="bg1"/>
-                </a:solidFill>
-              </a:rPr>
-              <a:t>client_id</a:t>
-            </a:r>
-            <a:r>
-              <a:rPr lang="en-US" dirty="0">
-                <a:solidFill>
-                  <a:schemeClr val="bg1"/>
-                </a:solidFill>
-              </a:rPr>
-              <a:t>     score</a:t>
-            </a:r>
-          </a:p>
-          <a:p>
-            <a:r>
-              <a:rPr lang="en-US" dirty="0">
-                <a:solidFill>
-                  <a:schemeClr val="bg1"/>
-                </a:solidFill>
-              </a:rPr>
-              <a:t>0             2  0.510685</a:t>
-            </a:r>
-          </a:p>
-          <a:p>
-            <a:r>
-              <a:rPr lang="en-US" dirty="0">
-                <a:solidFill>
-                  <a:schemeClr val="bg1"/>
-                </a:solidFill>
-              </a:rPr>
-              <a:t>1             4  0.500111</a:t>
-            </a:r>
-          </a:p>
-          <a:p>
-            <a:r>
-              <a:rPr lang="en-US" dirty="0">
-                <a:solidFill>
-                  <a:schemeClr val="bg1"/>
-                </a:solidFill>
-              </a:rPr>
-              <a:t>2             9  0.526889</a:t>
-            </a:r>
-          </a:p>
-          <a:p>
-            <a:r>
-              <a:rPr lang="en-US" dirty="0">
-                <a:solidFill>
-                  <a:schemeClr val="bg1"/>
-                </a:solidFill>
-              </a:rPr>
-              <a:t>3            12  0.510685</a:t>
-            </a:r>
-          </a:p>
-          <a:p>
-            <a:r>
-              <a:rPr lang="en-US" dirty="0">
-                <a:solidFill>
-                  <a:schemeClr val="bg1"/>
-                </a:solidFill>
-              </a:rPr>
-              <a:t>4            14  0.510685</a:t>
-            </a:r>
-          </a:p>
-          <a:p>
-            <a:r>
-              <a:rPr lang="en-US" dirty="0">
-                <a:solidFill>
-                  <a:schemeClr val="bg1"/>
-                </a:solidFill>
-              </a:rPr>
-              <a:t>...         ...       ...</a:t>
-            </a:r>
-          </a:p>
-          <a:p>
-            <a:r>
-              <a:rPr lang="en-US" dirty="0">
-                <a:solidFill>
-                  <a:schemeClr val="bg1"/>
-                </a:solidFill>
-              </a:rPr>
-              <a:t>3637       4366  0.510685</a:t>
-            </a:r>
-          </a:p>
-          <a:p>
-            <a:r>
-              <a:rPr lang="en-US" dirty="0">
-                <a:solidFill>
-                  <a:schemeClr val="bg1"/>
-                </a:solidFill>
-              </a:rPr>
-              <a:t>3638       8298  0.510685</a:t>
-            </a:r>
-          </a:p>
-          <a:p>
-            <a:r>
-              <a:rPr lang="en-US" dirty="0">
-                <a:solidFill>
-                  <a:schemeClr val="bg1"/>
-                </a:solidFill>
-              </a:rPr>
-              <a:t>3639        835  0.510685</a:t>
-            </a:r>
-          </a:p>
-          <a:p>
-            <a:r>
-              <a:rPr lang="en-US" dirty="0">
-                <a:solidFill>
-                  <a:schemeClr val="bg1"/>
-                </a:solidFill>
-              </a:rPr>
-              <a:t>3640       8300  0.526889</a:t>
-            </a:r>
-          </a:p>
-          <a:p>
-            <a:r>
-              <a:rPr lang="en-US" dirty="0">
-                <a:solidFill>
-                  <a:schemeClr val="bg1"/>
-                </a:solidFill>
-              </a:rPr>
-              <a:t>3641       1974  0.430642</a:t>
-            </a:r>
-          </a:p>
-          <a:p>
-            <a:endParaRPr lang="en-US" dirty="0">
-              <a:solidFill>
-                <a:schemeClr val="bg1"/>
-              </a:solidFill>
-            </a:endParaRPr>
-          </a:p>
-          <a:p>
-            <a:r>
-              <a:rPr lang="en-US" dirty="0">
-                <a:solidFill>
-                  <a:schemeClr val="bg1"/>
-                </a:solidFill>
-              </a:rPr>
-              <a:t>[3642 rows x 2 columns]&gt;</a:t>
-            </a:r>
-            <a:endParaRPr lang="ru-RU" dirty="0">
-              <a:solidFill>
-                <a:schemeClr val="bg1"/>
-              </a:solidFill>
-            </a:endParaRPr>
-          </a:p>
-        </p:txBody>
-      </p:sp>
+      </p:pic>
     </p:spTree>
     <p:extLst>
       <p:ext uri="{BB962C8B-B14F-4D97-AF65-F5344CB8AC3E}">
@@ -8107,7 +7943,7 @@
         </p:blipFill>
         <p:spPr>
           <a:xfrm>
-            <a:off x="10391" y="-31173"/>
+            <a:off x="10391" y="-7110"/>
             <a:ext cx="12192000" cy="6858000"/>
           </a:xfrm>
           <a:prstGeom prst="rect">
@@ -8200,7 +8036,7 @@
                 <a:effectLst/>
                 <a:latin typeface="CoFo Sans (Основной текст)"/>
               </a:rPr>
-              <a:t>Logistic Regression ROC-AUC: 0.6547 Gradient Boosting ROC-AUC: 0.8626 </a:t>
+              <a:t>Logistic Regression ROC-AUC: 0.6597</a:t>
             </a:r>
             <a:br>
               <a:rPr lang="en-US" sz="3600" b="0" i="0" dirty="0">
@@ -8219,7 +8055,26 @@
                 <a:effectLst/>
                 <a:latin typeface="CoFo Sans (Основной текст)"/>
               </a:rPr>
-              <a:t>Random Forest ROC-AUC: 0.9327</a:t>
+              <a:t>Gradient Boosting ROC-AUC: 0.8810</a:t>
+            </a:r>
+            <a:br>
+              <a:rPr lang="en-US" sz="3600" b="0" i="0" dirty="0">
+                <a:solidFill>
+                  <a:schemeClr val="bg1"/>
+                </a:solidFill>
+                <a:effectLst/>
+                <a:latin typeface="CoFo Sans (Основной текст)"/>
+              </a:rPr>
+            </a:br>
+            <a:r>
+              <a:rPr lang="en-US" sz="3600" b="0" i="0" dirty="0">
+                <a:solidFill>
+                  <a:schemeClr val="bg1"/>
+                </a:solidFill>
+                <a:effectLst/>
+                <a:latin typeface="CoFo Sans (Основной текст)"/>
+              </a:rPr>
+              <a:t>Random Forest ROC-AUC: 0.9311</a:t>
             </a:r>
             <a:endParaRPr lang="ru-RU" sz="3600" dirty="0">
               <a:solidFill>

--- a/Модель склонности клиента к приобретению машиноместа.pptx
+++ b/Модель склонности клиента к приобретению машиноместа.pptx
@@ -11,10 +11,14 @@
     <p:sldId id="4157" r:id="rId5"/>
     <p:sldId id="4143" r:id="rId6"/>
     <p:sldId id="4146" r:id="rId7"/>
-    <p:sldId id="4147" r:id="rId8"/>
-    <p:sldId id="4158" r:id="rId9"/>
-    <p:sldId id="4153" r:id="rId10"/>
-    <p:sldId id="4156" r:id="rId11"/>
+    <p:sldId id="4159" r:id="rId8"/>
+    <p:sldId id="4147" r:id="rId9"/>
+    <p:sldId id="4163" r:id="rId10"/>
+    <p:sldId id="4160" r:id="rId11"/>
+    <p:sldId id="4161" r:id="rId12"/>
+    <p:sldId id="4162" r:id="rId13"/>
+    <p:sldId id="4158" r:id="rId14"/>
+    <p:sldId id="4156" r:id="rId15"/>
   </p:sldIdLst>
   <p:sldSz cx="12192000" cy="6858000"/>
   <p:notesSz cx="6858000" cy="9144000"/>
@@ -4412,6 +4416,704 @@
   <p:cSld>
     <p:spTree>
       <p:nvGrpSpPr>
+        <p:cNvPr id="1" name=""/>
+        <p:cNvGrpSpPr/>
+        <p:nvPr/>
+      </p:nvGrpSpPr>
+      <p:grpSpPr>
+        <a:xfrm>
+          <a:off x="0" y="0"/>
+          <a:ext cx="0" cy="0"/>
+          <a:chOff x="0" y="0"/>
+          <a:chExt cx="0" cy="0"/>
+        </a:xfrm>
+      </p:grpSpPr>
+      <p:pic>
+        <p:nvPicPr>
+          <p:cNvPr id="5" name="Рисунок 4">
+            <a:extLst>
+              <a:ext uri="{FF2B5EF4-FFF2-40B4-BE49-F238E27FC236}">
+                <a16:creationId xmlns:a16="http://schemas.microsoft.com/office/drawing/2014/main" id="{5BF7DA22-A284-4116-A378-B25391FFDF4B}"/>
+              </a:ext>
+            </a:extLst>
+          </p:cNvPr>
+          <p:cNvPicPr>
+            <a:picLocks noChangeAspect="1"/>
+          </p:cNvPicPr>
+          <p:nvPr/>
+        </p:nvPicPr>
+        <p:blipFill>
+          <a:blip r:embed="rId2">
+            <a:extLst>
+              <a:ext uri="{28A0092B-C50C-407E-A947-70E740481C1C}">
+                <a14:useLocalDpi xmlns:a14="http://schemas.microsoft.com/office/drawing/2010/main" val="0"/>
+              </a:ext>
+            </a:extLst>
+          </a:blip>
+          <a:stretch>
+            <a:fillRect/>
+          </a:stretch>
+        </p:blipFill>
+        <p:spPr>
+          <a:xfrm>
+            <a:off x="0" y="-1"/>
+            <a:ext cx="12192000" cy="6857999"/>
+          </a:xfrm>
+          <a:prstGeom prst="rect">
+            <a:avLst/>
+          </a:prstGeom>
+        </p:spPr>
+      </p:pic>
+      <p:sp>
+        <p:nvSpPr>
+          <p:cNvPr id="2" name="Заголовок 1">
+            <a:extLst>
+              <a:ext uri="{FF2B5EF4-FFF2-40B4-BE49-F238E27FC236}">
+                <a16:creationId xmlns:a16="http://schemas.microsoft.com/office/drawing/2014/main" id="{71E69A1A-DBD0-4843-8357-620F7440AB31}"/>
+              </a:ext>
+            </a:extLst>
+          </p:cNvPr>
+          <p:cNvSpPr>
+            <a:spLocks noGrp="1"/>
+          </p:cNvSpPr>
+          <p:nvPr>
+            <p:ph type="title"/>
+          </p:nvPr>
+        </p:nvSpPr>
+        <p:spPr/>
+        <p:txBody>
+          <a:bodyPr/>
+          <a:lstStyle/>
+          <a:p>
+            <a:r>
+              <a:rPr lang="ru-RU" dirty="0">
+                <a:solidFill>
+                  <a:srgbClr val="1485FC"/>
+                </a:solidFill>
+                <a:latin typeface="Roboto" panose="02000000000000000000" pitchFamily="2" charset="0"/>
+                <a:ea typeface="Roboto" panose="02000000000000000000" pitchFamily="2" charset="0"/>
+              </a:rPr>
+              <a:t>Логистическая регрессия</a:t>
+            </a:r>
+          </a:p>
+        </p:txBody>
+      </p:sp>
+      <p:pic>
+        <p:nvPicPr>
+          <p:cNvPr id="4" name="Рисунок 3">
+            <a:extLst>
+              <a:ext uri="{FF2B5EF4-FFF2-40B4-BE49-F238E27FC236}">
+                <a16:creationId xmlns:a16="http://schemas.microsoft.com/office/drawing/2014/main" id="{7003E2E4-4FBB-4367-8ED5-0DA9FAFE70DC}"/>
+              </a:ext>
+            </a:extLst>
+          </p:cNvPr>
+          <p:cNvPicPr>
+            <a:picLocks noChangeAspect="1"/>
+          </p:cNvPicPr>
+          <p:nvPr/>
+        </p:nvPicPr>
+        <p:blipFill>
+          <a:blip r:embed="rId3">
+            <a:extLst>
+              <a:ext uri="{28A0092B-C50C-407E-A947-70E740481C1C}">
+                <a14:useLocalDpi xmlns:a14="http://schemas.microsoft.com/office/drawing/2010/main" val="0"/>
+              </a:ext>
+            </a:extLst>
+          </a:blip>
+          <a:srcRect/>
+          <a:stretch/>
+        </p:blipFill>
+        <p:spPr>
+          <a:xfrm>
+            <a:off x="2804654" y="1647098"/>
+            <a:ext cx="6582692" cy="5210902"/>
+          </a:xfrm>
+          <a:prstGeom prst="rect">
+            <a:avLst/>
+          </a:prstGeom>
+        </p:spPr>
+      </p:pic>
+    </p:spTree>
+    <p:extLst>
+      <p:ext uri="{BB962C8B-B14F-4D97-AF65-F5344CB8AC3E}">
+        <p14:creationId xmlns:p14="http://schemas.microsoft.com/office/powerpoint/2010/main" val="1810192796"/>
+      </p:ext>
+    </p:extLst>
+  </p:cSld>
+  <p:clrMapOvr>
+    <a:masterClrMapping/>
+  </p:clrMapOvr>
+  <p:transition spd="med"/>
+</p:sld>
+</file>
+
+<file path=ppt/slides/slide11.xml><?xml version="1.0" encoding="utf-8"?>
+<p:sld xmlns:a="http://schemas.openxmlformats.org/drawingml/2006/main" xmlns:r="http://schemas.openxmlformats.org/officeDocument/2006/relationships" xmlns:p="http://schemas.openxmlformats.org/presentationml/2006/main">
+  <p:cSld>
+    <p:spTree>
+      <p:nvGrpSpPr>
+        <p:cNvPr id="1" name=""/>
+        <p:cNvGrpSpPr/>
+        <p:nvPr/>
+      </p:nvGrpSpPr>
+      <p:grpSpPr>
+        <a:xfrm>
+          <a:off x="0" y="0"/>
+          <a:ext cx="0" cy="0"/>
+          <a:chOff x="0" y="0"/>
+          <a:chExt cx="0" cy="0"/>
+        </a:xfrm>
+      </p:grpSpPr>
+      <p:pic>
+        <p:nvPicPr>
+          <p:cNvPr id="5" name="Рисунок 4">
+            <a:extLst>
+              <a:ext uri="{FF2B5EF4-FFF2-40B4-BE49-F238E27FC236}">
+                <a16:creationId xmlns:a16="http://schemas.microsoft.com/office/drawing/2014/main" id="{A795B80C-A741-4937-BE14-6A6521FC1648}"/>
+              </a:ext>
+            </a:extLst>
+          </p:cNvPr>
+          <p:cNvPicPr>
+            <a:picLocks noChangeAspect="1"/>
+          </p:cNvPicPr>
+          <p:nvPr/>
+        </p:nvPicPr>
+        <p:blipFill>
+          <a:blip r:embed="rId2">
+            <a:extLst>
+              <a:ext uri="{28A0092B-C50C-407E-A947-70E740481C1C}">
+                <a14:useLocalDpi xmlns:a14="http://schemas.microsoft.com/office/drawing/2010/main" val="0"/>
+              </a:ext>
+            </a:extLst>
+          </a:blip>
+          <a:stretch>
+            <a:fillRect/>
+          </a:stretch>
+        </p:blipFill>
+        <p:spPr>
+          <a:xfrm>
+            <a:off x="0" y="-1"/>
+            <a:ext cx="12192000" cy="6857999"/>
+          </a:xfrm>
+          <a:prstGeom prst="rect">
+            <a:avLst/>
+          </a:prstGeom>
+        </p:spPr>
+      </p:pic>
+      <p:sp>
+        <p:nvSpPr>
+          <p:cNvPr id="2" name="Заголовок 1">
+            <a:extLst>
+              <a:ext uri="{FF2B5EF4-FFF2-40B4-BE49-F238E27FC236}">
+                <a16:creationId xmlns:a16="http://schemas.microsoft.com/office/drawing/2014/main" id="{5669D608-4635-43D0-AAF2-313C814B335C}"/>
+              </a:ext>
+            </a:extLst>
+          </p:cNvPr>
+          <p:cNvSpPr>
+            <a:spLocks noGrp="1"/>
+          </p:cNvSpPr>
+          <p:nvPr>
+            <p:ph type="title"/>
+          </p:nvPr>
+        </p:nvSpPr>
+        <p:spPr/>
+        <p:txBody>
+          <a:bodyPr/>
+          <a:lstStyle/>
+          <a:p>
+            <a:r>
+              <a:rPr lang="ru-RU" dirty="0">
+                <a:solidFill>
+                  <a:srgbClr val="1485FC"/>
+                </a:solidFill>
+                <a:latin typeface="Roboto" panose="02000000000000000000" pitchFamily="2" charset="0"/>
+                <a:ea typeface="Roboto" panose="02000000000000000000" pitchFamily="2" charset="0"/>
+              </a:rPr>
+              <a:t>Случайный лес</a:t>
+            </a:r>
+          </a:p>
+        </p:txBody>
+      </p:sp>
+      <p:pic>
+        <p:nvPicPr>
+          <p:cNvPr id="4" name="Рисунок 3">
+            <a:extLst>
+              <a:ext uri="{FF2B5EF4-FFF2-40B4-BE49-F238E27FC236}">
+                <a16:creationId xmlns:a16="http://schemas.microsoft.com/office/drawing/2014/main" id="{DEA49DCB-58E5-4E88-815D-700364ADE7AD}"/>
+              </a:ext>
+            </a:extLst>
+          </p:cNvPr>
+          <p:cNvPicPr>
+            <a:picLocks noChangeAspect="1"/>
+          </p:cNvPicPr>
+          <p:nvPr/>
+        </p:nvPicPr>
+        <p:blipFill>
+          <a:blip r:embed="rId3">
+            <a:extLst>
+              <a:ext uri="{28A0092B-C50C-407E-A947-70E740481C1C}">
+                <a14:useLocalDpi xmlns:a14="http://schemas.microsoft.com/office/drawing/2010/main" val="0"/>
+              </a:ext>
+            </a:extLst>
+          </a:blip>
+          <a:srcRect/>
+          <a:stretch/>
+        </p:blipFill>
+        <p:spPr>
+          <a:xfrm>
+            <a:off x="2804654" y="1778054"/>
+            <a:ext cx="6582692" cy="5210902"/>
+          </a:xfrm>
+          <a:prstGeom prst="rect">
+            <a:avLst/>
+          </a:prstGeom>
+        </p:spPr>
+      </p:pic>
+    </p:spTree>
+    <p:extLst>
+      <p:ext uri="{BB962C8B-B14F-4D97-AF65-F5344CB8AC3E}">
+        <p14:creationId xmlns:p14="http://schemas.microsoft.com/office/powerpoint/2010/main" val="3713748508"/>
+      </p:ext>
+    </p:extLst>
+  </p:cSld>
+  <p:clrMapOvr>
+    <a:masterClrMapping/>
+  </p:clrMapOvr>
+  <p:transition spd="med"/>
+</p:sld>
+</file>
+
+<file path=ppt/slides/slide12.xml><?xml version="1.0" encoding="utf-8"?>
+<p:sld xmlns:a="http://schemas.openxmlformats.org/drawingml/2006/main" xmlns:r="http://schemas.openxmlformats.org/officeDocument/2006/relationships" xmlns:p="http://schemas.openxmlformats.org/presentationml/2006/main">
+  <p:cSld>
+    <p:spTree>
+      <p:nvGrpSpPr>
+        <p:cNvPr id="1" name=""/>
+        <p:cNvGrpSpPr/>
+        <p:nvPr/>
+      </p:nvGrpSpPr>
+      <p:grpSpPr>
+        <a:xfrm>
+          <a:off x="0" y="0"/>
+          <a:ext cx="0" cy="0"/>
+          <a:chOff x="0" y="0"/>
+          <a:chExt cx="0" cy="0"/>
+        </a:xfrm>
+      </p:grpSpPr>
+      <p:pic>
+        <p:nvPicPr>
+          <p:cNvPr id="5" name="Рисунок 4">
+            <a:extLst>
+              <a:ext uri="{FF2B5EF4-FFF2-40B4-BE49-F238E27FC236}">
+                <a16:creationId xmlns:a16="http://schemas.microsoft.com/office/drawing/2014/main" id="{366E3110-3FB7-48F6-9372-3C23DF5914B7}"/>
+              </a:ext>
+            </a:extLst>
+          </p:cNvPr>
+          <p:cNvPicPr>
+            <a:picLocks noChangeAspect="1"/>
+          </p:cNvPicPr>
+          <p:nvPr/>
+        </p:nvPicPr>
+        <p:blipFill>
+          <a:blip r:embed="rId2">
+            <a:extLst>
+              <a:ext uri="{28A0092B-C50C-407E-A947-70E740481C1C}">
+                <a14:useLocalDpi xmlns:a14="http://schemas.microsoft.com/office/drawing/2010/main" val="0"/>
+              </a:ext>
+            </a:extLst>
+          </a:blip>
+          <a:stretch>
+            <a:fillRect/>
+          </a:stretch>
+        </p:blipFill>
+        <p:spPr>
+          <a:xfrm>
+            <a:off x="0" y="-1"/>
+            <a:ext cx="12192000" cy="6857999"/>
+          </a:xfrm>
+          <a:prstGeom prst="rect">
+            <a:avLst/>
+          </a:prstGeom>
+        </p:spPr>
+      </p:pic>
+      <p:sp>
+        <p:nvSpPr>
+          <p:cNvPr id="2" name="Заголовок 1">
+            <a:extLst>
+              <a:ext uri="{FF2B5EF4-FFF2-40B4-BE49-F238E27FC236}">
+                <a16:creationId xmlns:a16="http://schemas.microsoft.com/office/drawing/2014/main" id="{FB528131-1D51-42D7-844C-203A47800F6C}"/>
+              </a:ext>
+            </a:extLst>
+          </p:cNvPr>
+          <p:cNvSpPr>
+            <a:spLocks noGrp="1"/>
+          </p:cNvSpPr>
+          <p:nvPr>
+            <p:ph type="title"/>
+          </p:nvPr>
+        </p:nvSpPr>
+        <p:spPr/>
+        <p:txBody>
+          <a:bodyPr/>
+          <a:lstStyle/>
+          <a:p>
+            <a:r>
+              <a:rPr lang="ru-RU" dirty="0">
+                <a:solidFill>
+                  <a:srgbClr val="1485FC"/>
+                </a:solidFill>
+                <a:latin typeface="Roboto" panose="02000000000000000000" pitchFamily="2" charset="0"/>
+                <a:ea typeface="Roboto" panose="02000000000000000000" pitchFamily="2" charset="0"/>
+              </a:rPr>
+              <a:t>Градиентный </a:t>
+            </a:r>
+            <a:r>
+              <a:rPr lang="ru-RU" dirty="0" err="1">
+                <a:solidFill>
+                  <a:srgbClr val="1485FC"/>
+                </a:solidFill>
+                <a:latin typeface="Roboto" panose="02000000000000000000" pitchFamily="2" charset="0"/>
+                <a:ea typeface="Roboto" panose="02000000000000000000" pitchFamily="2" charset="0"/>
+              </a:rPr>
+              <a:t>бустинг</a:t>
+            </a:r>
+            <a:endParaRPr lang="ru-RU" dirty="0">
+              <a:solidFill>
+                <a:srgbClr val="1485FC"/>
+              </a:solidFill>
+              <a:latin typeface="Roboto" panose="02000000000000000000" pitchFamily="2" charset="0"/>
+              <a:ea typeface="Roboto" panose="02000000000000000000" pitchFamily="2" charset="0"/>
+            </a:endParaRPr>
+          </a:p>
+        </p:txBody>
+      </p:sp>
+      <p:pic>
+        <p:nvPicPr>
+          <p:cNvPr id="4" name="Рисунок 3">
+            <a:extLst>
+              <a:ext uri="{FF2B5EF4-FFF2-40B4-BE49-F238E27FC236}">
+                <a16:creationId xmlns:a16="http://schemas.microsoft.com/office/drawing/2014/main" id="{9BA09FB2-A6B6-45C8-9F1C-80E7277DCCCC}"/>
+              </a:ext>
+            </a:extLst>
+          </p:cNvPr>
+          <p:cNvPicPr>
+            <a:picLocks noChangeAspect="1"/>
+          </p:cNvPicPr>
+          <p:nvPr/>
+        </p:nvPicPr>
+        <p:blipFill>
+          <a:blip r:embed="rId3">
+            <a:extLst>
+              <a:ext uri="{28A0092B-C50C-407E-A947-70E740481C1C}">
+                <a14:useLocalDpi xmlns:a14="http://schemas.microsoft.com/office/drawing/2010/main" val="0"/>
+              </a:ext>
+            </a:extLst>
+          </a:blip>
+          <a:srcRect/>
+          <a:stretch/>
+        </p:blipFill>
+        <p:spPr>
+          <a:xfrm>
+            <a:off x="2804654" y="1647098"/>
+            <a:ext cx="6582692" cy="5210902"/>
+          </a:xfrm>
+          <a:prstGeom prst="rect">
+            <a:avLst/>
+          </a:prstGeom>
+        </p:spPr>
+      </p:pic>
+    </p:spTree>
+    <p:extLst>
+      <p:ext uri="{BB962C8B-B14F-4D97-AF65-F5344CB8AC3E}">
+        <p14:creationId xmlns:p14="http://schemas.microsoft.com/office/powerpoint/2010/main" val="451339557"/>
+      </p:ext>
+    </p:extLst>
+  </p:cSld>
+  <p:clrMapOvr>
+    <a:masterClrMapping/>
+  </p:clrMapOvr>
+  <p:transition spd="med"/>
+</p:sld>
+</file>
+
+<file path=ppt/slides/slide13.xml><?xml version="1.0" encoding="utf-8"?>
+<p:sld xmlns:a="http://schemas.openxmlformats.org/drawingml/2006/main" xmlns:r="http://schemas.openxmlformats.org/officeDocument/2006/relationships" xmlns:p="http://schemas.openxmlformats.org/presentationml/2006/main">
+  <p:cSld>
+    <p:spTree>
+      <p:nvGrpSpPr>
+        <p:cNvPr id="1" name=""/>
+        <p:cNvGrpSpPr/>
+        <p:nvPr/>
+      </p:nvGrpSpPr>
+      <p:grpSpPr>
+        <a:xfrm>
+          <a:off x="0" y="0"/>
+          <a:ext cx="0" cy="0"/>
+          <a:chOff x="0" y="0"/>
+          <a:chExt cx="0" cy="0"/>
+        </a:xfrm>
+      </p:grpSpPr>
+      <p:pic>
+        <p:nvPicPr>
+          <p:cNvPr id="4" name="Рисунок 3">
+            <a:extLst>
+              <a:ext uri="{FF2B5EF4-FFF2-40B4-BE49-F238E27FC236}">
+                <a16:creationId xmlns:a16="http://schemas.microsoft.com/office/drawing/2014/main" id="{E4FEBAF7-227A-4A3A-824C-635D021123C5}"/>
+              </a:ext>
+            </a:extLst>
+          </p:cNvPr>
+          <p:cNvPicPr>
+            <a:picLocks noChangeAspect="1"/>
+          </p:cNvPicPr>
+          <p:nvPr/>
+        </p:nvPicPr>
+        <p:blipFill>
+          <a:blip r:embed="rId2"/>
+          <a:stretch>
+            <a:fillRect/>
+          </a:stretch>
+        </p:blipFill>
+        <p:spPr>
+          <a:xfrm>
+            <a:off x="10391" y="-7110"/>
+            <a:ext cx="12192000" cy="6858000"/>
+          </a:xfrm>
+          <a:prstGeom prst="rect">
+            <a:avLst/>
+          </a:prstGeom>
+        </p:spPr>
+      </p:pic>
+      <p:sp>
+        <p:nvSpPr>
+          <p:cNvPr id="6" name="Прямоугольник: скругленные углы 5">
+            <a:extLst>
+              <a:ext uri="{FF2B5EF4-FFF2-40B4-BE49-F238E27FC236}">
+                <a16:creationId xmlns:a16="http://schemas.microsoft.com/office/drawing/2014/main" id="{BA3A3730-695B-49CD-A1E2-237C9ED5C9F1}"/>
+              </a:ext>
+            </a:extLst>
+          </p:cNvPr>
+          <p:cNvSpPr/>
+          <p:nvPr/>
+        </p:nvSpPr>
+        <p:spPr>
+          <a:xfrm>
+            <a:off x="509155" y="2254827"/>
+            <a:ext cx="8952478" cy="2536038"/>
+          </a:xfrm>
+          <a:prstGeom prst="roundRect">
+            <a:avLst/>
+          </a:prstGeom>
+          <a:solidFill>
+            <a:srgbClr val="1485FC"/>
+          </a:solidFill>
+        </p:spPr>
+        <p:style>
+          <a:lnRef idx="2">
+            <a:schemeClr val="accent1">
+              <a:shade val="50000"/>
+            </a:schemeClr>
+          </a:lnRef>
+          <a:fillRef idx="1">
+            <a:schemeClr val="accent1"/>
+          </a:fillRef>
+          <a:effectRef idx="0">
+            <a:schemeClr val="accent1"/>
+          </a:effectRef>
+          <a:fontRef idx="minor">
+            <a:schemeClr val="lt1"/>
+          </a:fontRef>
+        </p:style>
+        <p:txBody>
+          <a:bodyPr rtlCol="0" anchor="ctr"/>
+          <a:lstStyle/>
+          <a:p>
+            <a:pPr algn="ctr"/>
+            <a:endParaRPr lang="ru-RU"/>
+          </a:p>
+        </p:txBody>
+      </p:sp>
+      <p:sp>
+        <p:nvSpPr>
+          <p:cNvPr id="2" name="Заголовок 1">
+            <a:extLst>
+              <a:ext uri="{FF2B5EF4-FFF2-40B4-BE49-F238E27FC236}">
+                <a16:creationId xmlns:a16="http://schemas.microsoft.com/office/drawing/2014/main" id="{5635490A-FD44-4AEC-AF9E-0EF911ACC6AD}"/>
+              </a:ext>
+            </a:extLst>
+          </p:cNvPr>
+          <p:cNvSpPr>
+            <a:spLocks noGrp="1"/>
+          </p:cNvSpPr>
+          <p:nvPr>
+            <p:ph type="title"/>
+          </p:nvPr>
+        </p:nvSpPr>
+        <p:spPr>
+          <a:xfrm>
+            <a:off x="934452" y="1872114"/>
+            <a:ext cx="8527181" cy="3830855"/>
+          </a:xfrm>
+        </p:spPr>
+        <p:txBody>
+          <a:bodyPr>
+            <a:normAutofit/>
+          </a:bodyPr>
+          <a:lstStyle/>
+          <a:p>
+            <a:r>
+              <a:rPr lang="en-US" sz="3600" b="0" i="0" dirty="0">
+                <a:solidFill>
+                  <a:schemeClr val="bg1"/>
+                </a:solidFill>
+                <a:effectLst/>
+                <a:latin typeface="CoFo Sans (Основной текст)"/>
+              </a:rPr>
+              <a:t>Logistic Regression ROC-AUC: 0.6</a:t>
+            </a:r>
+            <a:r>
+              <a:rPr lang="ru-RU" sz="3600" dirty="0">
+                <a:solidFill>
+                  <a:schemeClr val="bg1"/>
+                </a:solidFill>
+                <a:latin typeface="CoFo Sans (Основной текст)"/>
+              </a:rPr>
+              <a:t>3</a:t>
+            </a:r>
+            <a:br>
+              <a:rPr lang="ru-RU" sz="3600" b="0" i="0" dirty="0">
+                <a:solidFill>
+                  <a:schemeClr val="bg1"/>
+                </a:solidFill>
+                <a:effectLst/>
+                <a:latin typeface="CoFo Sans (Основной текст)"/>
+              </a:rPr>
+            </a:br>
+            <a:r>
+              <a:rPr lang="en-US" sz="3600" b="0" i="0" dirty="0">
+                <a:solidFill>
+                  <a:schemeClr val="bg1"/>
+                </a:solidFill>
+                <a:effectLst/>
+                <a:latin typeface="CoFo Sans (Основной текст)"/>
+              </a:rPr>
+              <a:t>Random Forest ROC-AUC: 0.9</a:t>
+            </a:r>
+            <a:r>
+              <a:rPr lang="ru-RU" sz="3600" b="0" i="0" dirty="0">
+                <a:solidFill>
+                  <a:schemeClr val="bg1"/>
+                </a:solidFill>
+                <a:effectLst/>
+                <a:latin typeface="CoFo Sans (Основной текст)"/>
+              </a:rPr>
+              <a:t>1</a:t>
+            </a:r>
+            <a:br>
+              <a:rPr lang="en-US" sz="3600" b="0" i="0" dirty="0">
+                <a:solidFill>
+                  <a:schemeClr val="bg1"/>
+                </a:solidFill>
+                <a:effectLst/>
+                <a:latin typeface="CoFo Sans (Основной текст)"/>
+              </a:rPr>
+            </a:br>
+            <a:r>
+              <a:rPr lang="en-US" sz="3600" b="0" i="0" dirty="0">
+                <a:solidFill>
+                  <a:schemeClr val="bg1"/>
+                </a:solidFill>
+                <a:effectLst/>
+                <a:latin typeface="CoFo Sans (Основной текст)"/>
+              </a:rPr>
+              <a:t>Gradient Boosting ROC-AUC: 0.8</a:t>
+            </a:r>
+            <a:r>
+              <a:rPr lang="ru-RU" sz="3600" b="0" i="0" dirty="0">
+                <a:solidFill>
+                  <a:schemeClr val="bg1"/>
+                </a:solidFill>
+                <a:effectLst/>
+                <a:latin typeface="CoFo Sans (Основной текст)"/>
+              </a:rPr>
+              <a:t>6</a:t>
+            </a:r>
+            <a:br>
+              <a:rPr lang="en-US" sz="3600" b="0" i="0" dirty="0">
+                <a:solidFill>
+                  <a:schemeClr val="bg1"/>
+                </a:solidFill>
+                <a:effectLst/>
+                <a:latin typeface="CoFo Sans (Основной текст)"/>
+              </a:rPr>
+            </a:br>
+            <a:endParaRPr lang="ru-RU" sz="3600" dirty="0">
+              <a:solidFill>
+                <a:schemeClr val="bg1"/>
+              </a:solidFill>
+              <a:latin typeface="CoFo Sans (Основной текст)"/>
+            </a:endParaRPr>
+          </a:p>
+        </p:txBody>
+      </p:sp>
+      <p:sp>
+        <p:nvSpPr>
+          <p:cNvPr id="5" name="TextBox 4">
+            <a:extLst>
+              <a:ext uri="{FF2B5EF4-FFF2-40B4-BE49-F238E27FC236}">
+                <a16:creationId xmlns:a16="http://schemas.microsoft.com/office/drawing/2014/main" id="{E2BD67CE-62A4-449E-8800-2596646DC961}"/>
+              </a:ext>
+            </a:extLst>
+          </p:cNvPr>
+          <p:cNvSpPr txBox="1"/>
+          <p:nvPr/>
+        </p:nvSpPr>
+        <p:spPr>
+          <a:xfrm>
+            <a:off x="376186" y="341697"/>
+            <a:ext cx="5207267" cy="830997"/>
+          </a:xfrm>
+          <a:prstGeom prst="rect">
+            <a:avLst/>
+          </a:prstGeom>
+          <a:noFill/>
+        </p:spPr>
+        <p:txBody>
+          <a:bodyPr wrap="square" rtlCol="0">
+            <a:spAutoFit/>
+          </a:bodyPr>
+          <a:lstStyle/>
+          <a:p>
+            <a:r>
+              <a:rPr lang="ru-RU" sz="4800" dirty="0">
+                <a:solidFill>
+                  <a:srgbClr val="1485FC"/>
+                </a:solidFill>
+                <a:latin typeface="CoFo Sans (Основной текст)"/>
+              </a:rPr>
+              <a:t>Результаты</a:t>
+            </a:r>
+          </a:p>
+        </p:txBody>
+      </p:sp>
+    </p:spTree>
+    <p:extLst>
+      <p:ext uri="{BB962C8B-B14F-4D97-AF65-F5344CB8AC3E}">
+        <p14:creationId xmlns:p14="http://schemas.microsoft.com/office/powerpoint/2010/main" val="1809245299"/>
+      </p:ext>
+    </p:extLst>
+  </p:cSld>
+  <p:clrMapOvr>
+    <a:masterClrMapping/>
+  </p:clrMapOvr>
+  <p:transition spd="med"/>
+</p:sld>
+</file>
+
+<file path=ppt/slides/slide14.xml><?xml version="1.0" encoding="utf-8"?>
+<p:sld xmlns:a="http://schemas.openxmlformats.org/drawingml/2006/main" xmlns:r="http://schemas.openxmlformats.org/officeDocument/2006/relationships" xmlns:p="http://schemas.openxmlformats.org/presentationml/2006/main">
+  <p:cSld>
+    <p:spTree>
+      <p:nvGrpSpPr>
         <p:cNvPr id="1" name="">
           <a:extLst>
             <a:ext uri="{FF2B5EF4-FFF2-40B4-BE49-F238E27FC236}">
@@ -4535,7 +5237,7 @@
         <p:spPr>
           <a:xfrm>
             <a:off x="5881037" y="1004506"/>
-            <a:ext cx="6188134" cy="4898566"/>
+            <a:ext cx="6188133" cy="4898566"/>
           </a:xfrm>
           <a:prstGeom prst="rect">
             <a:avLst/>
@@ -4648,7 +5350,37 @@
                 <a:latin typeface="CoFo Sans (Основной текст)"/>
                 <a:sym typeface="CoFo Sans" panose="020B0503030202060203"/>
               </a:rPr>
-              <a:t>Модель №3 самая точная</a:t>
+              <a:t>Модель №</a:t>
+            </a:r>
+            <a:r>
+              <a:rPr kumimoji="0" lang="en-US" sz="2800" b="1" i="0" u="none" strike="noStrike" cap="none" spc="0" normalizeH="0" baseline="0" dirty="0">
+                <a:ln>
+                  <a:noFill/>
+                </a:ln>
+                <a:solidFill>
+                  <a:schemeClr val="bg1"/>
+                </a:solidFill>
+                <a:effectLst/>
+                <a:uFillTx/>
+                <a:latin typeface="CoFo Sans (Основной текст)"/>
+                <a:sym typeface="CoFo Sans" panose="020B0503030202060203"/>
+              </a:rPr>
+              <a:t>2</a:t>
+            </a:r>
+            <a:r>
+              <a:rPr kumimoji="0" lang="ru-RU" sz="2800" b="1" i="0" u="none" strike="noStrike" cap="none" spc="0" normalizeH="0" baseline="0" dirty="0">
+                <a:ln>
+                  <a:noFill/>
+                </a:ln>
+                <a:solidFill>
+                  <a:schemeClr val="bg1"/>
+                </a:solidFill>
+                <a:effectLst/>
+                <a:uFillTx/>
+                <a:latin typeface="CoFo Sans (Основной текст)"/>
+                <a:sym typeface="CoFo Sans" panose="020B0503030202060203"/>
+              </a:rPr>
+              <a:t> самая точная</a:t>
             </a:r>
           </a:p>
           <a:p>
@@ -5436,7 +6168,7 @@
         </p:blipFill>
         <p:spPr>
           <a:xfrm>
-            <a:off x="636153" y="2146699"/>
+            <a:off x="554964" y="1970181"/>
             <a:ext cx="2688459" cy="1089092"/>
           </a:xfrm>
           <a:prstGeom prst="rect">
@@ -5466,7 +6198,7 @@
         </p:blipFill>
         <p:spPr>
           <a:xfrm>
-            <a:off x="1784629" y="3235791"/>
+            <a:off x="734673" y="3644865"/>
             <a:ext cx="2552921" cy="1143099"/>
           </a:xfrm>
           <a:prstGeom prst="rect">
@@ -5501,7 +6233,7 @@
         </p:blipFill>
         <p:spPr>
           <a:xfrm>
-            <a:off x="3287594" y="4642887"/>
+            <a:off x="2782268" y="5013215"/>
             <a:ext cx="2099912" cy="1133953"/>
           </a:xfrm>
           <a:prstGeom prst="rect">
@@ -5531,7 +6263,7 @@
         </p:blipFill>
         <p:spPr>
           <a:xfrm>
-            <a:off x="5639976" y="5646315"/>
+            <a:off x="6626565" y="5396783"/>
             <a:ext cx="2423370" cy="1211685"/>
           </a:xfrm>
           <a:prstGeom prst="rect">
@@ -5567,12 +6299,106 @@
         </p:blipFill>
         <p:spPr>
           <a:xfrm>
-            <a:off x="5826369" y="3707171"/>
+            <a:off x="5554909" y="3940421"/>
             <a:ext cx="2438405" cy="929642"/>
           </a:xfrm>
           <a:prstGeom prst="rect">
             <a:avLst/>
           </a:prstGeom>
+        </p:spPr>
+      </p:pic>
+      <p:pic>
+        <p:nvPicPr>
+          <p:cNvPr id="1026" name="Picture 2" descr="Matplotlib Logo &amp; Brand Assets (SVG, PNG and vector) - Brandfetch">
+            <a:extLst>
+              <a:ext uri="{FF2B5EF4-FFF2-40B4-BE49-F238E27FC236}">
+                <a16:creationId xmlns:a16="http://schemas.microsoft.com/office/drawing/2014/main" id="{DD816C83-71E5-4DD2-9490-E516FC25D6DD}"/>
+              </a:ext>
+            </a:extLst>
+          </p:cNvPr>
+          <p:cNvPicPr>
+            <a:picLocks noChangeAspect="1" noChangeArrowheads="1"/>
+          </p:cNvPicPr>
+          <p:nvPr/>
+        </p:nvPicPr>
+        <p:blipFill>
+          <a:blip r:embed="rId8">
+            <a:extLst>
+              <a:ext uri="{28A0092B-C50C-407E-A947-70E740481C1C}">
+                <a14:useLocalDpi xmlns:a14="http://schemas.microsoft.com/office/drawing/2010/main" val="0"/>
+              </a:ext>
+            </a:extLst>
+          </a:blip>
+          <a:srcRect/>
+          <a:stretch>
+            <a:fillRect/>
+          </a:stretch>
+        </p:blipFill>
+        <p:spPr bwMode="auto">
+          <a:xfrm>
+            <a:off x="3392269" y="2512544"/>
+            <a:ext cx="2979822" cy="993274"/>
+          </a:xfrm>
+          <a:prstGeom prst="rect">
+            <a:avLst/>
+          </a:prstGeom>
+          <a:noFill/>
+          <a:extLst>
+            <a:ext uri="{909E8E84-426E-40DD-AFC4-6F175D3DCCD1}">
+              <a14:hiddenFill xmlns:a14="http://schemas.microsoft.com/office/drawing/2010/main">
+                <a:solidFill>
+                  <a:srgbClr val="FFFFFF"/>
+                </a:solidFill>
+              </a14:hiddenFill>
+            </a:ext>
+          </a:extLst>
+        </p:spPr>
+      </p:pic>
+      <p:pic>
+        <p:nvPicPr>
+          <p:cNvPr id="1028" name="Picture 4" descr="About Gators — gators documentation">
+            <a:extLst>
+              <a:ext uri="{FF2B5EF4-FFF2-40B4-BE49-F238E27FC236}">
+                <a16:creationId xmlns:a16="http://schemas.microsoft.com/office/drawing/2014/main" id="{D7EBC160-E39F-480B-A1A5-01B678028B5E}"/>
+              </a:ext>
+            </a:extLst>
+          </p:cNvPr>
+          <p:cNvPicPr>
+            <a:picLocks noChangeAspect="1" noChangeArrowheads="1"/>
+          </p:cNvPicPr>
+          <p:nvPr/>
+        </p:nvPicPr>
+        <p:blipFill>
+          <a:blip r:embed="rId9">
+            <a:extLst>
+              <a:ext uri="{28A0092B-C50C-407E-A947-70E740481C1C}">
+                <a14:useLocalDpi xmlns:a14="http://schemas.microsoft.com/office/drawing/2010/main" val="0"/>
+              </a:ext>
+            </a:extLst>
+          </a:blip>
+          <a:srcRect/>
+          <a:stretch>
+            <a:fillRect/>
+          </a:stretch>
+        </p:blipFill>
+        <p:spPr bwMode="auto">
+          <a:xfrm>
+            <a:off x="7233446" y="1891919"/>
+            <a:ext cx="3024980" cy="685216"/>
+          </a:xfrm>
+          <a:prstGeom prst="rect">
+            <a:avLst/>
+          </a:prstGeom>
+          <a:noFill/>
+          <a:extLst>
+            <a:ext uri="{909E8E84-426E-40DD-AFC4-6F175D3DCCD1}">
+              <a14:hiddenFill xmlns:a14="http://schemas.microsoft.com/office/drawing/2010/main">
+                <a:solidFill>
+                  <a:srgbClr val="FFFFFF"/>
+                </a:solidFill>
+              </a14:hiddenFill>
+            </a:ext>
+          </a:extLst>
         </p:spPr>
       </p:pic>
     </p:spTree>
@@ -7733,6 +8559,167 @@
   <p:cSld>
     <p:spTree>
       <p:nvGrpSpPr>
+        <p:cNvPr id="1" name=""/>
+        <p:cNvGrpSpPr/>
+        <p:nvPr/>
+      </p:nvGrpSpPr>
+      <p:grpSpPr>
+        <a:xfrm>
+          <a:off x="0" y="0"/>
+          <a:ext cx="0" cy="0"/>
+          <a:chOff x="0" y="0"/>
+          <a:chExt cx="0" cy="0"/>
+        </a:xfrm>
+      </p:grpSpPr>
+      <p:pic>
+        <p:nvPicPr>
+          <p:cNvPr id="7" name="Рисунок 6">
+            <a:extLst>
+              <a:ext uri="{FF2B5EF4-FFF2-40B4-BE49-F238E27FC236}">
+                <a16:creationId xmlns:a16="http://schemas.microsoft.com/office/drawing/2014/main" id="{1F60069C-07A3-43FE-B0CA-FC24CE6E1AFA}"/>
+              </a:ext>
+            </a:extLst>
+          </p:cNvPr>
+          <p:cNvPicPr>
+            <a:picLocks noChangeAspect="1"/>
+          </p:cNvPicPr>
+          <p:nvPr/>
+        </p:nvPicPr>
+        <p:blipFill>
+          <a:blip r:embed="rId2">
+            <a:extLst>
+              <a:ext uri="{28A0092B-C50C-407E-A947-70E740481C1C}">
+                <a14:useLocalDpi xmlns:a14="http://schemas.microsoft.com/office/drawing/2010/main" val="0"/>
+              </a:ext>
+            </a:extLst>
+          </a:blip>
+          <a:stretch>
+            <a:fillRect/>
+          </a:stretch>
+        </p:blipFill>
+        <p:spPr>
+          <a:xfrm>
+            <a:off x="0" y="-1"/>
+            <a:ext cx="12192000" cy="6857999"/>
+          </a:xfrm>
+          <a:prstGeom prst="rect">
+            <a:avLst/>
+          </a:prstGeom>
+        </p:spPr>
+      </p:pic>
+      <p:sp>
+        <p:nvSpPr>
+          <p:cNvPr id="2" name="Заголовок 1">
+            <a:extLst>
+              <a:ext uri="{FF2B5EF4-FFF2-40B4-BE49-F238E27FC236}">
+                <a16:creationId xmlns:a16="http://schemas.microsoft.com/office/drawing/2014/main" id="{341ECB60-4ABE-45AB-B646-D811D188AAE7}"/>
+              </a:ext>
+            </a:extLst>
+          </p:cNvPr>
+          <p:cNvSpPr>
+            <a:spLocks noGrp="1"/>
+          </p:cNvSpPr>
+          <p:nvPr>
+            <p:ph type="title"/>
+          </p:nvPr>
+        </p:nvSpPr>
+        <p:spPr/>
+        <p:txBody>
+          <a:bodyPr/>
+          <a:lstStyle/>
+          <a:p>
+            <a:r>
+              <a:rPr lang="ru-RU" dirty="0">
+                <a:solidFill>
+                  <a:srgbClr val="1485FC"/>
+                </a:solidFill>
+                <a:latin typeface="Roboto" panose="02000000000000000000" pitchFamily="2" charset="0"/>
+                <a:ea typeface="Roboto" panose="02000000000000000000" pitchFamily="2" charset="0"/>
+              </a:rPr>
+              <a:t>Первичная очистка</a:t>
+            </a:r>
+          </a:p>
+        </p:txBody>
+      </p:sp>
+      <p:pic>
+        <p:nvPicPr>
+          <p:cNvPr id="4" name="Рисунок 3">
+            <a:extLst>
+              <a:ext uri="{FF2B5EF4-FFF2-40B4-BE49-F238E27FC236}">
+                <a16:creationId xmlns:a16="http://schemas.microsoft.com/office/drawing/2014/main" id="{236A41D8-7AB6-45F4-92BC-5F32301B5920}"/>
+              </a:ext>
+            </a:extLst>
+          </p:cNvPr>
+          <p:cNvPicPr>
+            <a:picLocks noChangeAspect="1"/>
+          </p:cNvPicPr>
+          <p:nvPr/>
+        </p:nvPicPr>
+        <p:blipFill>
+          <a:blip r:embed="rId3"/>
+          <a:stretch>
+            <a:fillRect/>
+          </a:stretch>
+        </p:blipFill>
+        <p:spPr>
+          <a:xfrm>
+            <a:off x="669758" y="1562350"/>
+            <a:ext cx="4953691" cy="4782217"/>
+          </a:xfrm>
+          <a:prstGeom prst="rect">
+            <a:avLst/>
+          </a:prstGeom>
+        </p:spPr>
+      </p:pic>
+      <p:pic>
+        <p:nvPicPr>
+          <p:cNvPr id="6" name="Рисунок 5">
+            <a:extLst>
+              <a:ext uri="{FF2B5EF4-FFF2-40B4-BE49-F238E27FC236}">
+                <a16:creationId xmlns:a16="http://schemas.microsoft.com/office/drawing/2014/main" id="{E85836E2-6466-414F-B076-D83EC41413F8}"/>
+              </a:ext>
+            </a:extLst>
+          </p:cNvPr>
+          <p:cNvPicPr>
+            <a:picLocks noChangeAspect="1"/>
+          </p:cNvPicPr>
+          <p:nvPr/>
+        </p:nvPicPr>
+        <p:blipFill>
+          <a:blip r:embed="rId4"/>
+          <a:stretch>
+            <a:fillRect/>
+          </a:stretch>
+        </p:blipFill>
+        <p:spPr>
+          <a:xfrm>
+            <a:off x="6373551" y="1393907"/>
+            <a:ext cx="4867954" cy="4782217"/>
+          </a:xfrm>
+          <a:prstGeom prst="rect">
+            <a:avLst/>
+          </a:prstGeom>
+        </p:spPr>
+      </p:pic>
+    </p:spTree>
+    <p:extLst>
+      <p:ext uri="{BB962C8B-B14F-4D97-AF65-F5344CB8AC3E}">
+        <p14:creationId xmlns:p14="http://schemas.microsoft.com/office/powerpoint/2010/main" val="2622893460"/>
+      </p:ext>
+    </p:extLst>
+  </p:cSld>
+  <p:clrMapOvr>
+    <a:masterClrMapping/>
+  </p:clrMapOvr>
+  <p:transition spd="med"/>
+</p:sld>
+</file>
+
+<file path=ppt/slides/slide8.xml><?xml version="1.0" encoding="utf-8"?>
+<p:sld xmlns:a="http://schemas.openxmlformats.org/drawingml/2006/main" xmlns:r="http://schemas.openxmlformats.org/officeDocument/2006/relationships" xmlns:p="http://schemas.openxmlformats.org/presentationml/2006/main">
+  <p:cSld>
+    <p:spTree>
+      <p:nvGrpSpPr>
         <p:cNvPr id="1" name="">
           <a:extLst>
             <a:ext uri="{FF2B5EF4-FFF2-40B4-BE49-F238E27FC236}">
@@ -7843,15 +8830,20 @@
           <p:nvPr/>
         </p:nvPicPr>
         <p:blipFill>
-          <a:blip r:embed="rId3"/>
-          <a:stretch>
-            <a:fillRect/>
-          </a:stretch>
+          <a:blip r:embed="rId3">
+            <a:extLst>
+              <a:ext uri="{28A0092B-C50C-407E-A947-70E740481C1C}">
+                <a14:useLocalDpi xmlns:a14="http://schemas.microsoft.com/office/drawing/2010/main" val="0"/>
+              </a:ext>
+            </a:extLst>
+          </a:blip>
+          <a:srcRect/>
+          <a:stretch/>
         </p:blipFill>
         <p:spPr>
           <a:xfrm>
-            <a:off x="535083" y="1502370"/>
-            <a:ext cx="5191850" cy="4639322"/>
+            <a:off x="594168" y="1502370"/>
+            <a:ext cx="5073680" cy="4639322"/>
           </a:xfrm>
           <a:prstGeom prst="rect">
             <a:avLst/>
@@ -7873,15 +8865,20 @@
           <p:nvPr/>
         </p:nvPicPr>
         <p:blipFill>
-          <a:blip r:embed="rId4"/>
-          <a:stretch>
-            <a:fillRect/>
-          </a:stretch>
+          <a:blip r:embed="rId4">
+            <a:extLst>
+              <a:ext uri="{28A0092B-C50C-407E-A947-70E740481C1C}">
+                <a14:useLocalDpi xmlns:a14="http://schemas.microsoft.com/office/drawing/2010/main" val="0"/>
+              </a:ext>
+            </a:extLst>
+          </a:blip>
+          <a:srcRect/>
+          <a:stretch/>
         </p:blipFill>
         <p:spPr>
           <a:xfrm>
-            <a:off x="6265015" y="1502370"/>
-            <a:ext cx="5391902" cy="4639322"/>
+            <a:off x="6465713" y="1502370"/>
+            <a:ext cx="4990505" cy="4639322"/>
           </a:xfrm>
           <a:prstGeom prst="rect">
             <a:avLst/>
@@ -7904,7 +8901,7 @@
 </p:sld>
 </file>
 
-<file path=ppt/slides/slide8.xml><?xml version="1.0" encoding="utf-8"?>
+<file path=ppt/slides/slide9.xml><?xml version="1.0" encoding="utf-8"?>
 <p:sld xmlns:a="http://schemas.openxmlformats.org/drawingml/2006/main" xmlns:r="http://schemas.openxmlformats.org/officeDocument/2006/relationships" xmlns:p="http://schemas.openxmlformats.org/presentationml/2006/main">
   <p:cSld>
     <p:spTree>
@@ -8029,6 +9026,15 @@
           <a:lstStyle/>
           <a:p>
             <a:r>
+              <a:rPr lang="ru-RU" sz="3600" dirty="0">
+                <a:solidFill>
+                  <a:schemeClr val="bg1"/>
+                </a:solidFill>
+                <a:latin typeface="CoFo Sans (Основной текст)"/>
+              </a:rPr>
+              <a:t>Логистическая регрессия</a:t>
+            </a:r>
+            <a:br>
               <a:rPr lang="en-US" sz="3600" b="0" i="0" dirty="0">
                 <a:solidFill>
                   <a:schemeClr val="bg1"/>
@@ -8036,45 +9042,45 @@
                 <a:effectLst/>
                 <a:latin typeface="CoFo Sans (Основной текст)"/>
               </a:rPr>
-              <a:t>Logistic Regression ROC-AUC: 0.6597</a:t>
-            </a:r>
-            <a:br>
-              <a:rPr lang="en-US" sz="3600" b="0" i="0" dirty="0">
+            </a:br>
+            <a:r>
+              <a:rPr lang="ru-RU" sz="3600" b="0" i="0" dirty="0">
                 <a:solidFill>
                   <a:schemeClr val="bg1"/>
                 </a:solidFill>
                 <a:effectLst/>
                 <a:latin typeface="CoFo Sans (Основной текст)"/>
               </a:rPr>
-            </a:br>
-            <a:r>
-              <a:rPr lang="en-US" sz="3600" b="0" i="0" dirty="0">
+              <a:t>Случайный лес</a:t>
+            </a:r>
+            <a:br>
+              <a:rPr lang="ru-RU" sz="3600" b="0" i="0" dirty="0">
                 <a:solidFill>
                   <a:schemeClr val="bg1"/>
                 </a:solidFill>
                 <a:effectLst/>
                 <a:latin typeface="CoFo Sans (Основной текст)"/>
               </a:rPr>
-              <a:t>Gradient Boosting ROC-AUC: 0.8810</a:t>
-            </a:r>
-            <a:br>
-              <a:rPr lang="en-US" sz="3600" b="0" i="0" dirty="0">
+            </a:br>
+            <a:r>
+              <a:rPr lang="ru-RU" sz="3600" b="0" i="0" dirty="0">
                 <a:solidFill>
                   <a:schemeClr val="bg1"/>
                 </a:solidFill>
                 <a:effectLst/>
                 <a:latin typeface="CoFo Sans (Основной текст)"/>
               </a:rPr>
-            </a:br>
-            <a:r>
-              <a:rPr lang="en-US" sz="3600" b="0" i="0" dirty="0">
+              <a:t>Градиентный </a:t>
+            </a:r>
+            <a:r>
+              <a:rPr lang="ru-RU" sz="3600" b="0" i="0" dirty="0" err="1">
                 <a:solidFill>
                   <a:schemeClr val="bg1"/>
                 </a:solidFill>
                 <a:effectLst/>
                 <a:latin typeface="CoFo Sans (Основной текст)"/>
               </a:rPr>
-              <a:t>Random Forest ROC-AUC: 0.9311</a:t>
+              <a:t>Бустинг</a:t>
             </a:r>
             <a:endParaRPr lang="ru-RU" sz="3600" dirty="0">
               <a:solidFill>
@@ -8128,7 +9134,7 @@
     </p:spTree>
     <p:extLst>
       <p:ext uri="{BB962C8B-B14F-4D97-AF65-F5344CB8AC3E}">
-        <p14:creationId xmlns:p14="http://schemas.microsoft.com/office/powerpoint/2010/main" val="1809245299"/>
+        <p14:creationId xmlns:p14="http://schemas.microsoft.com/office/powerpoint/2010/main" val="1720386346"/>
       </p:ext>
     </p:extLst>
   </p:cSld>
@@ -8136,361 +9142,6 @@
     <a:masterClrMapping/>
   </p:clrMapOvr>
   <p:transition spd="med"/>
-</p:sld>
-</file>
-
-<file path=ppt/slides/slide9.xml><?xml version="1.0" encoding="utf-8"?>
-<p:sld xmlns:a="http://schemas.openxmlformats.org/drawingml/2006/main" xmlns:r="http://schemas.openxmlformats.org/officeDocument/2006/relationships" xmlns:p="http://schemas.openxmlformats.org/presentationml/2006/main">
-  <p:cSld>
-    <p:spTree>
-      <p:nvGrpSpPr>
-        <p:cNvPr id="1" name="">
-          <a:extLst>
-            <a:ext uri="{FF2B5EF4-FFF2-40B4-BE49-F238E27FC236}">
-              <a16:creationId xmlns:a16="http://schemas.microsoft.com/office/drawing/2014/main" id="{FE7D91F1-A787-9653-E0A3-1FB60B5A815D}"/>
-            </a:ext>
-          </a:extLst>
-        </p:cNvPr>
-        <p:cNvGrpSpPr/>
-        <p:nvPr/>
-      </p:nvGrpSpPr>
-      <p:grpSpPr>
-        <a:xfrm>
-          <a:off x="0" y="0"/>
-          <a:ext cx="0" cy="0"/>
-          <a:chOff x="0" y="0"/>
-          <a:chExt cx="0" cy="0"/>
-        </a:xfrm>
-      </p:grpSpPr>
-      <p:pic>
-        <p:nvPicPr>
-          <p:cNvPr id="10" name="Рисунок 9">
-            <a:extLst>
-              <a:ext uri="{FF2B5EF4-FFF2-40B4-BE49-F238E27FC236}">
-                <a16:creationId xmlns:a16="http://schemas.microsoft.com/office/drawing/2014/main" id="{DC7AABEA-8658-4886-B08F-7DD648473093}"/>
-              </a:ext>
-            </a:extLst>
-          </p:cNvPr>
-          <p:cNvPicPr>
-            <a:picLocks noChangeAspect="1"/>
-          </p:cNvPicPr>
-          <p:nvPr/>
-        </p:nvPicPr>
-        <p:blipFill>
-          <a:blip r:embed="rId2">
-            <a:extLst>
-              <a:ext uri="{28A0092B-C50C-407E-A947-70E740481C1C}">
-                <a14:useLocalDpi xmlns:a14="http://schemas.microsoft.com/office/drawing/2010/main" val="0"/>
-              </a:ext>
-            </a:extLst>
-          </a:blip>
-          <a:stretch>
-            <a:fillRect/>
-          </a:stretch>
-        </p:blipFill>
-        <p:spPr>
-          <a:xfrm>
-            <a:off x="-1" y="10391"/>
-            <a:ext cx="12192001" cy="6858000"/>
-          </a:xfrm>
-          <a:prstGeom prst="rect">
-            <a:avLst/>
-          </a:prstGeom>
-        </p:spPr>
-      </p:pic>
-      <p:sp>
-        <p:nvSpPr>
-          <p:cNvPr id="5" name="Заголовок 4">
-            <a:extLst>
-              <a:ext uri="{FF2B5EF4-FFF2-40B4-BE49-F238E27FC236}">
-                <a16:creationId xmlns:a16="http://schemas.microsoft.com/office/drawing/2014/main" id="{ABF702ED-72A0-19F1-45E6-08EC22EE5E06}"/>
-              </a:ext>
-            </a:extLst>
-          </p:cNvPr>
-          <p:cNvSpPr>
-            <a:spLocks noGrp="1"/>
-          </p:cNvSpPr>
-          <p:nvPr>
-            <p:ph type="title"/>
-          </p:nvPr>
-        </p:nvSpPr>
-        <p:spPr>
-          <a:xfrm>
-            <a:off x="715510" y="622043"/>
-            <a:ext cx="9583522" cy="647700"/>
-          </a:xfrm>
-        </p:spPr>
-        <p:txBody>
-          <a:bodyPr>
-            <a:normAutofit/>
-          </a:bodyPr>
-          <a:lstStyle/>
-          <a:p>
-            <a:r>
-              <a:rPr lang="ru-RU" sz="4000" dirty="0">
-                <a:solidFill>
-                  <a:srgbClr val="1485FC"/>
-                </a:solidFill>
-                <a:latin typeface="CoFo Sans (Основной текст)"/>
-                <a:cs typeface="Times New Roman" panose="02020603050405020304" pitchFamily="18" charset="0"/>
-              </a:rPr>
-              <a:t>Баланс классов с помощью </a:t>
-            </a:r>
-            <a:r>
-              <a:rPr lang="en-US" sz="4000" dirty="0">
-                <a:solidFill>
-                  <a:srgbClr val="1485FC"/>
-                </a:solidFill>
-                <a:latin typeface="CoFo Sans (Основной текст)"/>
-                <a:cs typeface="Times New Roman" panose="02020603050405020304" pitchFamily="18" charset="0"/>
-              </a:rPr>
-              <a:t>SMOTE</a:t>
-            </a:r>
-            <a:endParaRPr lang="ru-RU" sz="4000" dirty="0">
-              <a:solidFill>
-                <a:srgbClr val="1485FC"/>
-              </a:solidFill>
-              <a:latin typeface="CoFo Sans (Основной текст)"/>
-              <a:cs typeface="Times New Roman" panose="02020603050405020304" pitchFamily="18" charset="0"/>
-            </a:endParaRPr>
-          </a:p>
-        </p:txBody>
-      </p:sp>
-      <p:sp>
-        <p:nvSpPr>
-          <p:cNvPr id="8" name="Прямоугольник: скругленные углы 7">
-            <a:extLst>
-              <a:ext uri="{FF2B5EF4-FFF2-40B4-BE49-F238E27FC236}">
-                <a16:creationId xmlns:a16="http://schemas.microsoft.com/office/drawing/2014/main" id="{26A8EB3D-A3FB-4AF2-9DEF-CB231F68BA45}"/>
-              </a:ext>
-            </a:extLst>
-          </p:cNvPr>
-          <p:cNvSpPr/>
-          <p:nvPr/>
-        </p:nvSpPr>
-        <p:spPr>
-          <a:xfrm>
-            <a:off x="394855" y="2192482"/>
-            <a:ext cx="7266739" cy="4281054"/>
-          </a:xfrm>
-          <a:prstGeom prst="roundRect">
-            <a:avLst/>
-          </a:prstGeom>
-          <a:solidFill>
-            <a:srgbClr val="1485FC"/>
-          </a:solidFill>
-        </p:spPr>
-        <p:style>
-          <a:lnRef idx="2">
-            <a:schemeClr val="accent1">
-              <a:shade val="50000"/>
-            </a:schemeClr>
-          </a:lnRef>
-          <a:fillRef idx="1">
-            <a:schemeClr val="accent1"/>
-          </a:fillRef>
-          <a:effectRef idx="0">
-            <a:schemeClr val="accent1"/>
-          </a:effectRef>
-          <a:fontRef idx="minor">
-            <a:schemeClr val="lt1"/>
-          </a:fontRef>
-        </p:style>
-        <p:txBody>
-          <a:bodyPr rtlCol="0" anchor="ctr"/>
-          <a:lstStyle/>
-          <a:p>
-            <a:pPr algn="ctr"/>
-            <a:endParaRPr lang="ru-RU"/>
-          </a:p>
-        </p:txBody>
-      </p:sp>
-      <p:sp>
-        <p:nvSpPr>
-          <p:cNvPr id="3" name="TextBox 2">
-            <a:extLst>
-              <a:ext uri="{FF2B5EF4-FFF2-40B4-BE49-F238E27FC236}">
-                <a16:creationId xmlns:a16="http://schemas.microsoft.com/office/drawing/2014/main" id="{F33E68A1-7505-4A6B-A0DE-471C98B2682E}"/>
-              </a:ext>
-            </a:extLst>
-          </p:cNvPr>
-          <p:cNvSpPr txBox="1"/>
-          <p:nvPr/>
-        </p:nvSpPr>
-        <p:spPr>
-          <a:xfrm>
-            <a:off x="715510" y="2450305"/>
-            <a:ext cx="6946084" cy="3785652"/>
-          </a:xfrm>
-          <a:prstGeom prst="rect">
-            <a:avLst/>
-          </a:prstGeom>
-          <a:noFill/>
-        </p:spPr>
-        <p:txBody>
-          <a:bodyPr wrap="square" rtlCol="0">
-            <a:spAutoFit/>
-          </a:bodyPr>
-          <a:lstStyle/>
-          <a:p>
-            <a:r>
-              <a:rPr lang="ru-RU" sz="4000" b="0" i="0" dirty="0">
-                <a:solidFill>
-                  <a:schemeClr val="bg1"/>
-                </a:solidFill>
-                <a:effectLst/>
-                <a:latin typeface="CoFo Sans (Основной текст)"/>
-              </a:rPr>
-              <a:t>Распределение классов после SMOTE:</a:t>
-            </a:r>
-            <a:endParaRPr lang="en-US" sz="4000" b="0" i="0" dirty="0">
-              <a:solidFill>
-                <a:schemeClr val="bg1"/>
-              </a:solidFill>
-              <a:effectLst/>
-              <a:latin typeface="CoFo Sans (Основной текст)"/>
-            </a:endParaRPr>
-          </a:p>
-          <a:p>
-            <a:r>
-              <a:rPr lang="ru-RU" sz="4000" b="0" i="0" dirty="0" err="1">
-                <a:solidFill>
-                  <a:schemeClr val="bg1"/>
-                </a:solidFill>
-                <a:effectLst/>
-                <a:latin typeface="CoFo Sans (Основной текст)"/>
-              </a:rPr>
-              <a:t>target</a:t>
-            </a:r>
-            <a:r>
-              <a:rPr lang="ru-RU" sz="4000" b="0" i="0" dirty="0">
-                <a:solidFill>
-                  <a:schemeClr val="bg1"/>
-                </a:solidFill>
-                <a:effectLst/>
-                <a:latin typeface="CoFo Sans (Основной текст)"/>
-              </a:rPr>
-              <a:t> </a:t>
-            </a:r>
-            <a:endParaRPr lang="en-US" sz="4000" b="0" i="0" dirty="0">
-              <a:solidFill>
-                <a:schemeClr val="bg1"/>
-              </a:solidFill>
-              <a:effectLst/>
-              <a:latin typeface="CoFo Sans (Основной текст)"/>
-            </a:endParaRPr>
-          </a:p>
-          <a:p>
-            <a:r>
-              <a:rPr lang="ru-RU" sz="4000" b="0" i="0" dirty="0">
-                <a:solidFill>
-                  <a:schemeClr val="bg1"/>
-                </a:solidFill>
-                <a:effectLst/>
-                <a:latin typeface="CoFo Sans (Основной текст)"/>
-              </a:rPr>
-              <a:t>0 14020 </a:t>
-            </a:r>
-            <a:endParaRPr lang="en-US" sz="4000" b="0" i="0" dirty="0">
-              <a:solidFill>
-                <a:schemeClr val="bg1"/>
-              </a:solidFill>
-              <a:effectLst/>
-              <a:latin typeface="CoFo Sans (Основной текст)"/>
-            </a:endParaRPr>
-          </a:p>
-          <a:p>
-            <a:r>
-              <a:rPr lang="ru-RU" sz="4000" b="0" i="0" dirty="0">
-                <a:solidFill>
-                  <a:schemeClr val="bg1"/>
-                </a:solidFill>
-                <a:effectLst/>
-                <a:latin typeface="CoFo Sans (Основной текст)"/>
-              </a:rPr>
-              <a:t>1 14020 </a:t>
-            </a:r>
-            <a:endParaRPr lang="en-US" sz="4000" b="0" i="0" dirty="0">
-              <a:solidFill>
-                <a:schemeClr val="bg1"/>
-              </a:solidFill>
-              <a:effectLst/>
-              <a:latin typeface="CoFo Sans (Основной текст)"/>
-            </a:endParaRPr>
-          </a:p>
-          <a:p>
-            <a:r>
-              <a:rPr lang="ru-RU" sz="4000" b="0" i="0" dirty="0">
-                <a:solidFill>
-                  <a:schemeClr val="bg1"/>
-                </a:solidFill>
-                <a:effectLst/>
-                <a:latin typeface="CoFo Sans (Основной текст)"/>
-              </a:rPr>
-              <a:t>Name: </a:t>
-            </a:r>
-            <a:r>
-              <a:rPr lang="ru-RU" sz="4000" b="0" i="0" dirty="0" err="1">
-                <a:solidFill>
-                  <a:schemeClr val="bg1"/>
-                </a:solidFill>
-                <a:effectLst/>
-                <a:latin typeface="CoFo Sans (Основной текст)"/>
-              </a:rPr>
-              <a:t>count</a:t>
-            </a:r>
-            <a:r>
-              <a:rPr lang="ru-RU" sz="4000" b="0" i="0" dirty="0">
-                <a:solidFill>
-                  <a:schemeClr val="bg1"/>
-                </a:solidFill>
-                <a:effectLst/>
-                <a:latin typeface="CoFo Sans (Основной текст)"/>
-              </a:rPr>
-              <a:t>, </a:t>
-            </a:r>
-            <a:r>
-              <a:rPr lang="ru-RU" sz="4000" b="0" i="0" dirty="0" err="1">
-                <a:solidFill>
-                  <a:schemeClr val="bg1"/>
-                </a:solidFill>
-                <a:effectLst/>
-                <a:latin typeface="CoFo Sans (Основной текст)"/>
-              </a:rPr>
-              <a:t>dtype</a:t>
-            </a:r>
-            <a:r>
-              <a:rPr lang="ru-RU" sz="4000" b="0" i="0" dirty="0">
-                <a:solidFill>
-                  <a:schemeClr val="bg1"/>
-                </a:solidFill>
-                <a:effectLst/>
-                <a:latin typeface="CoFo Sans (Основной текст)"/>
-              </a:rPr>
-              <a:t>: int64</a:t>
-            </a:r>
-            <a:endParaRPr lang="ru-RU" sz="4000" dirty="0">
-              <a:solidFill>
-                <a:schemeClr val="bg1"/>
-              </a:solidFill>
-              <a:latin typeface="CoFo Sans (Основной текст)"/>
-            </a:endParaRPr>
-          </a:p>
-        </p:txBody>
-      </p:sp>
-    </p:spTree>
-    <p:extLst>
-      <p:ext uri="{BB962C8B-B14F-4D97-AF65-F5344CB8AC3E}">
-        <p14:creationId xmlns:p14="http://schemas.microsoft.com/office/powerpoint/2010/main" val="3140196582"/>
-      </p:ext>
-    </p:extLst>
-  </p:cSld>
-  <p:clrMapOvr>
-    <a:masterClrMapping/>
-  </p:clrMapOvr>
-  <p:transition spd="med">
-    <p:pull/>
-  </p:transition>
 </p:sld>
 </file>
 

--- a/Модель склонности клиента к приобретению машиноместа.pptx
+++ b/Модель склонности клиента к приобретению машиноместа.pptx
@@ -6,19 +6,20 @@
   </p:sldMasterIdLst>
   <p:sldIdLst>
     <p:sldId id="4130" r:id="rId2"/>
-    <p:sldId id="4132" r:id="rId3"/>
-    <p:sldId id="4133" r:id="rId4"/>
-    <p:sldId id="4157" r:id="rId5"/>
-    <p:sldId id="4143" r:id="rId6"/>
-    <p:sldId id="4146" r:id="rId7"/>
-    <p:sldId id="4159" r:id="rId8"/>
-    <p:sldId id="4147" r:id="rId9"/>
-    <p:sldId id="4163" r:id="rId10"/>
-    <p:sldId id="4160" r:id="rId11"/>
-    <p:sldId id="4161" r:id="rId12"/>
-    <p:sldId id="4162" r:id="rId13"/>
-    <p:sldId id="4158" r:id="rId14"/>
-    <p:sldId id="4156" r:id="rId15"/>
+    <p:sldId id="257" r:id="rId3"/>
+    <p:sldId id="4132" r:id="rId4"/>
+    <p:sldId id="4133" r:id="rId5"/>
+    <p:sldId id="4157" r:id="rId6"/>
+    <p:sldId id="4143" r:id="rId7"/>
+    <p:sldId id="4146" r:id="rId8"/>
+    <p:sldId id="4159" r:id="rId9"/>
+    <p:sldId id="4147" r:id="rId10"/>
+    <p:sldId id="4163" r:id="rId11"/>
+    <p:sldId id="4160" r:id="rId12"/>
+    <p:sldId id="4161" r:id="rId13"/>
+    <p:sldId id="4162" r:id="rId14"/>
+    <p:sldId id="4158" r:id="rId15"/>
+    <p:sldId id="4156" r:id="rId16"/>
   </p:sldIdLst>
   <p:sldSz cx="12192000" cy="6858000"/>
   <p:notesSz cx="6858000" cy="9144000"/>
@@ -125,6 +126,18 @@
 </p:presentation>
 </file>
 
+<file path=ppt/commentAuthors.xml><?xml version="1.0" encoding="utf-8"?>
+<p:cmAuthorLst xmlns:a="http://schemas.openxmlformats.org/drawingml/2006/main" xmlns:r="http://schemas.openxmlformats.org/officeDocument/2006/relationships" xmlns:p="http://schemas.openxmlformats.org/presentationml/2006/main">
+  <p:cmAuthor id="1" name="Костюк Алексей" initials="КА" lastIdx="1" clrIdx="0">
+    <p:extLst>
+      <p:ext uri="{19B8F6BF-5375-455C-9EA6-DF929625EA0E}">
+        <p15:presenceInfo xmlns:p15="http://schemas.microsoft.com/office/powerpoint/2012/main" userId="a3e355bd502753d8" providerId="Windows Live"/>
+      </p:ext>
+    </p:extLst>
+  </p:cmAuthor>
+</p:cmAuthorLst>
+</file>
+
 <file path=ppt/slideLayouts/slideLayout1.xml><?xml version="1.0" encoding="utf-8"?>
 <p:sldLayout xmlns:a="http://schemas.openxmlformats.org/drawingml/2006/main" xmlns:r="http://schemas.openxmlformats.org/officeDocument/2006/relationships" xmlns:p="http://schemas.openxmlformats.org/presentationml/2006/main" type="title" preserve="1">
   <p:cSld name="Титульный слайд">
@@ -272,7 +285,7 @@
           <a:p>
             <a:fld id="{5774639C-FBAA-4C2C-9110-08973D50BF5A}" type="datetimeFigureOut">
               <a:rPr lang="ru-RU" smtClean="0"/>
-              <a:t>23.12.2024</a:t>
+              <a:t>24.12.2024</a:t>
             </a:fld>
             <a:endParaRPr lang="ru-RU"/>
           </a:p>
@@ -470,7 +483,7 @@
           <a:p>
             <a:fld id="{5774639C-FBAA-4C2C-9110-08973D50BF5A}" type="datetimeFigureOut">
               <a:rPr lang="ru-RU" smtClean="0"/>
-              <a:t>23.12.2024</a:t>
+              <a:t>24.12.2024</a:t>
             </a:fld>
             <a:endParaRPr lang="ru-RU"/>
           </a:p>
@@ -678,7 +691,7 @@
           <a:p>
             <a:fld id="{5774639C-FBAA-4C2C-9110-08973D50BF5A}" type="datetimeFigureOut">
               <a:rPr lang="ru-RU" smtClean="0"/>
-              <a:t>23.12.2024</a:t>
+              <a:t>24.12.2024</a:t>
             </a:fld>
             <a:endParaRPr lang="ru-RU"/>
           </a:p>
@@ -1462,6 +1475,89 @@
 </p:sldLayout>
 </file>
 
+<file path=ppt/slideLayouts/slideLayout16.xml><?xml version="1.0" encoding="utf-8"?>
+<p:sldLayout xmlns:a="http://schemas.openxmlformats.org/drawingml/2006/main" xmlns:r="http://schemas.openxmlformats.org/officeDocument/2006/relationships" xmlns:p="http://schemas.openxmlformats.org/presentationml/2006/main" type="tx">
+  <p:cSld name="main_4c">
+    <p:spTree>
+      <p:nvGrpSpPr>
+        <p:cNvPr id="1" name=""/>
+        <p:cNvGrpSpPr/>
+        <p:nvPr/>
+      </p:nvGrpSpPr>
+      <p:grpSpPr>
+        <a:xfrm>
+          <a:off x="0" y="0"/>
+          <a:ext cx="0" cy="0"/>
+          <a:chOff x="0" y="0"/>
+          <a:chExt cx="0" cy="0"/>
+        </a:xfrm>
+      </p:grpSpPr>
+      <p:sp>
+        <p:nvSpPr>
+          <p:cNvPr id="12" name="Slide Number"/>
+          <p:cNvSpPr txBox="1">
+            <a:spLocks noGrp="1"/>
+          </p:cNvSpPr>
+          <p:nvPr>
+            <p:ph type="sldNum" sz="quarter" idx="2"/>
+          </p:nvPr>
+        </p:nvSpPr>
+        <p:spPr>
+          <a:prstGeom prst="rect">
+            <a:avLst/>
+          </a:prstGeom>
+        </p:spPr>
+        <p:txBody>
+          <a:bodyPr/>
+          <a:lstStyle/>
+          <a:p>
+            <a:fld id="{86CB4B4D-7CA3-9044-876B-883B54F8677D}" type="slidenum">
+              <a:rPr/>
+              <a:t>‹#›</a:t>
+            </a:fld>
+            <a:endParaRPr/>
+          </a:p>
+        </p:txBody>
+      </p:sp>
+      <p:sp>
+        <p:nvSpPr>
+          <p:cNvPr id="13" name="Title Text"/>
+          <p:cNvSpPr txBox="1">
+            <a:spLocks noGrp="1"/>
+          </p:cNvSpPr>
+          <p:nvPr>
+            <p:ph type="title" hasCustomPrompt="1"/>
+          </p:nvPr>
+        </p:nvSpPr>
+        <p:spPr>
+          <a:prstGeom prst="rect">
+            <a:avLst/>
+          </a:prstGeom>
+        </p:spPr>
+        <p:txBody>
+          <a:bodyPr/>
+          <a:lstStyle/>
+          <a:p>
+            <a:r>
+              <a:t>Title Text</a:t>
+            </a:r>
+          </a:p>
+        </p:txBody>
+      </p:sp>
+    </p:spTree>
+    <p:extLst>
+      <p:ext uri="{BB962C8B-B14F-4D97-AF65-F5344CB8AC3E}">
+        <p14:creationId xmlns:p14="http://schemas.microsoft.com/office/powerpoint/2010/main" val="4161119242"/>
+      </p:ext>
+    </p:extLst>
+  </p:cSld>
+  <p:clrMapOvr>
+    <a:masterClrMapping/>
+  </p:clrMapOvr>
+  <p:transition spd="med"/>
+</p:sldLayout>
+</file>
+
 <file path=ppt/slideLayouts/slideLayout2.xml><?xml version="1.0" encoding="utf-8"?>
 <p:sldLayout xmlns:a="http://schemas.openxmlformats.org/drawingml/2006/main" xmlns:r="http://schemas.openxmlformats.org/officeDocument/2006/relationships" xmlns:p="http://schemas.openxmlformats.org/presentationml/2006/main" type="obj" preserve="1">
   <p:cSld name="Заголовок и объект">
@@ -1587,7 +1683,7 @@
           <a:p>
             <a:fld id="{5774639C-FBAA-4C2C-9110-08973D50BF5A}" type="datetimeFigureOut">
               <a:rPr lang="ru-RU" smtClean="0"/>
-              <a:t>23.12.2024</a:t>
+              <a:t>24.12.2024</a:t>
             </a:fld>
             <a:endParaRPr lang="ru-RU"/>
           </a:p>
@@ -1862,7 +1958,7 @@
           <a:p>
             <a:fld id="{5774639C-FBAA-4C2C-9110-08973D50BF5A}" type="datetimeFigureOut">
               <a:rPr lang="ru-RU" smtClean="0"/>
-              <a:t>23.12.2024</a:t>
+              <a:t>24.12.2024</a:t>
             </a:fld>
             <a:endParaRPr lang="ru-RU"/>
           </a:p>
@@ -2127,7 +2223,7 @@
           <a:p>
             <a:fld id="{5774639C-FBAA-4C2C-9110-08973D50BF5A}" type="datetimeFigureOut">
               <a:rPr lang="ru-RU" smtClean="0"/>
-              <a:t>23.12.2024</a:t>
+              <a:t>24.12.2024</a:t>
             </a:fld>
             <a:endParaRPr lang="ru-RU"/>
           </a:p>
@@ -2539,7 +2635,7 @@
           <a:p>
             <a:fld id="{5774639C-FBAA-4C2C-9110-08973D50BF5A}" type="datetimeFigureOut">
               <a:rPr lang="ru-RU" smtClean="0"/>
-              <a:t>23.12.2024</a:t>
+              <a:t>24.12.2024</a:t>
             </a:fld>
             <a:endParaRPr lang="ru-RU"/>
           </a:p>
@@ -2680,7 +2776,7 @@
           <a:p>
             <a:fld id="{5774639C-FBAA-4C2C-9110-08973D50BF5A}" type="datetimeFigureOut">
               <a:rPr lang="ru-RU" smtClean="0"/>
-              <a:t>23.12.2024</a:t>
+              <a:t>24.12.2024</a:t>
             </a:fld>
             <a:endParaRPr lang="ru-RU"/>
           </a:p>
@@ -2793,7 +2889,7 @@
           <a:p>
             <a:fld id="{5774639C-FBAA-4C2C-9110-08973D50BF5A}" type="datetimeFigureOut">
               <a:rPr lang="ru-RU" smtClean="0"/>
-              <a:t>23.12.2024</a:t>
+              <a:t>24.12.2024</a:t>
             </a:fld>
             <a:endParaRPr lang="ru-RU"/>
           </a:p>
@@ -3104,7 +3200,7 @@
           <a:p>
             <a:fld id="{5774639C-FBAA-4C2C-9110-08973D50BF5A}" type="datetimeFigureOut">
               <a:rPr lang="ru-RU" smtClean="0"/>
-              <a:t>23.12.2024</a:t>
+              <a:t>24.12.2024</a:t>
             </a:fld>
             <a:endParaRPr lang="ru-RU"/>
           </a:p>
@@ -3392,7 +3488,7 @@
           <a:p>
             <a:fld id="{5774639C-FBAA-4C2C-9110-08973D50BF5A}" type="datetimeFigureOut">
               <a:rPr lang="ru-RU" smtClean="0"/>
-              <a:t>23.12.2024</a:t>
+              <a:t>24.12.2024</a:t>
             </a:fld>
             <a:endParaRPr lang="ru-RU"/>
           </a:p>
@@ -3633,7 +3729,7 @@
           <a:p>
             <a:fld id="{5774639C-FBAA-4C2C-9110-08973D50BF5A}" type="datetimeFigureOut">
               <a:rPr lang="ru-RU" smtClean="0"/>
-              <a:t>23.12.2024</a:t>
+              <a:t>24.12.2024</a:t>
             </a:fld>
             <a:endParaRPr lang="ru-RU"/>
           </a:p>
@@ -3753,6 +3849,7 @@
     <p:sldLayoutId id="2147483661" r:id="rId13"/>
     <p:sldLayoutId id="2147483662" r:id="rId14"/>
     <p:sldLayoutId id="2147483663" r:id="rId15"/>
+    <p:sldLayoutId id="2147483664" r:id="rId16"/>
   </p:sldLayoutIdLst>
   <p:txStyles>
     <p:titleStyle>
@@ -4430,10 +4527,10 @@
       </p:grpSpPr>
       <p:pic>
         <p:nvPicPr>
-          <p:cNvPr id="5" name="Рисунок 4">
-            <a:extLst>
-              <a:ext uri="{FF2B5EF4-FFF2-40B4-BE49-F238E27FC236}">
-                <a16:creationId xmlns:a16="http://schemas.microsoft.com/office/drawing/2014/main" id="{5BF7DA22-A284-4116-A378-B25391FFDF4B}"/>
+          <p:cNvPr id="4" name="Рисунок 3">
+            <a:extLst>
+              <a:ext uri="{FF2B5EF4-FFF2-40B4-BE49-F238E27FC236}">
+                <a16:creationId xmlns:a16="http://schemas.microsoft.com/office/drawing/2014/main" id="{E4FEBAF7-227A-4A3A-824C-635D021123C5}"/>
               </a:ext>
             </a:extLst>
           </p:cNvPr>
@@ -4443,21 +4540,15 @@
           <p:nvPr/>
         </p:nvPicPr>
         <p:blipFill>
-          <a:blip r:embed="rId2">
-            <a:extLst>
-              <a:ext uri="{28A0092B-C50C-407E-A947-70E740481C1C}">
-                <a14:useLocalDpi xmlns:a14="http://schemas.microsoft.com/office/drawing/2010/main" val="0"/>
-              </a:ext>
-            </a:extLst>
-          </a:blip>
+          <a:blip r:embed="rId2"/>
           <a:stretch>
             <a:fillRect/>
           </a:stretch>
         </p:blipFill>
         <p:spPr>
           <a:xfrm>
-            <a:off x="0" y="-1"/>
-            <a:ext cx="12192000" cy="6857999"/>
+            <a:off x="10391" y="-7110"/>
+            <a:ext cx="12192000" cy="6858000"/>
           </a:xfrm>
           <a:prstGeom prst="rect">
             <a:avLst/>
@@ -4466,10 +4557,59 @@
       </p:pic>
       <p:sp>
         <p:nvSpPr>
+          <p:cNvPr id="6" name="Прямоугольник: скругленные углы 5">
+            <a:extLst>
+              <a:ext uri="{FF2B5EF4-FFF2-40B4-BE49-F238E27FC236}">
+                <a16:creationId xmlns:a16="http://schemas.microsoft.com/office/drawing/2014/main" id="{BA3A3730-695B-49CD-A1E2-237C9ED5C9F1}"/>
+              </a:ext>
+            </a:extLst>
+          </p:cNvPr>
+          <p:cNvSpPr/>
+          <p:nvPr/>
+        </p:nvSpPr>
+        <p:spPr>
+          <a:xfrm>
+            <a:off x="509155" y="2254827"/>
+            <a:ext cx="8952478" cy="2536038"/>
+          </a:xfrm>
+          <a:prstGeom prst="roundRect">
+            <a:avLst/>
+          </a:prstGeom>
+          <a:solidFill>
+            <a:srgbClr val="1485FC"/>
+          </a:solidFill>
+        </p:spPr>
+        <p:style>
+          <a:lnRef idx="2">
+            <a:schemeClr val="accent1">
+              <a:shade val="50000"/>
+            </a:schemeClr>
+          </a:lnRef>
+          <a:fillRef idx="1">
+            <a:schemeClr val="accent1"/>
+          </a:fillRef>
+          <a:effectRef idx="0">
+            <a:schemeClr val="accent1"/>
+          </a:effectRef>
+          <a:fontRef idx="minor">
+            <a:schemeClr val="lt1"/>
+          </a:fontRef>
+        </p:style>
+        <p:txBody>
+          <a:bodyPr rtlCol="0" anchor="ctr"/>
+          <a:lstStyle/>
+          <a:p>
+            <a:pPr algn="ctr"/>
+            <a:endParaRPr lang="ru-RU"/>
+          </a:p>
+        </p:txBody>
+      </p:sp>
+      <p:sp>
+        <p:nvSpPr>
           <p:cNvPr id="2" name="Заголовок 1">
             <a:extLst>
               <a:ext uri="{FF2B5EF4-FFF2-40B4-BE49-F238E27FC236}">
-                <a16:creationId xmlns:a16="http://schemas.microsoft.com/office/drawing/2014/main" id="{71E69A1A-DBD0-4843-8357-620F7440AB31}"/>
+                <a16:creationId xmlns:a16="http://schemas.microsoft.com/office/drawing/2014/main" id="{5635490A-FD44-4AEC-AF9E-0EF911ACC6AD}"/>
               </a:ext>
             </a:extLst>
           </p:cNvPr>
@@ -4480,63 +4620,128 @@
             <p:ph type="title"/>
           </p:nvPr>
         </p:nvSpPr>
-        <p:spPr/>
-        <p:txBody>
-          <a:bodyPr/>
+        <p:spPr>
+          <a:xfrm>
+            <a:off x="934452" y="1607419"/>
+            <a:ext cx="8527181" cy="3830855"/>
+          </a:xfrm>
+        </p:spPr>
+        <p:txBody>
+          <a:bodyPr>
+            <a:normAutofit/>
+          </a:bodyPr>
           <a:lstStyle/>
           <a:p>
             <a:r>
-              <a:rPr lang="ru-RU" dirty="0">
-                <a:solidFill>
-                  <a:srgbClr val="1485FC"/>
-                </a:solidFill>
-                <a:latin typeface="Roboto" panose="02000000000000000000" pitchFamily="2" charset="0"/>
-                <a:ea typeface="Roboto" panose="02000000000000000000" pitchFamily="2" charset="0"/>
+              <a:rPr lang="ru-RU" sz="3600" dirty="0">
+                <a:solidFill>
+                  <a:schemeClr val="bg1"/>
+                </a:solidFill>
+                <a:latin typeface="CoFo Sans (Основной текст)"/>
               </a:rPr>
               <a:t>Логистическая регрессия</a:t>
             </a:r>
-          </a:p>
-        </p:txBody>
-      </p:sp>
-      <p:pic>
-        <p:nvPicPr>
-          <p:cNvPr id="4" name="Рисунок 3">
-            <a:extLst>
-              <a:ext uri="{FF2B5EF4-FFF2-40B4-BE49-F238E27FC236}">
-                <a16:creationId xmlns:a16="http://schemas.microsoft.com/office/drawing/2014/main" id="{7003E2E4-4FBB-4367-8ED5-0DA9FAFE70DC}"/>
-              </a:ext>
-            </a:extLst>
-          </p:cNvPr>
-          <p:cNvPicPr>
-            <a:picLocks noChangeAspect="1"/>
-          </p:cNvPicPr>
+            <a:br>
+              <a:rPr lang="en-US" sz="3600" b="0" i="0" dirty="0">
+                <a:solidFill>
+                  <a:schemeClr val="bg1"/>
+                </a:solidFill>
+                <a:effectLst/>
+                <a:latin typeface="CoFo Sans (Основной текст)"/>
+              </a:rPr>
+            </a:br>
+            <a:r>
+              <a:rPr lang="ru-RU" sz="3600" b="0" i="0" dirty="0">
+                <a:solidFill>
+                  <a:schemeClr val="bg1"/>
+                </a:solidFill>
+                <a:effectLst/>
+                <a:latin typeface="CoFo Sans (Основной текст)"/>
+              </a:rPr>
+              <a:t>Случайный лес</a:t>
+            </a:r>
+            <a:br>
+              <a:rPr lang="ru-RU" sz="3600" b="0" i="0" dirty="0">
+                <a:solidFill>
+                  <a:schemeClr val="bg1"/>
+                </a:solidFill>
+                <a:effectLst/>
+                <a:latin typeface="CoFo Sans (Основной текст)"/>
+              </a:rPr>
+            </a:br>
+            <a:r>
+              <a:rPr lang="ru-RU" sz="3600" b="0" i="0" dirty="0">
+                <a:solidFill>
+                  <a:schemeClr val="bg1"/>
+                </a:solidFill>
+                <a:effectLst/>
+                <a:latin typeface="CoFo Sans (Основной текст)"/>
+              </a:rPr>
+              <a:t>Градиентный </a:t>
+            </a:r>
+            <a:r>
+              <a:rPr lang="ru-RU" sz="3600" b="0" i="0" dirty="0" err="1">
+                <a:solidFill>
+                  <a:schemeClr val="bg1"/>
+                </a:solidFill>
+                <a:effectLst/>
+                <a:latin typeface="CoFo Sans (Основной текст)"/>
+              </a:rPr>
+              <a:t>Бустинг</a:t>
+            </a:r>
+            <a:endParaRPr lang="ru-RU" sz="3600" dirty="0">
+              <a:solidFill>
+                <a:schemeClr val="bg1"/>
+              </a:solidFill>
+              <a:latin typeface="CoFo Sans (Основной текст)"/>
+            </a:endParaRPr>
+          </a:p>
+        </p:txBody>
+      </p:sp>
+      <p:sp>
+        <p:nvSpPr>
+          <p:cNvPr id="5" name="TextBox 4">
+            <a:extLst>
+              <a:ext uri="{FF2B5EF4-FFF2-40B4-BE49-F238E27FC236}">
+                <a16:creationId xmlns:a16="http://schemas.microsoft.com/office/drawing/2014/main" id="{E2BD67CE-62A4-449E-8800-2596646DC961}"/>
+              </a:ext>
+            </a:extLst>
+          </p:cNvPr>
+          <p:cNvSpPr txBox="1"/>
           <p:nvPr/>
-        </p:nvPicPr>
-        <p:blipFill>
-          <a:blip r:embed="rId3">
-            <a:extLst>
-              <a:ext uri="{28A0092B-C50C-407E-A947-70E740481C1C}">
-                <a14:useLocalDpi xmlns:a14="http://schemas.microsoft.com/office/drawing/2010/main" val="0"/>
-              </a:ext>
-            </a:extLst>
-          </a:blip>
-          <a:srcRect/>
-          <a:stretch/>
-        </p:blipFill>
-        <p:spPr>
-          <a:xfrm>
-            <a:off x="2804654" y="1647098"/>
-            <a:ext cx="6582692" cy="5210902"/>
+        </p:nvSpPr>
+        <p:spPr>
+          <a:xfrm>
+            <a:off x="376186" y="341697"/>
+            <a:ext cx="5207267" cy="830997"/>
           </a:xfrm>
           <a:prstGeom prst="rect">
             <a:avLst/>
           </a:prstGeom>
-        </p:spPr>
-      </p:pic>
+          <a:noFill/>
+        </p:spPr>
+        <p:txBody>
+          <a:bodyPr wrap="square" rtlCol="0">
+            <a:spAutoFit/>
+          </a:bodyPr>
+          <a:lstStyle/>
+          <a:p>
+            <a:r>
+              <a:rPr lang="ru-RU" sz="4800" dirty="0">
+                <a:solidFill>
+                  <a:srgbClr val="1485FC"/>
+                </a:solidFill>
+                <a:latin typeface="CoFo Sans (Основной текст)"/>
+              </a:rPr>
+              <a:t>Модели</a:t>
+            </a:r>
+          </a:p>
+        </p:txBody>
+      </p:sp>
     </p:spTree>
     <p:extLst>
       <p:ext uri="{BB962C8B-B14F-4D97-AF65-F5344CB8AC3E}">
-        <p14:creationId xmlns:p14="http://schemas.microsoft.com/office/powerpoint/2010/main" val="1810192796"/>
+        <p14:creationId xmlns:p14="http://schemas.microsoft.com/office/powerpoint/2010/main" val="1720386346"/>
       </p:ext>
     </p:extLst>
   </p:cSld>
@@ -4569,7 +4774,7 @@
           <p:cNvPr id="5" name="Рисунок 4">
             <a:extLst>
               <a:ext uri="{FF2B5EF4-FFF2-40B4-BE49-F238E27FC236}">
-                <a16:creationId xmlns:a16="http://schemas.microsoft.com/office/drawing/2014/main" id="{A795B80C-A741-4937-BE14-6A6521FC1648}"/>
+                <a16:creationId xmlns:a16="http://schemas.microsoft.com/office/drawing/2014/main" id="{5BF7DA22-A284-4116-A378-B25391FFDF4B}"/>
               </a:ext>
             </a:extLst>
           </p:cNvPr>
@@ -4605,7 +4810,7 @@
           <p:cNvPr id="2" name="Заголовок 1">
             <a:extLst>
               <a:ext uri="{FF2B5EF4-FFF2-40B4-BE49-F238E27FC236}">
-                <a16:creationId xmlns:a16="http://schemas.microsoft.com/office/drawing/2014/main" id="{5669D608-4635-43D0-AAF2-313C814B335C}"/>
+                <a16:creationId xmlns:a16="http://schemas.microsoft.com/office/drawing/2014/main" id="{71E69A1A-DBD0-4843-8357-620F7440AB31}"/>
               </a:ext>
             </a:extLst>
           </p:cNvPr>
@@ -4629,7 +4834,7 @@
                 <a:latin typeface="Roboto" panose="02000000000000000000" pitchFamily="2" charset="0"/>
                 <a:ea typeface="Roboto" panose="02000000000000000000" pitchFamily="2" charset="0"/>
               </a:rPr>
-              <a:t>Случайный лес</a:t>
+              <a:t>Логистическая регрессия</a:t>
             </a:r>
           </a:p>
         </p:txBody>
@@ -4639,7 +4844,7 @@
           <p:cNvPr id="4" name="Рисунок 3">
             <a:extLst>
               <a:ext uri="{FF2B5EF4-FFF2-40B4-BE49-F238E27FC236}">
-                <a16:creationId xmlns:a16="http://schemas.microsoft.com/office/drawing/2014/main" id="{DEA49DCB-58E5-4E88-815D-700364ADE7AD}"/>
+                <a16:creationId xmlns:a16="http://schemas.microsoft.com/office/drawing/2014/main" id="{7003E2E4-4FBB-4367-8ED5-0DA9FAFE70DC}"/>
               </a:ext>
             </a:extLst>
           </p:cNvPr>
@@ -4661,7 +4866,7 @@
         </p:blipFill>
         <p:spPr>
           <a:xfrm>
-            <a:off x="2804654" y="1778054"/>
+            <a:off x="2804654" y="1647098"/>
             <a:ext cx="6582692" cy="5210902"/>
           </a:xfrm>
           <a:prstGeom prst="rect">
@@ -4672,7 +4877,7 @@
     </p:spTree>
     <p:extLst>
       <p:ext uri="{BB962C8B-B14F-4D97-AF65-F5344CB8AC3E}">
-        <p14:creationId xmlns:p14="http://schemas.microsoft.com/office/powerpoint/2010/main" val="3713748508"/>
+        <p14:creationId xmlns:p14="http://schemas.microsoft.com/office/powerpoint/2010/main" val="1810192796"/>
       </p:ext>
     </p:extLst>
   </p:cSld>
@@ -4705,7 +4910,7 @@
           <p:cNvPr id="5" name="Рисунок 4">
             <a:extLst>
               <a:ext uri="{FF2B5EF4-FFF2-40B4-BE49-F238E27FC236}">
-                <a16:creationId xmlns:a16="http://schemas.microsoft.com/office/drawing/2014/main" id="{366E3110-3FB7-48F6-9372-3C23DF5914B7}"/>
+                <a16:creationId xmlns:a16="http://schemas.microsoft.com/office/drawing/2014/main" id="{A795B80C-A741-4937-BE14-6A6521FC1648}"/>
               </a:ext>
             </a:extLst>
           </p:cNvPr>
@@ -4741,7 +4946,7 @@
           <p:cNvPr id="2" name="Заголовок 1">
             <a:extLst>
               <a:ext uri="{FF2B5EF4-FFF2-40B4-BE49-F238E27FC236}">
-                <a16:creationId xmlns:a16="http://schemas.microsoft.com/office/drawing/2014/main" id="{FB528131-1D51-42D7-844C-203A47800F6C}"/>
+                <a16:creationId xmlns:a16="http://schemas.microsoft.com/office/drawing/2014/main" id="{5669D608-4635-43D0-AAF2-313C814B335C}"/>
               </a:ext>
             </a:extLst>
           </p:cNvPr>
@@ -4765,25 +4970,8 @@
                 <a:latin typeface="Roboto" panose="02000000000000000000" pitchFamily="2" charset="0"/>
                 <a:ea typeface="Roboto" panose="02000000000000000000" pitchFamily="2" charset="0"/>
               </a:rPr>
-              <a:t>Градиентный </a:t>
-            </a:r>
-            <a:r>
-              <a:rPr lang="ru-RU" dirty="0" err="1">
-                <a:solidFill>
-                  <a:srgbClr val="1485FC"/>
-                </a:solidFill>
-                <a:latin typeface="Roboto" panose="02000000000000000000" pitchFamily="2" charset="0"/>
-                <a:ea typeface="Roboto" panose="02000000000000000000" pitchFamily="2" charset="0"/>
-              </a:rPr>
-              <a:t>бустинг</a:t>
-            </a:r>
-            <a:endParaRPr lang="ru-RU" dirty="0">
-              <a:solidFill>
-                <a:srgbClr val="1485FC"/>
-              </a:solidFill>
-              <a:latin typeface="Roboto" panose="02000000000000000000" pitchFamily="2" charset="0"/>
-              <a:ea typeface="Roboto" panose="02000000000000000000" pitchFamily="2" charset="0"/>
-            </a:endParaRPr>
+              <a:t>Случайный лес</a:t>
+            </a:r>
           </a:p>
         </p:txBody>
       </p:sp>
@@ -4792,7 +4980,7 @@
           <p:cNvPr id="4" name="Рисунок 3">
             <a:extLst>
               <a:ext uri="{FF2B5EF4-FFF2-40B4-BE49-F238E27FC236}">
-                <a16:creationId xmlns:a16="http://schemas.microsoft.com/office/drawing/2014/main" id="{9BA09FB2-A6B6-45C8-9F1C-80E7277DCCCC}"/>
+                <a16:creationId xmlns:a16="http://schemas.microsoft.com/office/drawing/2014/main" id="{DEA49DCB-58E5-4E88-815D-700364ADE7AD}"/>
               </a:ext>
             </a:extLst>
           </p:cNvPr>
@@ -4814,7 +5002,7 @@
         </p:blipFill>
         <p:spPr>
           <a:xfrm>
-            <a:off x="2804654" y="1647098"/>
+            <a:off x="2804654" y="1778054"/>
             <a:ext cx="6582692" cy="5210902"/>
           </a:xfrm>
           <a:prstGeom prst="rect">
@@ -4825,7 +5013,7 @@
     </p:spTree>
     <p:extLst>
       <p:ext uri="{BB962C8B-B14F-4D97-AF65-F5344CB8AC3E}">
-        <p14:creationId xmlns:p14="http://schemas.microsoft.com/office/powerpoint/2010/main" val="451339557"/>
+        <p14:creationId xmlns:p14="http://schemas.microsoft.com/office/powerpoint/2010/main" val="3713748508"/>
       </p:ext>
     </p:extLst>
   </p:cSld>
@@ -4855,6 +5043,159 @@
       </p:grpSpPr>
       <p:pic>
         <p:nvPicPr>
+          <p:cNvPr id="5" name="Рисунок 4">
+            <a:extLst>
+              <a:ext uri="{FF2B5EF4-FFF2-40B4-BE49-F238E27FC236}">
+                <a16:creationId xmlns:a16="http://schemas.microsoft.com/office/drawing/2014/main" id="{366E3110-3FB7-48F6-9372-3C23DF5914B7}"/>
+              </a:ext>
+            </a:extLst>
+          </p:cNvPr>
+          <p:cNvPicPr>
+            <a:picLocks noChangeAspect="1"/>
+          </p:cNvPicPr>
+          <p:nvPr/>
+        </p:nvPicPr>
+        <p:blipFill>
+          <a:blip r:embed="rId2">
+            <a:extLst>
+              <a:ext uri="{28A0092B-C50C-407E-A947-70E740481C1C}">
+                <a14:useLocalDpi xmlns:a14="http://schemas.microsoft.com/office/drawing/2010/main" val="0"/>
+              </a:ext>
+            </a:extLst>
+          </a:blip>
+          <a:stretch>
+            <a:fillRect/>
+          </a:stretch>
+        </p:blipFill>
+        <p:spPr>
+          <a:xfrm>
+            <a:off x="0" y="-1"/>
+            <a:ext cx="12192000" cy="6857999"/>
+          </a:xfrm>
+          <a:prstGeom prst="rect">
+            <a:avLst/>
+          </a:prstGeom>
+        </p:spPr>
+      </p:pic>
+      <p:sp>
+        <p:nvSpPr>
+          <p:cNvPr id="2" name="Заголовок 1">
+            <a:extLst>
+              <a:ext uri="{FF2B5EF4-FFF2-40B4-BE49-F238E27FC236}">
+                <a16:creationId xmlns:a16="http://schemas.microsoft.com/office/drawing/2014/main" id="{FB528131-1D51-42D7-844C-203A47800F6C}"/>
+              </a:ext>
+            </a:extLst>
+          </p:cNvPr>
+          <p:cNvSpPr>
+            <a:spLocks noGrp="1"/>
+          </p:cNvSpPr>
+          <p:nvPr>
+            <p:ph type="title"/>
+          </p:nvPr>
+        </p:nvSpPr>
+        <p:spPr/>
+        <p:txBody>
+          <a:bodyPr/>
+          <a:lstStyle/>
+          <a:p>
+            <a:r>
+              <a:rPr lang="ru-RU" dirty="0">
+                <a:solidFill>
+                  <a:srgbClr val="1485FC"/>
+                </a:solidFill>
+                <a:latin typeface="Roboto" panose="02000000000000000000" pitchFamily="2" charset="0"/>
+                <a:ea typeface="Roboto" panose="02000000000000000000" pitchFamily="2" charset="0"/>
+              </a:rPr>
+              <a:t>Градиентный </a:t>
+            </a:r>
+            <a:r>
+              <a:rPr lang="ru-RU" dirty="0" err="1">
+                <a:solidFill>
+                  <a:srgbClr val="1485FC"/>
+                </a:solidFill>
+                <a:latin typeface="Roboto" panose="02000000000000000000" pitchFamily="2" charset="0"/>
+                <a:ea typeface="Roboto" panose="02000000000000000000" pitchFamily="2" charset="0"/>
+              </a:rPr>
+              <a:t>бустинг</a:t>
+            </a:r>
+            <a:endParaRPr lang="ru-RU" dirty="0">
+              <a:solidFill>
+                <a:srgbClr val="1485FC"/>
+              </a:solidFill>
+              <a:latin typeface="Roboto" panose="02000000000000000000" pitchFamily="2" charset="0"/>
+              <a:ea typeface="Roboto" panose="02000000000000000000" pitchFamily="2" charset="0"/>
+            </a:endParaRPr>
+          </a:p>
+        </p:txBody>
+      </p:sp>
+      <p:pic>
+        <p:nvPicPr>
+          <p:cNvPr id="4" name="Рисунок 3">
+            <a:extLst>
+              <a:ext uri="{FF2B5EF4-FFF2-40B4-BE49-F238E27FC236}">
+                <a16:creationId xmlns:a16="http://schemas.microsoft.com/office/drawing/2014/main" id="{9BA09FB2-A6B6-45C8-9F1C-80E7277DCCCC}"/>
+              </a:ext>
+            </a:extLst>
+          </p:cNvPr>
+          <p:cNvPicPr>
+            <a:picLocks noChangeAspect="1"/>
+          </p:cNvPicPr>
+          <p:nvPr/>
+        </p:nvPicPr>
+        <p:blipFill>
+          <a:blip r:embed="rId3">
+            <a:extLst>
+              <a:ext uri="{28A0092B-C50C-407E-A947-70E740481C1C}">
+                <a14:useLocalDpi xmlns:a14="http://schemas.microsoft.com/office/drawing/2010/main" val="0"/>
+              </a:ext>
+            </a:extLst>
+          </a:blip>
+          <a:srcRect/>
+          <a:stretch/>
+        </p:blipFill>
+        <p:spPr>
+          <a:xfrm>
+            <a:off x="2804654" y="1647098"/>
+            <a:ext cx="6582692" cy="5210902"/>
+          </a:xfrm>
+          <a:prstGeom prst="rect">
+            <a:avLst/>
+          </a:prstGeom>
+        </p:spPr>
+      </p:pic>
+    </p:spTree>
+    <p:extLst>
+      <p:ext uri="{BB962C8B-B14F-4D97-AF65-F5344CB8AC3E}">
+        <p14:creationId xmlns:p14="http://schemas.microsoft.com/office/powerpoint/2010/main" val="451339557"/>
+      </p:ext>
+    </p:extLst>
+  </p:cSld>
+  <p:clrMapOvr>
+    <a:masterClrMapping/>
+  </p:clrMapOvr>
+  <p:transition spd="med"/>
+</p:sld>
+</file>
+
+<file path=ppt/slides/slide14.xml><?xml version="1.0" encoding="utf-8"?>
+<p:sld xmlns:a="http://schemas.openxmlformats.org/drawingml/2006/main" xmlns:r="http://schemas.openxmlformats.org/officeDocument/2006/relationships" xmlns:p="http://schemas.openxmlformats.org/presentationml/2006/main">
+  <p:cSld>
+    <p:spTree>
+      <p:nvGrpSpPr>
+        <p:cNvPr id="1" name=""/>
+        <p:cNvGrpSpPr/>
+        <p:nvPr/>
+      </p:nvGrpSpPr>
+      <p:grpSpPr>
+        <a:xfrm>
+          <a:off x="0" y="0"/>
+          <a:ext cx="0" cy="0"/>
+          <a:chOff x="0" y="0"/>
+          <a:chExt cx="0" cy="0"/>
+        </a:xfrm>
+      </p:grpSpPr>
+      <p:pic>
+        <p:nvPicPr>
           <p:cNvPr id="4" name="Рисунок 3">
             <a:extLst>
               <a:ext uri="{FF2B5EF4-FFF2-40B4-BE49-F238E27FC236}">
@@ -5109,7 +5450,7 @@
 </p:sld>
 </file>
 
-<file path=ppt/slides/slide14.xml><?xml version="1.0" encoding="utf-8"?>
+<file path=ppt/slides/slide15.xml><?xml version="1.0" encoding="utf-8"?>
 <p:sld xmlns:a="http://schemas.openxmlformats.org/drawingml/2006/main" xmlns:r="http://schemas.openxmlformats.org/officeDocument/2006/relationships" xmlns:p="http://schemas.openxmlformats.org/presentationml/2006/main">
   <p:cSld>
     <p:spTree>
@@ -5442,92 +5783,222 @@
           <a:chExt cx="0" cy="0"/>
         </a:xfrm>
       </p:grpSpPr>
-      <p:pic>
-        <p:nvPicPr>
-          <p:cNvPr id="4" name="Рисунок 3">
-            <a:extLst>
-              <a:ext uri="{FF2B5EF4-FFF2-40B4-BE49-F238E27FC236}">
-                <a16:creationId xmlns:a16="http://schemas.microsoft.com/office/drawing/2014/main" id="{183E9B42-1220-43F4-9054-20DAE822BE6B}"/>
-              </a:ext>
-            </a:extLst>
-          </p:cNvPr>
-          <p:cNvPicPr>
-            <a:picLocks noChangeAspect="1"/>
-          </p:cNvPicPr>
-          <p:nvPr/>
-        </p:nvPicPr>
-        <p:blipFill>
-          <a:blip r:embed="rId2">
-            <a:extLst>
-              <a:ext uri="{28A0092B-C50C-407E-A947-70E740481C1C}">
-                <a14:useLocalDpi xmlns:a14="http://schemas.microsoft.com/office/drawing/2010/main" val="0"/>
-              </a:ext>
-            </a:extLst>
-          </a:blip>
-          <a:stretch>
-            <a:fillRect/>
-          </a:stretch>
-        </p:blipFill>
-        <p:spPr>
-          <a:xfrm>
-            <a:off x="0" y="-1"/>
-            <a:ext cx="12192000" cy="6857999"/>
+      <p:sp>
+        <p:nvSpPr>
+          <p:cNvPr id="6" name="Google Shape;1217;p62">
+            <a:extLst>
+              <a:ext uri="{FF2B5EF4-FFF2-40B4-BE49-F238E27FC236}">
+                <a16:creationId xmlns:a16="http://schemas.microsoft.com/office/drawing/2014/main" id="{925D2547-0A99-6FA8-4842-C4A9B788F4F6}"/>
+              </a:ext>
+            </a:extLst>
+          </p:cNvPr>
+          <p:cNvSpPr txBox="1">
+            <a:spLocks noGrp="1"/>
+          </p:cNvSpPr>
+          <p:nvPr>
+            <p:ph type="title"/>
+          </p:nvPr>
+        </p:nvSpPr>
+        <p:spPr>
+          <a:xfrm>
+            <a:off x="-530913" y="599509"/>
+            <a:ext cx="8892118" cy="1143001"/>
           </a:xfrm>
           <a:prstGeom prst="rect">
             <a:avLst/>
           </a:prstGeom>
-        </p:spPr>
-      </p:pic>
-      <p:sp>
-        <p:nvSpPr>
-          <p:cNvPr id="14" name="Прямоугольник 13">
-            <a:extLst>
-              <a:ext uri="{FF2B5EF4-FFF2-40B4-BE49-F238E27FC236}">
-                <a16:creationId xmlns:a16="http://schemas.microsoft.com/office/drawing/2014/main" id="{0ABAEE86-9BCF-CF1C-A848-3469C92FBCCD}"/>
-              </a:ext>
-            </a:extLst>
-          </p:cNvPr>
-          <p:cNvSpPr/>
+          <a:noFill/>
+          <a:ln>
+            <a:noFill/>
+          </a:ln>
+        </p:spPr>
+        <p:txBody>
+          <a:bodyPr spcFirstLastPara="1" vert="horz" wrap="square" lIns="25400" tIns="25400" rIns="25400" bIns="25400" rtlCol="0" anchor="t" anchorCtr="0">
+            <a:normAutofit/>
+          </a:bodyPr>
+          <a:lstStyle/>
+          <a:p>
+            <a:pPr algn="ctr"/>
+            <a:r>
+              <a:rPr lang="en-US" b="1" dirty="0" err="1">
+                <a:solidFill>
+                  <a:srgbClr val="1485FC"/>
+                </a:solidFill>
+                <a:latin typeface="Roboto" panose="02000000000000000000" pitchFamily="2" charset="0"/>
+                <a:ea typeface="Roboto" panose="02000000000000000000" pitchFamily="2" charset="0"/>
+              </a:rPr>
+              <a:t>Над</a:t>
+            </a:r>
+            <a:r>
+              <a:rPr lang="en-US" b="1" dirty="0">
+                <a:solidFill>
+                  <a:srgbClr val="1485FC"/>
+                </a:solidFill>
+                <a:latin typeface="Roboto" panose="02000000000000000000" pitchFamily="2" charset="0"/>
+                <a:ea typeface="Roboto" panose="02000000000000000000" pitchFamily="2" charset="0"/>
+              </a:rPr>
+              <a:t> </a:t>
+            </a:r>
+            <a:r>
+              <a:rPr lang="en-US" b="1" dirty="0" err="1">
+                <a:solidFill>
+                  <a:srgbClr val="1485FC"/>
+                </a:solidFill>
+                <a:latin typeface="Roboto" panose="02000000000000000000" pitchFamily="2" charset="0"/>
+                <a:ea typeface="Roboto" panose="02000000000000000000" pitchFamily="2" charset="0"/>
+              </a:rPr>
+              <a:t>проектом</a:t>
+            </a:r>
+            <a:r>
+              <a:rPr lang="en-US" b="1" dirty="0">
+                <a:solidFill>
+                  <a:srgbClr val="1485FC"/>
+                </a:solidFill>
+                <a:latin typeface="Roboto" panose="02000000000000000000" pitchFamily="2" charset="0"/>
+                <a:ea typeface="Roboto" panose="02000000000000000000" pitchFamily="2" charset="0"/>
+              </a:rPr>
+              <a:t> </a:t>
+            </a:r>
+            <a:r>
+              <a:rPr lang="en-US" b="1" dirty="0" err="1">
+                <a:solidFill>
+                  <a:srgbClr val="1485FC"/>
+                </a:solidFill>
+                <a:latin typeface="Roboto" panose="02000000000000000000" pitchFamily="2" charset="0"/>
+                <a:ea typeface="Roboto" panose="02000000000000000000" pitchFamily="2" charset="0"/>
+              </a:rPr>
+              <a:t>работали</a:t>
+            </a:r>
+            <a:r>
+              <a:rPr lang="en-US" b="1" dirty="0">
+                <a:solidFill>
+                  <a:srgbClr val="1485FC"/>
+                </a:solidFill>
+                <a:latin typeface="Roboto" panose="02000000000000000000" pitchFamily="2" charset="0"/>
+                <a:ea typeface="Roboto" panose="02000000000000000000" pitchFamily="2" charset="0"/>
+              </a:rPr>
+              <a:t> </a:t>
+            </a:r>
+            <a:endParaRPr lang="ru-RU" b="1" dirty="0">
+              <a:solidFill>
+                <a:srgbClr val="1485FC"/>
+              </a:solidFill>
+              <a:latin typeface="Roboto" panose="02000000000000000000" pitchFamily="2" charset="0"/>
+              <a:ea typeface="Roboto" panose="02000000000000000000" pitchFamily="2" charset="0"/>
+            </a:endParaRPr>
+          </a:p>
+        </p:txBody>
+      </p:sp>
+      <p:sp>
+        <p:nvSpPr>
+          <p:cNvPr id="8" name="TextBox 7">
+            <a:extLst>
+              <a:ext uri="{FF2B5EF4-FFF2-40B4-BE49-F238E27FC236}">
+                <a16:creationId xmlns:a16="http://schemas.microsoft.com/office/drawing/2014/main" id="{ABE58551-32BC-F2AA-FB30-DE7D64D82F78}"/>
+              </a:ext>
+            </a:extLst>
+          </p:cNvPr>
+          <p:cNvSpPr txBox="1"/>
           <p:nvPr/>
         </p:nvSpPr>
         <p:spPr>
           <a:xfrm>
-            <a:off x="0" y="902368"/>
-            <a:ext cx="12073690" cy="5059279"/>
+            <a:off x="1015441" y="1551191"/>
+            <a:ext cx="7946465" cy="1501180"/>
           </a:xfrm>
           <a:prstGeom prst="rect">
             <a:avLst/>
           </a:prstGeom>
-          <a:solidFill>
-            <a:srgbClr val="FFFFFF"/>
-          </a:solidFill>
-          <a:ln w="25400" cap="flat">
-            <a:solidFill>
-              <a:schemeClr val="bg1"/>
-            </a:solidFill>
-            <a:prstDash val="solid"/>
-            <a:round/>
-          </a:ln>
-        </p:spPr>
-        <p:style>
-          <a:lnRef idx="0">
-            <a:scrgbClr r="0" g="0" b="0"/>
-          </a:lnRef>
-          <a:fillRef idx="0">
-            <a:scrgbClr r="0" g="0" b="0"/>
-          </a:fillRef>
-          <a:effectRef idx="0">
-            <a:scrgbClr r="0" g="0" b="0"/>
-          </a:effectRef>
-          <a:fontRef idx="none"/>
-        </p:style>
-        <p:txBody>
-          <a:bodyPr rot="0" spcFirstLastPara="1" vertOverflow="overflow" horzOverflow="overflow" vert="horz" wrap="square" lIns="0" tIns="0" rIns="0" bIns="0" numCol="1" spcCol="38100" rtlCol="0" anchor="ctr">
+          <a:noFill/>
+        </p:spPr>
+        <p:txBody>
+          <a:bodyPr rot="0" spcFirstLastPara="0" vertOverflow="overflow" horzOverflow="overflow" vert="horz" wrap="square" lIns="45720" tIns="22860" rIns="45720" bIns="22860" numCol="1" spcCol="0" rtlCol="0" fromWordArt="0" anchor="t" anchorCtr="0" forceAA="0" compatLnSpc="1">
+            <a:prstTxWarp prst="textNoShape">
+              <a:avLst/>
+            </a:prstTxWarp>
             <a:spAutoFit/>
           </a:bodyPr>
           <a:lstStyle/>
           <a:p>
-            <a:pPr marL="0" marR="0" indent="0" algn="l" defTabSz="825500" rtl="0" fontAlgn="auto" latinLnBrk="0" hangingPunct="0">
+            <a:pPr>
+              <a:lnSpc>
+                <a:spcPct val="150000"/>
+              </a:lnSpc>
+            </a:pPr>
+            <a:endParaRPr lang="ru-RU" dirty="0">
+              <a:solidFill>
+                <a:schemeClr val="accent6"/>
+              </a:solidFill>
+              <a:latin typeface="Helvetica Neue"/>
+              <a:cs typeface="Arial"/>
+            </a:endParaRPr>
+          </a:p>
+          <a:p>
+            <a:pPr>
+              <a:lnSpc>
+                <a:spcPct val="150000"/>
+              </a:lnSpc>
+            </a:pPr>
+            <a:endParaRPr lang="ru-RU" sz="2400" dirty="0">
+              <a:latin typeface="Helvetica Neue"/>
+              <a:cs typeface="Arial"/>
+            </a:endParaRPr>
+          </a:p>
+          <a:p>
+            <a:pPr>
+              <a:lnSpc>
+                <a:spcPct val="150000"/>
+              </a:lnSpc>
+            </a:pPr>
+            <a:endParaRPr lang="ru-RU" sz="2400" dirty="0">
+              <a:latin typeface="Helvetica Neue"/>
+              <a:cs typeface="Arial"/>
+            </a:endParaRPr>
+          </a:p>
+        </p:txBody>
+      </p:sp>
+      <p:sp>
+        <p:nvSpPr>
+          <p:cNvPr id="9" name="Google Shape;731;p39">
+            <a:extLst>
+              <a:ext uri="{FF2B5EF4-FFF2-40B4-BE49-F238E27FC236}">
+                <a16:creationId xmlns:a16="http://schemas.microsoft.com/office/drawing/2014/main" id="{0264E482-590E-38F2-E9AA-82AB9D67FE62}"/>
+              </a:ext>
+            </a:extLst>
+          </p:cNvPr>
+          <p:cNvSpPr/>
+          <p:nvPr/>
+        </p:nvSpPr>
+        <p:spPr>
+          <a:xfrm>
+            <a:off x="3625093" y="4373314"/>
+            <a:ext cx="2874675" cy="676212"/>
+          </a:xfrm>
+          <a:prstGeom prst="roundRect">
+            <a:avLst>
+              <a:gd name="adj" fmla="val 50000"/>
+            </a:avLst>
+          </a:prstGeom>
+          <a:solidFill>
+            <a:srgbClr val="007BFC"/>
+          </a:solidFill>
+          <a:ln>
+            <a:noFill/>
+          </a:ln>
+          <a:effectLst>
+            <a:outerShdw blurRad="254000" dist="127000" dir="2700000" rotWithShape="0">
+              <a:srgbClr val="000000">
+                <a:alpha val="24705"/>
+              </a:srgbClr>
+            </a:outerShdw>
+          </a:effectLst>
+        </p:spPr>
+        <p:txBody>
+          <a:bodyPr spcFirstLastPara="1" wrap="square" lIns="45713" tIns="45713" rIns="45713" bIns="45713" anchor="ctr" anchorCtr="0">
+            <a:noAutofit/>
+          </a:bodyPr>
+          <a:lstStyle>
+            <a:defPPr marR="0" lvl="0" algn="l" rtl="0">
               <a:lnSpc>
                 <a:spcPct val="100000"/>
               </a:lnSpc>
@@ -5537,203 +6008,8 @@
               <a:spcAft>
                 <a:spcPts val="0"/>
               </a:spcAft>
-              <a:buClrTx/>
-              <a:buSzTx/>
-              <a:buFontTx/>
-              <a:buNone/>
-            </a:pPr>
-            <a:endParaRPr kumimoji="0" lang="ru-RU" sz="2400" b="0" i="0" u="none" strike="noStrike" cap="none" spc="0" normalizeH="0" baseline="0" dirty="0">
-              <a:ln>
-                <a:noFill/>
-              </a:ln>
-              <a:solidFill>
-                <a:srgbClr val="7F7F7F"/>
-              </a:solidFill>
-              <a:effectLst/>
-              <a:uFillTx/>
-              <a:latin typeface="+mn-lt"/>
-              <a:ea typeface="+mn-ea"/>
-              <a:cs typeface="+mn-cs"/>
-              <a:sym typeface="CoFo Sans" panose="020B0503030202060203"/>
-            </a:endParaRPr>
-          </a:p>
-        </p:txBody>
-      </p:sp>
-      <p:sp>
-        <p:nvSpPr>
-          <p:cNvPr id="2" name="Прямоугольник: скругленные углы 1">
-            <a:extLst>
-              <a:ext uri="{FF2B5EF4-FFF2-40B4-BE49-F238E27FC236}">
-                <a16:creationId xmlns:a16="http://schemas.microsoft.com/office/drawing/2014/main" id="{7B99859E-5300-F3CD-303A-7DAE6BADDB6D}"/>
-              </a:ext>
-            </a:extLst>
-          </p:cNvPr>
-          <p:cNvSpPr/>
-          <p:nvPr/>
-        </p:nvSpPr>
-        <p:spPr>
-          <a:xfrm>
-            <a:off x="4681544" y="3360131"/>
-            <a:ext cx="6625820" cy="2383631"/>
-          </a:xfrm>
-          <a:prstGeom prst="roundRect">
-            <a:avLst/>
-          </a:prstGeom>
-          <a:solidFill>
-            <a:srgbClr val="FFFFFF"/>
-          </a:solidFill>
-          <a:ln w="25400" cap="flat">
-            <a:solidFill>
-              <a:schemeClr val="accent1"/>
-            </a:solidFill>
-            <a:prstDash val="solid"/>
-            <a:round/>
-          </a:ln>
-        </p:spPr>
-        <p:style>
-          <a:lnRef idx="0">
-            <a:scrgbClr r="0" g="0" b="0"/>
-          </a:lnRef>
-          <a:fillRef idx="0">
-            <a:scrgbClr r="0" g="0" b="0"/>
-          </a:fillRef>
-          <a:effectRef idx="0">
-            <a:scrgbClr r="0" g="0" b="0"/>
-          </a:effectRef>
-          <a:fontRef idx="none"/>
-        </p:style>
-        <p:txBody>
-          <a:bodyPr rot="0" spcFirstLastPara="1" vertOverflow="overflow" horzOverflow="overflow" vert="horz" wrap="square" lIns="0" tIns="0" rIns="0" bIns="0" numCol="1" spcCol="38100" rtlCol="0" anchor="ctr">
-            <a:spAutoFit/>
-          </a:bodyPr>
-          <a:lstStyle/>
-          <a:p>
-            <a:pPr marL="514350" indent="-514350" algn="just">
-              <a:buFont typeface="+mj-lt"/>
-              <a:buAutoNum type="arabicPeriod"/>
-            </a:pPr>
-            <a:r>
-              <a:rPr lang="ru-RU" altLang="en-US" sz="2800" b="1" dirty="0">
-                <a:solidFill>
-                  <a:srgbClr val="1485FC"/>
-                </a:solidFill>
-                <a:cs typeface="Times New Roman" panose="02020603050405020304" charset="0"/>
-              </a:rPr>
-              <a:t>Шаги выполнения кейса</a:t>
-            </a:r>
-            <a:endParaRPr lang="en-US" altLang="en-US" sz="2800" b="1" dirty="0">
-              <a:solidFill>
-                <a:srgbClr val="1485FC"/>
-              </a:solidFill>
-              <a:cs typeface="Times New Roman" panose="02020603050405020304" charset="0"/>
-            </a:endParaRPr>
-          </a:p>
-          <a:p>
-            <a:pPr marL="514350" indent="-514350" algn="just">
-              <a:buFont typeface="+mj-lt"/>
-              <a:buAutoNum type="arabicPeriod"/>
-            </a:pPr>
-            <a:endParaRPr lang="ru-RU" altLang="en-US" sz="2800" b="1" dirty="0">
-              <a:solidFill>
-                <a:srgbClr val="1485FC"/>
-              </a:solidFill>
-              <a:cs typeface="Times New Roman" panose="02020603050405020304" charset="0"/>
-            </a:endParaRPr>
-          </a:p>
-          <a:p>
-            <a:pPr marL="514350" indent="-514350" algn="just">
-              <a:buFont typeface="+mj-lt"/>
-              <a:buAutoNum type="arabicPeriod"/>
-            </a:pPr>
-            <a:r>
-              <a:rPr lang="ru-RU" altLang="en-US" sz="2800" b="1" dirty="0">
-                <a:solidFill>
-                  <a:srgbClr val="1485FC"/>
-                </a:solidFill>
-                <a:cs typeface="Times New Roman" panose="02020603050405020304" charset="0"/>
-              </a:rPr>
-              <a:t>Процесс выполнения шагов кейса</a:t>
-            </a:r>
-            <a:endParaRPr lang="en-US" altLang="en-US" sz="2800" b="1" dirty="0">
-              <a:solidFill>
-                <a:srgbClr val="1485FC"/>
-              </a:solidFill>
-              <a:cs typeface="Times New Roman" panose="02020603050405020304" charset="0"/>
-            </a:endParaRPr>
-          </a:p>
-          <a:p>
-            <a:pPr marL="514350" indent="-514350" algn="just">
-              <a:buFont typeface="+mj-lt"/>
-              <a:buAutoNum type="arabicPeriod"/>
-            </a:pPr>
-            <a:endParaRPr lang="ru-RU" altLang="en-US" sz="2800" b="1" dirty="0">
-              <a:solidFill>
-                <a:srgbClr val="1485FC"/>
-              </a:solidFill>
-              <a:cs typeface="Times New Roman" panose="02020603050405020304" charset="0"/>
-            </a:endParaRPr>
-          </a:p>
-          <a:p>
-            <a:pPr marL="514350" indent="-514350" algn="just">
-              <a:buFont typeface="+mj-lt"/>
-              <a:buAutoNum type="arabicPeriod"/>
-            </a:pPr>
-            <a:r>
-              <a:rPr lang="ru-RU" altLang="en-US" sz="2800" b="1" dirty="0">
-                <a:solidFill>
-                  <a:srgbClr val="1485FC"/>
-                </a:solidFill>
-                <a:cs typeface="Times New Roman" panose="02020603050405020304" charset="0"/>
-              </a:rPr>
-              <a:t>Результат</a:t>
-            </a:r>
-          </a:p>
-        </p:txBody>
-      </p:sp>
-      <p:sp>
-        <p:nvSpPr>
-          <p:cNvPr id="10" name="Блок-схема: завершение 9"/>
-          <p:cNvSpPr/>
-          <p:nvPr/>
-        </p:nvSpPr>
-        <p:spPr>
-          <a:xfrm>
-            <a:off x="480060" y="281086"/>
-            <a:ext cx="4201484" cy="952143"/>
-          </a:xfrm>
-          <a:prstGeom prst="flowChartTerminator">
-            <a:avLst/>
-          </a:prstGeom>
-          <a:solidFill>
-            <a:srgbClr val="1485FC"/>
-          </a:solidFill>
-          <a:ln w="25400" cap="flat">
-            <a:solidFill>
-              <a:srgbClr val="1485FC"/>
-            </a:solidFill>
-            <a:prstDash val="solid"/>
-            <a:round/>
-          </a:ln>
-        </p:spPr>
-        <p:style>
-          <a:lnRef idx="0">
-            <a:scrgbClr r="0" g="0" b="0"/>
-          </a:lnRef>
-          <a:fillRef idx="0">
-            <a:scrgbClr r="0" g="0" b="0"/>
-          </a:fillRef>
-          <a:effectRef idx="0">
-            <a:scrgbClr r="0" g="0" b="0"/>
-          </a:effectRef>
-          <a:fontRef idx="none"/>
-        </p:style>
-        <p:txBody>
-          <a:bodyPr rot="0" vertOverflow="overflow" horzOverflow="overflow" vert="horz" wrap="square" lIns="0" tIns="0" rIns="0" bIns="0" numCol="1" spcCol="38100" rtlCol="0" anchor="ctr" forceAA="0">
-            <a:spAutoFit/>
-          </a:bodyPr>
-          <a:lstStyle/>
-          <a:p>
-            <a:pPr marL="0" marR="0" indent="0" algn="ctr" defTabSz="825500" rtl="0" fontAlgn="auto" latinLnBrk="0" hangingPunct="0">
+            </a:defPPr>
+            <a:lvl1pPr marR="0" lvl="0" algn="l" rtl="0">
               <a:lnSpc>
                 <a:spcPct val="100000"/>
               </a:lnSpc>
@@ -5743,25 +6019,792 @@
               <a:spcAft>
                 <a:spcPts val="0"/>
               </a:spcAft>
-              <a:buClrTx/>
-              <a:buSzTx/>
-              <a:buFontTx/>
-              <a:buNone/>
-            </a:pPr>
-            <a:r>
-              <a:rPr kumimoji="0" lang="ru-RU" altLang="en-US" sz="4400" b="0" i="0" u="none" strike="noStrike" cap="none" spc="0" normalizeH="0" baseline="0" dirty="0">
-                <a:ln>
-                  <a:noFill/>
-                </a:ln>
+              <a:buClr>
+                <a:srgbClr val="000000"/>
+              </a:buClr>
+              <a:buFont typeface="Arial"/>
+              <a:defRPr sz="1400" b="0" i="0" u="none" strike="noStrike" cap="none">
+                <a:solidFill>
+                  <a:srgbClr val="000000"/>
+                </a:solidFill>
+                <a:latin typeface="Arial"/>
+                <a:ea typeface="Arial"/>
+                <a:cs typeface="Arial"/>
+                <a:sym typeface="Arial"/>
+              </a:defRPr>
+            </a:lvl1pPr>
+            <a:lvl2pPr marR="0" lvl="1" algn="l" rtl="0">
+              <a:lnSpc>
+                <a:spcPct val="100000"/>
+              </a:lnSpc>
+              <a:spcBef>
+                <a:spcPts val="0"/>
+              </a:spcBef>
+              <a:spcAft>
+                <a:spcPts val="0"/>
+              </a:spcAft>
+              <a:buClr>
+                <a:srgbClr val="000000"/>
+              </a:buClr>
+              <a:buFont typeface="Arial"/>
+              <a:defRPr sz="1400" b="0" i="0" u="none" strike="noStrike" cap="none">
+                <a:solidFill>
+                  <a:srgbClr val="000000"/>
+                </a:solidFill>
+                <a:latin typeface="Arial"/>
+                <a:ea typeface="Arial"/>
+                <a:cs typeface="Arial"/>
+                <a:sym typeface="Arial"/>
+              </a:defRPr>
+            </a:lvl2pPr>
+            <a:lvl3pPr marR="0" lvl="2" algn="l" rtl="0">
+              <a:lnSpc>
+                <a:spcPct val="100000"/>
+              </a:lnSpc>
+              <a:spcBef>
+                <a:spcPts val="0"/>
+              </a:spcBef>
+              <a:spcAft>
+                <a:spcPts val="0"/>
+              </a:spcAft>
+              <a:buClr>
+                <a:srgbClr val="000000"/>
+              </a:buClr>
+              <a:buFont typeface="Arial"/>
+              <a:defRPr sz="1400" b="0" i="0" u="none" strike="noStrike" cap="none">
+                <a:solidFill>
+                  <a:srgbClr val="000000"/>
+                </a:solidFill>
+                <a:latin typeface="Arial"/>
+                <a:ea typeface="Arial"/>
+                <a:cs typeface="Arial"/>
+                <a:sym typeface="Arial"/>
+              </a:defRPr>
+            </a:lvl3pPr>
+            <a:lvl4pPr marR="0" lvl="3" algn="l" rtl="0">
+              <a:lnSpc>
+                <a:spcPct val="100000"/>
+              </a:lnSpc>
+              <a:spcBef>
+                <a:spcPts val="0"/>
+              </a:spcBef>
+              <a:spcAft>
+                <a:spcPts val="0"/>
+              </a:spcAft>
+              <a:buClr>
+                <a:srgbClr val="000000"/>
+              </a:buClr>
+              <a:buFont typeface="Arial"/>
+              <a:defRPr sz="1400" b="0" i="0" u="none" strike="noStrike" cap="none">
+                <a:solidFill>
+                  <a:srgbClr val="000000"/>
+                </a:solidFill>
+                <a:latin typeface="Arial"/>
+                <a:ea typeface="Arial"/>
+                <a:cs typeface="Arial"/>
+                <a:sym typeface="Arial"/>
+              </a:defRPr>
+            </a:lvl4pPr>
+            <a:lvl5pPr marR="0" lvl="4" algn="l" rtl="0">
+              <a:lnSpc>
+                <a:spcPct val="100000"/>
+              </a:lnSpc>
+              <a:spcBef>
+                <a:spcPts val="0"/>
+              </a:spcBef>
+              <a:spcAft>
+                <a:spcPts val="0"/>
+              </a:spcAft>
+              <a:buClr>
+                <a:srgbClr val="000000"/>
+              </a:buClr>
+              <a:buFont typeface="Arial"/>
+              <a:defRPr sz="1400" b="0" i="0" u="none" strike="noStrike" cap="none">
+                <a:solidFill>
+                  <a:srgbClr val="000000"/>
+                </a:solidFill>
+                <a:latin typeface="Arial"/>
+                <a:ea typeface="Arial"/>
+                <a:cs typeface="Arial"/>
+                <a:sym typeface="Arial"/>
+              </a:defRPr>
+            </a:lvl5pPr>
+            <a:lvl6pPr marR="0" lvl="5" algn="l" rtl="0">
+              <a:lnSpc>
+                <a:spcPct val="100000"/>
+              </a:lnSpc>
+              <a:spcBef>
+                <a:spcPts val="0"/>
+              </a:spcBef>
+              <a:spcAft>
+                <a:spcPts val="0"/>
+              </a:spcAft>
+              <a:buClr>
+                <a:srgbClr val="000000"/>
+              </a:buClr>
+              <a:buFont typeface="Arial"/>
+              <a:defRPr sz="1400" b="0" i="0" u="none" strike="noStrike" cap="none">
+                <a:solidFill>
+                  <a:srgbClr val="000000"/>
+                </a:solidFill>
+                <a:latin typeface="Arial"/>
+                <a:ea typeface="Arial"/>
+                <a:cs typeface="Arial"/>
+                <a:sym typeface="Arial"/>
+              </a:defRPr>
+            </a:lvl6pPr>
+            <a:lvl7pPr marR="0" lvl="6" algn="l" rtl="0">
+              <a:lnSpc>
+                <a:spcPct val="100000"/>
+              </a:lnSpc>
+              <a:spcBef>
+                <a:spcPts val="0"/>
+              </a:spcBef>
+              <a:spcAft>
+                <a:spcPts val="0"/>
+              </a:spcAft>
+              <a:buClr>
+                <a:srgbClr val="000000"/>
+              </a:buClr>
+              <a:buFont typeface="Arial"/>
+              <a:defRPr sz="1400" b="0" i="0" u="none" strike="noStrike" cap="none">
+                <a:solidFill>
+                  <a:srgbClr val="000000"/>
+                </a:solidFill>
+                <a:latin typeface="Arial"/>
+                <a:ea typeface="Arial"/>
+                <a:cs typeface="Arial"/>
+                <a:sym typeface="Arial"/>
+              </a:defRPr>
+            </a:lvl7pPr>
+            <a:lvl8pPr marR="0" lvl="7" algn="l" rtl="0">
+              <a:lnSpc>
+                <a:spcPct val="100000"/>
+              </a:lnSpc>
+              <a:spcBef>
+                <a:spcPts val="0"/>
+              </a:spcBef>
+              <a:spcAft>
+                <a:spcPts val="0"/>
+              </a:spcAft>
+              <a:buClr>
+                <a:srgbClr val="000000"/>
+              </a:buClr>
+              <a:buFont typeface="Arial"/>
+              <a:defRPr sz="1400" b="0" i="0" u="none" strike="noStrike" cap="none">
+                <a:solidFill>
+                  <a:srgbClr val="000000"/>
+                </a:solidFill>
+                <a:latin typeface="Arial"/>
+                <a:ea typeface="Arial"/>
+                <a:cs typeface="Arial"/>
+                <a:sym typeface="Arial"/>
+              </a:defRPr>
+            </a:lvl8pPr>
+            <a:lvl9pPr marR="0" lvl="8" algn="l" rtl="0">
+              <a:lnSpc>
+                <a:spcPct val="100000"/>
+              </a:lnSpc>
+              <a:spcBef>
+                <a:spcPts val="0"/>
+              </a:spcBef>
+              <a:spcAft>
+                <a:spcPts val="0"/>
+              </a:spcAft>
+              <a:buClr>
+                <a:srgbClr val="000000"/>
+              </a:buClr>
+              <a:buFont typeface="Arial"/>
+              <a:defRPr sz="1400" b="0" i="0" u="none" strike="noStrike" cap="none">
+                <a:solidFill>
+                  <a:srgbClr val="000000"/>
+                </a:solidFill>
+                <a:latin typeface="Arial"/>
+                <a:ea typeface="Arial"/>
+                <a:cs typeface="Arial"/>
+                <a:sym typeface="Arial"/>
+              </a:defRPr>
+            </a:lvl9pPr>
+          </a:lstStyle>
+          <a:p>
+            <a:pPr algn="ctr"/>
+            <a:r>
+              <a:rPr lang="ru-RU" sz="2000" dirty="0">
                 <a:solidFill>
                   <a:schemeClr val="bg1"/>
                 </a:solidFill>
-                <a:effectLst/>
-                <a:uFillTx/>
-                <a:latin typeface="CoFo Sans (Основной текст)"/>
-                <a:sym typeface="CoFo Sans" panose="020B0503030202060203"/>
+                <a:latin typeface="Roboto" panose="02000000000000000000" pitchFamily="2" charset="0"/>
+                <a:ea typeface="Roboto" panose="02000000000000000000" pitchFamily="2" charset="0"/>
               </a:rPr>
-              <a:t>Содержание</a:t>
+              <a:t>Костюк Алексей</a:t>
+            </a:r>
+          </a:p>
+        </p:txBody>
+      </p:sp>
+      <p:sp>
+        <p:nvSpPr>
+          <p:cNvPr id="10" name="Google Shape;731;p39">
+            <a:extLst>
+              <a:ext uri="{FF2B5EF4-FFF2-40B4-BE49-F238E27FC236}">
+                <a16:creationId xmlns:a16="http://schemas.microsoft.com/office/drawing/2014/main" id="{9E0FBCD2-7CE0-7465-E66A-E11B01C3DAEB}"/>
+              </a:ext>
+            </a:extLst>
+          </p:cNvPr>
+          <p:cNvSpPr/>
+          <p:nvPr/>
+        </p:nvSpPr>
+        <p:spPr>
+          <a:xfrm>
+            <a:off x="2265791" y="3218113"/>
+            <a:ext cx="2874675" cy="676212"/>
+          </a:xfrm>
+          <a:prstGeom prst="roundRect">
+            <a:avLst>
+              <a:gd name="adj" fmla="val 50000"/>
+            </a:avLst>
+          </a:prstGeom>
+          <a:solidFill>
+            <a:srgbClr val="007BFC"/>
+          </a:solidFill>
+          <a:ln>
+            <a:noFill/>
+          </a:ln>
+          <a:effectLst>
+            <a:outerShdw blurRad="254000" dist="127000" dir="2700000" rotWithShape="0">
+              <a:srgbClr val="000000">
+                <a:alpha val="24705"/>
+              </a:srgbClr>
+            </a:outerShdw>
+          </a:effectLst>
+        </p:spPr>
+        <p:txBody>
+          <a:bodyPr spcFirstLastPara="1" wrap="square" lIns="45713" tIns="45713" rIns="45713" bIns="45713" anchor="ctr" anchorCtr="0">
+            <a:noAutofit/>
+          </a:bodyPr>
+          <a:lstStyle>
+            <a:defPPr marR="0" lvl="0" algn="l" rtl="0">
+              <a:lnSpc>
+                <a:spcPct val="100000"/>
+              </a:lnSpc>
+              <a:spcBef>
+                <a:spcPts val="0"/>
+              </a:spcBef>
+              <a:spcAft>
+                <a:spcPts val="0"/>
+              </a:spcAft>
+            </a:defPPr>
+            <a:lvl1pPr marR="0" lvl="0" algn="l" rtl="0">
+              <a:lnSpc>
+                <a:spcPct val="100000"/>
+              </a:lnSpc>
+              <a:spcBef>
+                <a:spcPts val="0"/>
+              </a:spcBef>
+              <a:spcAft>
+                <a:spcPts val="0"/>
+              </a:spcAft>
+              <a:buClr>
+                <a:srgbClr val="000000"/>
+              </a:buClr>
+              <a:buFont typeface="Arial"/>
+              <a:defRPr sz="1400" b="0" i="0" u="none" strike="noStrike" cap="none">
+                <a:solidFill>
+                  <a:srgbClr val="000000"/>
+                </a:solidFill>
+                <a:latin typeface="Arial"/>
+                <a:ea typeface="Arial"/>
+                <a:cs typeface="Arial"/>
+                <a:sym typeface="Arial"/>
+              </a:defRPr>
+            </a:lvl1pPr>
+            <a:lvl2pPr marR="0" lvl="1" algn="l" rtl="0">
+              <a:lnSpc>
+                <a:spcPct val="100000"/>
+              </a:lnSpc>
+              <a:spcBef>
+                <a:spcPts val="0"/>
+              </a:spcBef>
+              <a:spcAft>
+                <a:spcPts val="0"/>
+              </a:spcAft>
+              <a:buClr>
+                <a:srgbClr val="000000"/>
+              </a:buClr>
+              <a:buFont typeface="Arial"/>
+              <a:defRPr sz="1400" b="0" i="0" u="none" strike="noStrike" cap="none">
+                <a:solidFill>
+                  <a:srgbClr val="000000"/>
+                </a:solidFill>
+                <a:latin typeface="Arial"/>
+                <a:ea typeface="Arial"/>
+                <a:cs typeface="Arial"/>
+                <a:sym typeface="Arial"/>
+              </a:defRPr>
+            </a:lvl2pPr>
+            <a:lvl3pPr marR="0" lvl="2" algn="l" rtl="0">
+              <a:lnSpc>
+                <a:spcPct val="100000"/>
+              </a:lnSpc>
+              <a:spcBef>
+                <a:spcPts val="0"/>
+              </a:spcBef>
+              <a:spcAft>
+                <a:spcPts val="0"/>
+              </a:spcAft>
+              <a:buClr>
+                <a:srgbClr val="000000"/>
+              </a:buClr>
+              <a:buFont typeface="Arial"/>
+              <a:defRPr sz="1400" b="0" i="0" u="none" strike="noStrike" cap="none">
+                <a:solidFill>
+                  <a:srgbClr val="000000"/>
+                </a:solidFill>
+                <a:latin typeface="Arial"/>
+                <a:ea typeface="Arial"/>
+                <a:cs typeface="Arial"/>
+                <a:sym typeface="Arial"/>
+              </a:defRPr>
+            </a:lvl3pPr>
+            <a:lvl4pPr marR="0" lvl="3" algn="l" rtl="0">
+              <a:lnSpc>
+                <a:spcPct val="100000"/>
+              </a:lnSpc>
+              <a:spcBef>
+                <a:spcPts val="0"/>
+              </a:spcBef>
+              <a:spcAft>
+                <a:spcPts val="0"/>
+              </a:spcAft>
+              <a:buClr>
+                <a:srgbClr val="000000"/>
+              </a:buClr>
+              <a:buFont typeface="Arial"/>
+              <a:defRPr sz="1400" b="0" i="0" u="none" strike="noStrike" cap="none">
+                <a:solidFill>
+                  <a:srgbClr val="000000"/>
+                </a:solidFill>
+                <a:latin typeface="Arial"/>
+                <a:ea typeface="Arial"/>
+                <a:cs typeface="Arial"/>
+                <a:sym typeface="Arial"/>
+              </a:defRPr>
+            </a:lvl4pPr>
+            <a:lvl5pPr marR="0" lvl="4" algn="l" rtl="0">
+              <a:lnSpc>
+                <a:spcPct val="100000"/>
+              </a:lnSpc>
+              <a:spcBef>
+                <a:spcPts val="0"/>
+              </a:spcBef>
+              <a:spcAft>
+                <a:spcPts val="0"/>
+              </a:spcAft>
+              <a:buClr>
+                <a:srgbClr val="000000"/>
+              </a:buClr>
+              <a:buFont typeface="Arial"/>
+              <a:defRPr sz="1400" b="0" i="0" u="none" strike="noStrike" cap="none">
+                <a:solidFill>
+                  <a:srgbClr val="000000"/>
+                </a:solidFill>
+                <a:latin typeface="Arial"/>
+                <a:ea typeface="Arial"/>
+                <a:cs typeface="Arial"/>
+                <a:sym typeface="Arial"/>
+              </a:defRPr>
+            </a:lvl5pPr>
+            <a:lvl6pPr marR="0" lvl="5" algn="l" rtl="0">
+              <a:lnSpc>
+                <a:spcPct val="100000"/>
+              </a:lnSpc>
+              <a:spcBef>
+                <a:spcPts val="0"/>
+              </a:spcBef>
+              <a:spcAft>
+                <a:spcPts val="0"/>
+              </a:spcAft>
+              <a:buClr>
+                <a:srgbClr val="000000"/>
+              </a:buClr>
+              <a:buFont typeface="Arial"/>
+              <a:defRPr sz="1400" b="0" i="0" u="none" strike="noStrike" cap="none">
+                <a:solidFill>
+                  <a:srgbClr val="000000"/>
+                </a:solidFill>
+                <a:latin typeface="Arial"/>
+                <a:ea typeface="Arial"/>
+                <a:cs typeface="Arial"/>
+                <a:sym typeface="Arial"/>
+              </a:defRPr>
+            </a:lvl6pPr>
+            <a:lvl7pPr marR="0" lvl="6" algn="l" rtl="0">
+              <a:lnSpc>
+                <a:spcPct val="100000"/>
+              </a:lnSpc>
+              <a:spcBef>
+                <a:spcPts val="0"/>
+              </a:spcBef>
+              <a:spcAft>
+                <a:spcPts val="0"/>
+              </a:spcAft>
+              <a:buClr>
+                <a:srgbClr val="000000"/>
+              </a:buClr>
+              <a:buFont typeface="Arial"/>
+              <a:defRPr sz="1400" b="0" i="0" u="none" strike="noStrike" cap="none">
+                <a:solidFill>
+                  <a:srgbClr val="000000"/>
+                </a:solidFill>
+                <a:latin typeface="Arial"/>
+                <a:ea typeface="Arial"/>
+                <a:cs typeface="Arial"/>
+                <a:sym typeface="Arial"/>
+              </a:defRPr>
+            </a:lvl7pPr>
+            <a:lvl8pPr marR="0" lvl="7" algn="l" rtl="0">
+              <a:lnSpc>
+                <a:spcPct val="100000"/>
+              </a:lnSpc>
+              <a:spcBef>
+                <a:spcPts val="0"/>
+              </a:spcBef>
+              <a:spcAft>
+                <a:spcPts val="0"/>
+              </a:spcAft>
+              <a:buClr>
+                <a:srgbClr val="000000"/>
+              </a:buClr>
+              <a:buFont typeface="Arial"/>
+              <a:defRPr sz="1400" b="0" i="0" u="none" strike="noStrike" cap="none">
+                <a:solidFill>
+                  <a:srgbClr val="000000"/>
+                </a:solidFill>
+                <a:latin typeface="Arial"/>
+                <a:ea typeface="Arial"/>
+                <a:cs typeface="Arial"/>
+                <a:sym typeface="Arial"/>
+              </a:defRPr>
+            </a:lvl8pPr>
+            <a:lvl9pPr marR="0" lvl="8" algn="l" rtl="0">
+              <a:lnSpc>
+                <a:spcPct val="100000"/>
+              </a:lnSpc>
+              <a:spcBef>
+                <a:spcPts val="0"/>
+              </a:spcBef>
+              <a:spcAft>
+                <a:spcPts val="0"/>
+              </a:spcAft>
+              <a:buClr>
+                <a:srgbClr val="000000"/>
+              </a:buClr>
+              <a:buFont typeface="Arial"/>
+              <a:defRPr sz="1400" b="0" i="0" u="none" strike="noStrike" cap="none">
+                <a:solidFill>
+                  <a:srgbClr val="000000"/>
+                </a:solidFill>
+                <a:latin typeface="Arial"/>
+                <a:ea typeface="Arial"/>
+                <a:cs typeface="Arial"/>
+                <a:sym typeface="Arial"/>
+              </a:defRPr>
+            </a:lvl9pPr>
+          </a:lstStyle>
+          <a:p>
+            <a:pPr algn="ctr"/>
+            <a:r>
+              <a:rPr lang="ru-RU" sz="1800" dirty="0">
+                <a:solidFill>
+                  <a:schemeClr val="bg1"/>
+                </a:solidFill>
+                <a:latin typeface="Roboto" panose="02000000000000000000" pitchFamily="2" charset="0"/>
+                <a:ea typeface="Roboto" panose="02000000000000000000" pitchFamily="2" charset="0"/>
+              </a:rPr>
+              <a:t>Блинов Даниил</a:t>
+            </a:r>
+          </a:p>
+        </p:txBody>
+      </p:sp>
+      <p:sp>
+        <p:nvSpPr>
+          <p:cNvPr id="11" name="Google Shape;731;p39">
+            <a:extLst>
+              <a:ext uri="{FF2B5EF4-FFF2-40B4-BE49-F238E27FC236}">
+                <a16:creationId xmlns:a16="http://schemas.microsoft.com/office/drawing/2014/main" id="{10B4AED2-0D68-772E-7082-7D25E3B855D7}"/>
+              </a:ext>
+            </a:extLst>
+          </p:cNvPr>
+          <p:cNvSpPr/>
+          <p:nvPr/>
+        </p:nvSpPr>
+        <p:spPr>
+          <a:xfrm>
+            <a:off x="971432" y="2059334"/>
+            <a:ext cx="2874675" cy="676212"/>
+          </a:xfrm>
+          <a:prstGeom prst="roundRect">
+            <a:avLst>
+              <a:gd name="adj" fmla="val 50000"/>
+            </a:avLst>
+          </a:prstGeom>
+          <a:solidFill>
+            <a:srgbClr val="007BFC"/>
+          </a:solidFill>
+          <a:ln>
+            <a:noFill/>
+          </a:ln>
+          <a:effectLst>
+            <a:outerShdw blurRad="254000" dist="127000" dir="2700000" rotWithShape="0">
+              <a:srgbClr val="000000">
+                <a:alpha val="24705"/>
+              </a:srgbClr>
+            </a:outerShdw>
+          </a:effectLst>
+        </p:spPr>
+        <p:txBody>
+          <a:bodyPr spcFirstLastPara="1" wrap="square" lIns="45713" tIns="45713" rIns="45713" bIns="45713" anchor="ctr" anchorCtr="0">
+            <a:noAutofit/>
+          </a:bodyPr>
+          <a:lstStyle>
+            <a:defPPr marR="0" lvl="0" algn="l" rtl="0">
+              <a:lnSpc>
+                <a:spcPct val="100000"/>
+              </a:lnSpc>
+              <a:spcBef>
+                <a:spcPts val="0"/>
+              </a:spcBef>
+              <a:spcAft>
+                <a:spcPts val="0"/>
+              </a:spcAft>
+            </a:defPPr>
+            <a:lvl1pPr marR="0" lvl="0" algn="l" rtl="0">
+              <a:lnSpc>
+                <a:spcPct val="100000"/>
+              </a:lnSpc>
+              <a:spcBef>
+                <a:spcPts val="0"/>
+              </a:spcBef>
+              <a:spcAft>
+                <a:spcPts val="0"/>
+              </a:spcAft>
+              <a:buClr>
+                <a:srgbClr val="000000"/>
+              </a:buClr>
+              <a:buFont typeface="Arial"/>
+              <a:defRPr sz="1400" b="0" i="0" u="none" strike="noStrike" cap="none">
+                <a:solidFill>
+                  <a:srgbClr val="000000"/>
+                </a:solidFill>
+                <a:latin typeface="Arial"/>
+                <a:ea typeface="Arial"/>
+                <a:cs typeface="Arial"/>
+                <a:sym typeface="Arial"/>
+              </a:defRPr>
+            </a:lvl1pPr>
+            <a:lvl2pPr marR="0" lvl="1" algn="l" rtl="0">
+              <a:lnSpc>
+                <a:spcPct val="100000"/>
+              </a:lnSpc>
+              <a:spcBef>
+                <a:spcPts val="0"/>
+              </a:spcBef>
+              <a:spcAft>
+                <a:spcPts val="0"/>
+              </a:spcAft>
+              <a:buClr>
+                <a:srgbClr val="000000"/>
+              </a:buClr>
+              <a:buFont typeface="Arial"/>
+              <a:defRPr sz="1400" b="0" i="0" u="none" strike="noStrike" cap="none">
+                <a:solidFill>
+                  <a:srgbClr val="000000"/>
+                </a:solidFill>
+                <a:latin typeface="Arial"/>
+                <a:ea typeface="Arial"/>
+                <a:cs typeface="Arial"/>
+                <a:sym typeface="Arial"/>
+              </a:defRPr>
+            </a:lvl2pPr>
+            <a:lvl3pPr marR="0" lvl="2" algn="l" rtl="0">
+              <a:lnSpc>
+                <a:spcPct val="100000"/>
+              </a:lnSpc>
+              <a:spcBef>
+                <a:spcPts val="0"/>
+              </a:spcBef>
+              <a:spcAft>
+                <a:spcPts val="0"/>
+              </a:spcAft>
+              <a:buClr>
+                <a:srgbClr val="000000"/>
+              </a:buClr>
+              <a:buFont typeface="Arial"/>
+              <a:defRPr sz="1400" b="0" i="0" u="none" strike="noStrike" cap="none">
+                <a:solidFill>
+                  <a:srgbClr val="000000"/>
+                </a:solidFill>
+                <a:latin typeface="Arial"/>
+                <a:ea typeface="Arial"/>
+                <a:cs typeface="Arial"/>
+                <a:sym typeface="Arial"/>
+              </a:defRPr>
+            </a:lvl3pPr>
+            <a:lvl4pPr marR="0" lvl="3" algn="l" rtl="0">
+              <a:lnSpc>
+                <a:spcPct val="100000"/>
+              </a:lnSpc>
+              <a:spcBef>
+                <a:spcPts val="0"/>
+              </a:spcBef>
+              <a:spcAft>
+                <a:spcPts val="0"/>
+              </a:spcAft>
+              <a:buClr>
+                <a:srgbClr val="000000"/>
+              </a:buClr>
+              <a:buFont typeface="Arial"/>
+              <a:defRPr sz="1400" b="0" i="0" u="none" strike="noStrike" cap="none">
+                <a:solidFill>
+                  <a:srgbClr val="000000"/>
+                </a:solidFill>
+                <a:latin typeface="Arial"/>
+                <a:ea typeface="Arial"/>
+                <a:cs typeface="Arial"/>
+                <a:sym typeface="Arial"/>
+              </a:defRPr>
+            </a:lvl4pPr>
+            <a:lvl5pPr marR="0" lvl="4" algn="l" rtl="0">
+              <a:lnSpc>
+                <a:spcPct val="100000"/>
+              </a:lnSpc>
+              <a:spcBef>
+                <a:spcPts val="0"/>
+              </a:spcBef>
+              <a:spcAft>
+                <a:spcPts val="0"/>
+              </a:spcAft>
+              <a:buClr>
+                <a:srgbClr val="000000"/>
+              </a:buClr>
+              <a:buFont typeface="Arial"/>
+              <a:defRPr sz="1400" b="0" i="0" u="none" strike="noStrike" cap="none">
+                <a:solidFill>
+                  <a:srgbClr val="000000"/>
+                </a:solidFill>
+                <a:latin typeface="Arial"/>
+                <a:ea typeface="Arial"/>
+                <a:cs typeface="Arial"/>
+                <a:sym typeface="Arial"/>
+              </a:defRPr>
+            </a:lvl5pPr>
+            <a:lvl6pPr marR="0" lvl="5" algn="l" rtl="0">
+              <a:lnSpc>
+                <a:spcPct val="100000"/>
+              </a:lnSpc>
+              <a:spcBef>
+                <a:spcPts val="0"/>
+              </a:spcBef>
+              <a:spcAft>
+                <a:spcPts val="0"/>
+              </a:spcAft>
+              <a:buClr>
+                <a:srgbClr val="000000"/>
+              </a:buClr>
+              <a:buFont typeface="Arial"/>
+              <a:defRPr sz="1400" b="0" i="0" u="none" strike="noStrike" cap="none">
+                <a:solidFill>
+                  <a:srgbClr val="000000"/>
+                </a:solidFill>
+                <a:latin typeface="Arial"/>
+                <a:ea typeface="Arial"/>
+                <a:cs typeface="Arial"/>
+                <a:sym typeface="Arial"/>
+              </a:defRPr>
+            </a:lvl6pPr>
+            <a:lvl7pPr marR="0" lvl="6" algn="l" rtl="0">
+              <a:lnSpc>
+                <a:spcPct val="100000"/>
+              </a:lnSpc>
+              <a:spcBef>
+                <a:spcPts val="0"/>
+              </a:spcBef>
+              <a:spcAft>
+                <a:spcPts val="0"/>
+              </a:spcAft>
+              <a:buClr>
+                <a:srgbClr val="000000"/>
+              </a:buClr>
+              <a:buFont typeface="Arial"/>
+              <a:defRPr sz="1400" b="0" i="0" u="none" strike="noStrike" cap="none">
+                <a:solidFill>
+                  <a:srgbClr val="000000"/>
+                </a:solidFill>
+                <a:latin typeface="Arial"/>
+                <a:ea typeface="Arial"/>
+                <a:cs typeface="Arial"/>
+                <a:sym typeface="Arial"/>
+              </a:defRPr>
+            </a:lvl7pPr>
+            <a:lvl8pPr marR="0" lvl="7" algn="l" rtl="0">
+              <a:lnSpc>
+                <a:spcPct val="100000"/>
+              </a:lnSpc>
+              <a:spcBef>
+                <a:spcPts val="0"/>
+              </a:spcBef>
+              <a:spcAft>
+                <a:spcPts val="0"/>
+              </a:spcAft>
+              <a:buClr>
+                <a:srgbClr val="000000"/>
+              </a:buClr>
+              <a:buFont typeface="Arial"/>
+              <a:defRPr sz="1400" b="0" i="0" u="none" strike="noStrike" cap="none">
+                <a:solidFill>
+                  <a:srgbClr val="000000"/>
+                </a:solidFill>
+                <a:latin typeface="Arial"/>
+                <a:ea typeface="Arial"/>
+                <a:cs typeface="Arial"/>
+                <a:sym typeface="Arial"/>
+              </a:defRPr>
+            </a:lvl8pPr>
+            <a:lvl9pPr marR="0" lvl="8" algn="l" rtl="0">
+              <a:lnSpc>
+                <a:spcPct val="100000"/>
+              </a:lnSpc>
+              <a:spcBef>
+                <a:spcPts val="0"/>
+              </a:spcBef>
+              <a:spcAft>
+                <a:spcPts val="0"/>
+              </a:spcAft>
+              <a:buClr>
+                <a:srgbClr val="000000"/>
+              </a:buClr>
+              <a:buFont typeface="Arial"/>
+              <a:defRPr sz="1400" b="0" i="0" u="none" strike="noStrike" cap="none">
+                <a:solidFill>
+                  <a:srgbClr val="000000"/>
+                </a:solidFill>
+                <a:latin typeface="Arial"/>
+                <a:ea typeface="Arial"/>
+                <a:cs typeface="Arial"/>
+                <a:sym typeface="Arial"/>
+              </a:defRPr>
+            </a:lvl9pPr>
+          </a:lstStyle>
+          <a:p>
+            <a:pPr algn="ctr"/>
+            <a:r>
+              <a:rPr lang="ru-RU" sz="1800" dirty="0">
+                <a:solidFill>
+                  <a:schemeClr val="bg1"/>
+                </a:solidFill>
+                <a:latin typeface="Roboto" panose="02000000000000000000" pitchFamily="2" charset="0"/>
+                <a:ea typeface="Roboto" panose="02000000000000000000" pitchFamily="2" charset="0"/>
+              </a:rPr>
+              <a:t>Астахов Ростислав</a:t>
             </a:r>
           </a:p>
         </p:txBody>
@@ -5771,14 +6814,7 @@
   <p:clrMapOvr>
     <a:masterClrMapping/>
   </p:clrMapOvr>
-  <mc:AlternateContent xmlns:mc="http://schemas.openxmlformats.org/markup-compatibility/2006" xmlns:p14="http://schemas.microsoft.com/office/powerpoint/2010/main">
-    <mc:Choice Requires="p14">
-      <p:transition p14:dur="0"/>
-    </mc:Choice>
-    <mc:Fallback xmlns="">
-      <p:transition/>
-    </mc:Fallback>
-  </mc:AlternateContent>
+  <p:transition spd="med"/>
 </p:sld>
 </file>
 
@@ -5804,7 +6840,7 @@
           <p:cNvPr id="4" name="Рисунок 3">
             <a:extLst>
               <a:ext uri="{FF2B5EF4-FFF2-40B4-BE49-F238E27FC236}">
-                <a16:creationId xmlns:a16="http://schemas.microsoft.com/office/drawing/2014/main" id="{272E5C5C-53FC-4F44-9FF3-344CC622165C}"/>
+                <a16:creationId xmlns:a16="http://schemas.microsoft.com/office/drawing/2014/main" id="{183E9B42-1220-43F4-9054-20DAE822BE6B}"/>
               </a:ext>
             </a:extLst>
           </p:cNvPr>
@@ -5827,7 +6863,7 @@
         </p:blipFill>
         <p:spPr>
           <a:xfrm>
-            <a:off x="0" y="1"/>
+            <a:off x="0" y="-1"/>
             <a:ext cx="12192000" cy="6857999"/>
           </a:xfrm>
           <a:prstGeom prst="rect">
@@ -5837,10 +6873,10 @@
       </p:pic>
       <p:sp>
         <p:nvSpPr>
-          <p:cNvPr id="5" name="Прямоугольник: скругленные углы 4">
-            <a:extLst>
-              <a:ext uri="{FF2B5EF4-FFF2-40B4-BE49-F238E27FC236}">
-                <a16:creationId xmlns:a16="http://schemas.microsoft.com/office/drawing/2014/main" id="{1F8A86F5-66F0-0B68-F55C-A1F05BE9A505}"/>
+          <p:cNvPr id="14" name="Прямоугольник 13">
+            <a:extLst>
+              <a:ext uri="{FF2B5EF4-FFF2-40B4-BE49-F238E27FC236}">
+                <a16:creationId xmlns:a16="http://schemas.microsoft.com/office/drawing/2014/main" id="{0ABAEE86-9BCF-CF1C-A848-3469C92FBCCD}"/>
               </a:ext>
             </a:extLst>
           </p:cNvPr>
@@ -5849,29 +6885,22 @@
         </p:nvSpPr>
         <p:spPr>
           <a:xfrm>
-            <a:off x="3668226" y="3147862"/>
-            <a:ext cx="8128137" cy="2179320"/>
-          </a:xfrm>
-          <a:prstGeom prst="roundRect">
+            <a:off x="0" y="902368"/>
+            <a:ext cx="12073690" cy="5059279"/>
+          </a:xfrm>
+          <a:prstGeom prst="rect">
             <a:avLst/>
           </a:prstGeom>
           <a:solidFill>
-            <a:srgbClr val="1485FC"/>
+            <a:srgbClr val="FFFFFF"/>
           </a:solidFill>
           <a:ln w="25400" cap="flat">
-            <a:noFill/>
+            <a:solidFill>
+              <a:schemeClr val="bg1"/>
+            </a:solidFill>
             <a:prstDash val="solid"/>
             <a:round/>
           </a:ln>
-          <a:effectLst>
-            <a:outerShdw blurRad="50800" dist="50800" dir="5400000" algn="ctr" rotWithShape="0">
-              <a:srgbClr val="000000">
-                <a:alpha val="0"/>
-              </a:srgbClr>
-            </a:outerShdw>
-            <a:reflection stA="0" endPos="65000" dist="50800" dir="5400000" sy="-100000" algn="bl" rotWithShape="0"/>
-            <a:softEdge rad="0"/>
-          </a:effectLst>
         </p:spPr>
         <p:style>
           <a:lnRef idx="0">
@@ -5891,53 +6920,68 @@
           </a:bodyPr>
           <a:lstStyle/>
           <a:p>
-            <a:pPr algn="ctr"/>
-            <a:r>
-              <a:rPr lang="ru-RU" sz="3200" b="0" i="0" u="none" strike="noStrike" dirty="0">
-                <a:solidFill>
-                  <a:schemeClr val="bg1"/>
-                </a:solidFill>
-                <a:effectLst/>
-                <a:latin typeface="CoFo Sans (Основной текст)"/>
-              </a:rPr>
-              <a:t>На основе больших данных о предыдущем опыте взаимодействия с клиентам поиска клиентов, наиболее склонных к приобретению машиноместа.</a:t>
-            </a:r>
-            <a:endParaRPr lang="ru-RU" sz="3200" dirty="0">
+            <a:pPr marL="0" marR="0" indent="0" algn="l" defTabSz="825500" rtl="0" fontAlgn="auto" latinLnBrk="0" hangingPunct="0">
+              <a:lnSpc>
+                <a:spcPct val="100000"/>
+              </a:lnSpc>
+              <a:spcBef>
+                <a:spcPts val="0"/>
+              </a:spcBef>
+              <a:spcAft>
+                <a:spcPts val="0"/>
+              </a:spcAft>
+              <a:buClrTx/>
+              <a:buSzTx/>
+              <a:buFontTx/>
+              <a:buNone/>
+            </a:pPr>
+            <a:endParaRPr kumimoji="0" lang="ru-RU" sz="2400" b="0" i="0" u="none" strike="noStrike" cap="none" spc="0" normalizeH="0" baseline="0" dirty="0">
+              <a:ln>
+                <a:noFill/>
+              </a:ln>
               <a:solidFill>
-                <a:schemeClr val="bg1"/>
+                <a:srgbClr val="7F7F7F"/>
               </a:solidFill>
-              <a:latin typeface="CoFo Sans (Основной текст)"/>
-              <a:cs typeface="Times New Roman" panose="02020603050405020304" charset="0"/>
+              <a:effectLst/>
+              <a:uFillTx/>
+              <a:latin typeface="+mn-lt"/>
+              <a:ea typeface="+mn-ea"/>
+              <a:cs typeface="+mn-cs"/>
+              <a:sym typeface="CoFo Sans" panose="020B0503030202060203"/>
             </a:endParaRPr>
           </a:p>
         </p:txBody>
       </p:sp>
       <p:sp>
         <p:nvSpPr>
-          <p:cNvPr id="20" name="TextBox 19">
-            <a:extLst>
-              <a:ext uri="{FF2B5EF4-FFF2-40B4-BE49-F238E27FC236}">
-                <a16:creationId xmlns:a16="http://schemas.microsoft.com/office/drawing/2014/main" id="{65810F76-77B9-2EB3-4287-E4EEB9FF3760}"/>
-              </a:ext>
-            </a:extLst>
-          </p:cNvPr>
-          <p:cNvSpPr txBox="1"/>
+          <p:cNvPr id="2" name="Прямоугольник: скругленные углы 1">
+            <a:extLst>
+              <a:ext uri="{FF2B5EF4-FFF2-40B4-BE49-F238E27FC236}">
+                <a16:creationId xmlns:a16="http://schemas.microsoft.com/office/drawing/2014/main" id="{7B99859E-5300-F3CD-303A-7DAE6BADDB6D}"/>
+              </a:ext>
+            </a:extLst>
+          </p:cNvPr>
+          <p:cNvSpPr/>
           <p:nvPr/>
         </p:nvSpPr>
         <p:spPr>
           <a:xfrm>
-            <a:off x="1817443" y="1738171"/>
-            <a:ext cx="6097002" cy="646331"/>
-          </a:xfrm>
-          <a:prstGeom prst="rect">
+            <a:off x="4681544" y="3360131"/>
+            <a:ext cx="6625820" cy="2383631"/>
+          </a:xfrm>
+          <a:prstGeom prst="roundRect">
             <a:avLst/>
           </a:prstGeom>
-          <a:noFill/>
-          <a:ln w="12700" cap="flat">
-            <a:noFill/>
-            <a:miter lim="400000"/>
+          <a:solidFill>
+            <a:srgbClr val="FFFFFF"/>
+          </a:solidFill>
+          <a:ln w="25400" cap="flat">
+            <a:solidFill>
+              <a:schemeClr val="accent1"/>
+            </a:solidFill>
+            <a:prstDash val="solid"/>
+            <a:round/>
           </a:ln>
-          <a:effectLst/>
         </p:spPr>
         <p:style>
           <a:lnRef idx="0">
@@ -5952,57 +6996,117 @@
           <a:fontRef idx="none"/>
         </p:style>
         <p:txBody>
-          <a:bodyPr wrap="square">
+          <a:bodyPr rot="0" spcFirstLastPara="1" vertOverflow="overflow" horzOverflow="overflow" vert="horz" wrap="square" lIns="0" tIns="0" rIns="0" bIns="0" numCol="1" spcCol="38100" rtlCol="0" anchor="ctr">
             <a:spAutoFit/>
           </a:bodyPr>
           <a:lstStyle/>
           <a:p>
-            <a:r>
-              <a:rPr lang="ru-RU" altLang="en-US" sz="3600" dirty="0">
+            <a:pPr marL="514350" indent="-514350" algn="just">
+              <a:buFont typeface="+mj-lt"/>
+              <a:buAutoNum type="arabicPeriod"/>
+            </a:pPr>
+            <a:r>
+              <a:rPr lang="ru-RU" altLang="en-US" sz="2800" b="1" dirty="0">
                 <a:solidFill>
                   <a:srgbClr val="1485FC"/>
                 </a:solidFill>
-                <a:latin typeface="CoFo Sans (Основной текст)"/>
                 <a:cs typeface="Times New Roman" panose="02020603050405020304" charset="0"/>
               </a:rPr>
-              <a:t>Цель работы:</a:t>
-            </a:r>
-            <a:endParaRPr lang="ru-RU" sz="3600" dirty="0">
+              <a:t>Шаги выполнения кейса</a:t>
+            </a:r>
+            <a:endParaRPr lang="en-US" altLang="en-US" sz="2800" b="1" dirty="0">
               <a:solidFill>
                 <a:srgbClr val="1485FC"/>
               </a:solidFill>
-              <a:latin typeface="CoFo Sans (Основной текст)"/>
               <a:cs typeface="Times New Roman" panose="02020603050405020304" charset="0"/>
             </a:endParaRPr>
           </a:p>
-        </p:txBody>
-      </p:sp>
-      <p:sp>
-        <p:nvSpPr>
-          <p:cNvPr id="2" name="TextBox 1">
-            <a:extLst>
-              <a:ext uri="{FF2B5EF4-FFF2-40B4-BE49-F238E27FC236}">
-                <a16:creationId xmlns:a16="http://schemas.microsoft.com/office/drawing/2014/main" id="{F11E085D-58B9-E950-AB8F-1B04389A2AAB}"/>
-              </a:ext>
-            </a:extLst>
-          </p:cNvPr>
-          <p:cNvSpPr txBox="1"/>
+          <a:p>
+            <a:pPr marL="514350" indent="-514350" algn="just">
+              <a:buFont typeface="+mj-lt"/>
+              <a:buAutoNum type="arabicPeriod"/>
+            </a:pPr>
+            <a:endParaRPr lang="ru-RU" altLang="en-US" sz="2800" b="1" dirty="0">
+              <a:solidFill>
+                <a:srgbClr val="1485FC"/>
+              </a:solidFill>
+              <a:cs typeface="Times New Roman" panose="02020603050405020304" charset="0"/>
+            </a:endParaRPr>
+          </a:p>
+          <a:p>
+            <a:pPr marL="514350" indent="-514350" algn="just">
+              <a:buFont typeface="+mj-lt"/>
+              <a:buAutoNum type="arabicPeriod"/>
+            </a:pPr>
+            <a:r>
+              <a:rPr lang="ru-RU" altLang="en-US" sz="2800" b="1" dirty="0">
+                <a:solidFill>
+                  <a:srgbClr val="1485FC"/>
+                </a:solidFill>
+                <a:cs typeface="Times New Roman" panose="02020603050405020304" charset="0"/>
+              </a:rPr>
+              <a:t>Процесс выполнения шагов кейса</a:t>
+            </a:r>
+            <a:endParaRPr lang="en-US" altLang="en-US" sz="2800" b="1" dirty="0">
+              <a:solidFill>
+                <a:srgbClr val="1485FC"/>
+              </a:solidFill>
+              <a:cs typeface="Times New Roman" panose="02020603050405020304" charset="0"/>
+            </a:endParaRPr>
+          </a:p>
+          <a:p>
+            <a:pPr marL="514350" indent="-514350" algn="just">
+              <a:buFont typeface="+mj-lt"/>
+              <a:buAutoNum type="arabicPeriod"/>
+            </a:pPr>
+            <a:endParaRPr lang="ru-RU" altLang="en-US" sz="2800" b="1" dirty="0">
+              <a:solidFill>
+                <a:srgbClr val="1485FC"/>
+              </a:solidFill>
+              <a:cs typeface="Times New Roman" panose="02020603050405020304" charset="0"/>
+            </a:endParaRPr>
+          </a:p>
+          <a:p>
+            <a:pPr marL="514350" indent="-514350" algn="just">
+              <a:buFont typeface="+mj-lt"/>
+              <a:buAutoNum type="arabicPeriod"/>
+            </a:pPr>
+            <a:r>
+              <a:rPr lang="ru-RU" altLang="en-US" sz="2800" b="1" dirty="0">
+                <a:solidFill>
+                  <a:srgbClr val="1485FC"/>
+                </a:solidFill>
+                <a:cs typeface="Times New Roman" panose="02020603050405020304" charset="0"/>
+              </a:rPr>
+              <a:t>Результат</a:t>
+            </a:r>
+          </a:p>
+        </p:txBody>
+      </p:sp>
+      <p:sp>
+        <p:nvSpPr>
+          <p:cNvPr id="10" name="Блок-схема: завершение 9"/>
+          <p:cNvSpPr/>
           <p:nvPr/>
         </p:nvSpPr>
         <p:spPr>
           <a:xfrm>
-            <a:off x="537283" y="568642"/>
-            <a:ext cx="6097002" cy="769441"/>
-          </a:xfrm>
-          <a:prstGeom prst="rect">
+            <a:off x="480060" y="281086"/>
+            <a:ext cx="4201484" cy="952143"/>
+          </a:xfrm>
+          <a:prstGeom prst="flowChartTerminator">
             <a:avLst/>
           </a:prstGeom>
-          <a:noFill/>
-          <a:ln w="12700" cap="flat">
-            <a:noFill/>
-            <a:miter lim="400000"/>
+          <a:solidFill>
+            <a:srgbClr val="1485FC"/>
+          </a:solidFill>
+          <a:ln w="25400" cap="flat">
+            <a:solidFill>
+              <a:srgbClr val="1485FC"/>
+            </a:solidFill>
+            <a:prstDash val="solid"/>
+            <a:round/>
           </a:ln>
-          <a:effectLst/>
         </p:spPr>
         <p:style>
           <a:lnRef idx="0">
@@ -6017,28 +7121,41 @@
           <a:fontRef idx="none"/>
         </p:style>
         <p:txBody>
-          <a:bodyPr wrap="square">
+          <a:bodyPr rot="0" vertOverflow="overflow" horzOverflow="overflow" vert="horz" wrap="square" lIns="0" tIns="0" rIns="0" bIns="0" numCol="1" spcCol="38100" rtlCol="0" anchor="ctr" forceAA="0">
             <a:spAutoFit/>
           </a:bodyPr>
           <a:lstStyle/>
           <a:p>
-            <a:r>
-              <a:rPr lang="ru-RU" altLang="en-US" sz="4400" dirty="0">
-                <a:solidFill>
-                  <a:srgbClr val="1485FC"/>
-                </a:solidFill>
+            <a:pPr marL="0" marR="0" indent="0" algn="ctr" defTabSz="825500" rtl="0" fontAlgn="auto" latinLnBrk="0" hangingPunct="0">
+              <a:lnSpc>
+                <a:spcPct val="100000"/>
+              </a:lnSpc>
+              <a:spcBef>
+                <a:spcPts val="0"/>
+              </a:spcBef>
+              <a:spcAft>
+                <a:spcPts val="0"/>
+              </a:spcAft>
+              <a:buClrTx/>
+              <a:buSzTx/>
+              <a:buFontTx/>
+              <a:buNone/>
+            </a:pPr>
+            <a:r>
+              <a:rPr kumimoji="0" lang="ru-RU" altLang="en-US" sz="4400" b="0" i="0" u="none" strike="noStrike" cap="none" spc="0" normalizeH="0" baseline="0" dirty="0">
+                <a:ln>
+                  <a:noFill/>
+                </a:ln>
+                <a:solidFill>
+                  <a:schemeClr val="bg1"/>
+                </a:solidFill>
+                <a:effectLst/>
+                <a:uFillTx/>
                 <a:latin typeface="CoFo Sans (Основной текст)"/>
-                <a:cs typeface="Times New Roman" panose="02020603050405020304" charset="0"/>
+                <a:sym typeface="CoFo Sans" panose="020B0503030202060203"/>
               </a:rPr>
-              <a:t>Постановка задачи</a:t>
-            </a:r>
-            <a:endParaRPr lang="ru-RU" sz="4400" dirty="0">
-              <a:solidFill>
-                <a:srgbClr val="1485FC"/>
-              </a:solidFill>
-              <a:latin typeface="CoFo Sans (Основной текст)"/>
-              <a:cs typeface="Times New Roman" panose="02020603050405020304" charset="0"/>
-            </a:endParaRPr>
+              <a:t>Содержание</a:t>
+            </a:r>
           </a:p>
         </p:txBody>
       </p:sp>
@@ -6047,9 +7164,14 @@
   <p:clrMapOvr>
     <a:masterClrMapping/>
   </p:clrMapOvr>
-  <p:transition spd="slow">
-    <p:push dir="u"/>
-  </p:transition>
+  <mc:AlternateContent xmlns:mc="http://schemas.openxmlformats.org/markup-compatibility/2006" xmlns:p14="http://schemas.microsoft.com/office/powerpoint/2010/main">
+    <mc:Choice Requires="p14">
+      <p:transition p14:dur="0"/>
+    </mc:Choice>
+    <mc:Fallback xmlns="">
+      <p:transition/>
+    </mc:Fallback>
+  </mc:AlternateContent>
 </p:sld>
 </file>
 
@@ -6075,7 +7197,7 @@
           <p:cNvPr id="4" name="Рисунок 3">
             <a:extLst>
               <a:ext uri="{FF2B5EF4-FFF2-40B4-BE49-F238E27FC236}">
-                <a16:creationId xmlns:a16="http://schemas.microsoft.com/office/drawing/2014/main" id="{41801B26-7CA5-4B08-A9BB-F68F6A1906D2}"/>
+                <a16:creationId xmlns:a16="http://schemas.microsoft.com/office/drawing/2014/main" id="{272E5C5C-53FC-4F44-9FF3-344CC622165C}"/>
               </a:ext>
             </a:extLst>
           </p:cNvPr>
@@ -6098,8 +7220,8 @@
         </p:blipFill>
         <p:spPr>
           <a:xfrm>
-            <a:off x="-1" y="0"/>
-            <a:ext cx="12192001" cy="6858000"/>
+            <a:off x="0" y="1"/>
+            <a:ext cx="12192000" cy="6857999"/>
           </a:xfrm>
           <a:prstGeom prst="rect">
             <a:avLst/>
@@ -6108,310 +7230,219 @@
       </p:pic>
       <p:sp>
         <p:nvSpPr>
-          <p:cNvPr id="2" name="Заголовок 1">
-            <a:extLst>
-              <a:ext uri="{FF2B5EF4-FFF2-40B4-BE49-F238E27FC236}">
-                <a16:creationId xmlns:a16="http://schemas.microsoft.com/office/drawing/2014/main" id="{68E8EE96-0A46-4056-900E-6A73ED06383E}"/>
-              </a:ext>
-            </a:extLst>
-          </p:cNvPr>
-          <p:cNvSpPr>
-            <a:spLocks noGrp="1"/>
-          </p:cNvSpPr>
-          <p:nvPr>
-            <p:ph type="title"/>
-          </p:nvPr>
-        </p:nvSpPr>
-        <p:spPr>
-          <a:xfrm>
-            <a:off x="356285" y="710832"/>
-            <a:ext cx="8133195" cy="1089092"/>
-          </a:xfrm>
-        </p:spPr>
-        <p:txBody>
-          <a:bodyPr>
-            <a:normAutofit/>
+          <p:cNvPr id="5" name="Прямоугольник: скругленные углы 4">
+            <a:extLst>
+              <a:ext uri="{FF2B5EF4-FFF2-40B4-BE49-F238E27FC236}">
+                <a16:creationId xmlns:a16="http://schemas.microsoft.com/office/drawing/2014/main" id="{1F8A86F5-66F0-0B68-F55C-A1F05BE9A505}"/>
+              </a:ext>
+            </a:extLst>
+          </p:cNvPr>
+          <p:cNvSpPr/>
+          <p:nvPr/>
+        </p:nvSpPr>
+        <p:spPr>
+          <a:xfrm>
+            <a:off x="3668226" y="3147862"/>
+            <a:ext cx="8128137" cy="2179320"/>
+          </a:xfrm>
+          <a:prstGeom prst="roundRect">
+            <a:avLst/>
+          </a:prstGeom>
+          <a:solidFill>
+            <a:srgbClr val="1485FC"/>
+          </a:solidFill>
+          <a:ln w="25400" cap="flat">
+            <a:noFill/>
+            <a:prstDash val="solid"/>
+            <a:round/>
+          </a:ln>
+          <a:effectLst>
+            <a:outerShdw blurRad="50800" dist="50800" dir="5400000" algn="ctr" rotWithShape="0">
+              <a:srgbClr val="000000">
+                <a:alpha val="0"/>
+              </a:srgbClr>
+            </a:outerShdw>
+            <a:reflection stA="0" endPos="65000" dist="50800" dir="5400000" sy="-100000" algn="bl" rotWithShape="0"/>
+            <a:softEdge rad="0"/>
+          </a:effectLst>
+        </p:spPr>
+        <p:style>
+          <a:lnRef idx="0">
+            <a:scrgbClr r="0" g="0" b="0"/>
+          </a:lnRef>
+          <a:fillRef idx="0">
+            <a:scrgbClr r="0" g="0" b="0"/>
+          </a:fillRef>
+          <a:effectRef idx="0">
+            <a:scrgbClr r="0" g="0" b="0"/>
+          </a:effectRef>
+          <a:fontRef idx="none"/>
+        </p:style>
+        <p:txBody>
+          <a:bodyPr rot="0" spcFirstLastPara="1" vertOverflow="overflow" horzOverflow="overflow" vert="horz" wrap="square" lIns="0" tIns="0" rIns="0" bIns="0" numCol="1" spcCol="38100" rtlCol="0" anchor="ctr">
+            <a:spAutoFit/>
           </a:bodyPr>
           <a:lstStyle/>
           <a:p>
-            <a:r>
-              <a:rPr lang="ru-RU" sz="4000" dirty="0">
-                <a:solidFill>
-                  <a:srgbClr val="1485FC"/>
-                </a:solidFill>
+            <a:pPr algn="ctr"/>
+            <a:r>
+              <a:rPr lang="ru-RU" sz="3200" b="0" i="0" u="none" strike="noStrike" dirty="0">
+                <a:solidFill>
+                  <a:schemeClr val="bg1"/>
+                </a:solidFill>
+                <a:effectLst/>
                 <a:latin typeface="CoFo Sans (Основной текст)"/>
               </a:rPr>
-              <a:t>Использующиеся библиотеки</a:t>
-            </a:r>
-          </a:p>
-        </p:txBody>
-      </p:sp>
-      <p:pic>
-        <p:nvPicPr>
-          <p:cNvPr id="12" name="Рисунок 11">
-            <a:extLst>
-              <a:ext uri="{FF2B5EF4-FFF2-40B4-BE49-F238E27FC236}">
-                <a16:creationId xmlns:a16="http://schemas.microsoft.com/office/drawing/2014/main" id="{45E7DD20-9B36-44FF-B911-18217691AF90}"/>
-              </a:ext>
-            </a:extLst>
-          </p:cNvPr>
-          <p:cNvPicPr>
-            <a:picLocks noChangeAspect="1"/>
-          </p:cNvPicPr>
+              <a:t>На основе больших данных о предыдущем опыте взаимодействия с клиентам поиска клиентов, наиболее склонных к приобретению машиноместа.</a:t>
+            </a:r>
+            <a:endParaRPr lang="ru-RU" sz="3200" dirty="0">
+              <a:solidFill>
+                <a:schemeClr val="bg1"/>
+              </a:solidFill>
+              <a:latin typeface="CoFo Sans (Основной текст)"/>
+              <a:cs typeface="Times New Roman" panose="02020603050405020304" charset="0"/>
+            </a:endParaRPr>
+          </a:p>
+        </p:txBody>
+      </p:sp>
+      <p:sp>
+        <p:nvSpPr>
+          <p:cNvPr id="20" name="TextBox 19">
+            <a:extLst>
+              <a:ext uri="{FF2B5EF4-FFF2-40B4-BE49-F238E27FC236}">
+                <a16:creationId xmlns:a16="http://schemas.microsoft.com/office/drawing/2014/main" id="{65810F76-77B9-2EB3-4287-E4EEB9FF3760}"/>
+              </a:ext>
+            </a:extLst>
+          </p:cNvPr>
+          <p:cNvSpPr txBox="1"/>
           <p:nvPr/>
-        </p:nvPicPr>
-        <p:blipFill>
-          <a:blip r:embed="rId3"/>
-          <a:stretch>
-            <a:fillRect/>
-          </a:stretch>
-        </p:blipFill>
-        <p:spPr>
-          <a:xfrm>
-            <a:off x="554964" y="1970181"/>
-            <a:ext cx="2688459" cy="1089092"/>
-          </a:xfrm>
-          <a:prstGeom prst="rect">
-            <a:avLst/>
-          </a:prstGeom>
-        </p:spPr>
-      </p:pic>
-      <p:pic>
-        <p:nvPicPr>
-          <p:cNvPr id="14" name="Рисунок 13">
-            <a:extLst>
-              <a:ext uri="{FF2B5EF4-FFF2-40B4-BE49-F238E27FC236}">
-                <a16:creationId xmlns:a16="http://schemas.microsoft.com/office/drawing/2014/main" id="{A6C672EA-DFAF-4332-B2F7-76FD0BB622D4}"/>
-              </a:ext>
-            </a:extLst>
-          </p:cNvPr>
-          <p:cNvPicPr>
-            <a:picLocks noChangeAspect="1"/>
-          </p:cNvPicPr>
-          <p:nvPr/>
-        </p:nvPicPr>
-        <p:blipFill>
-          <a:blip r:embed="rId4"/>
-          <a:stretch>
-            <a:fillRect/>
-          </a:stretch>
-        </p:blipFill>
-        <p:spPr>
-          <a:xfrm>
-            <a:off x="734673" y="3644865"/>
-            <a:ext cx="2552921" cy="1143099"/>
-          </a:xfrm>
-          <a:prstGeom prst="rect">
-            <a:avLst/>
-          </a:prstGeom>
-        </p:spPr>
-      </p:pic>
-      <p:pic>
-        <p:nvPicPr>
-          <p:cNvPr id="16" name="Рисунок 15">
-            <a:extLst>
-              <a:ext uri="{FF2B5EF4-FFF2-40B4-BE49-F238E27FC236}">
-                <a16:creationId xmlns:a16="http://schemas.microsoft.com/office/drawing/2014/main" id="{81A822F6-9637-4315-B2D2-E87C27BD525B}"/>
-              </a:ext>
-            </a:extLst>
-          </p:cNvPr>
-          <p:cNvPicPr>
-            <a:picLocks noChangeAspect="1"/>
-          </p:cNvPicPr>
-          <p:nvPr/>
-        </p:nvPicPr>
-        <p:blipFill>
-          <a:blip r:embed="rId5">
-            <a:extLst>
-              <a:ext uri="{28A0092B-C50C-407E-A947-70E740481C1C}">
-                <a14:useLocalDpi xmlns:a14="http://schemas.microsoft.com/office/drawing/2010/main" val="0"/>
-              </a:ext>
-            </a:extLst>
-          </a:blip>
-          <a:srcRect/>
-          <a:stretch/>
-        </p:blipFill>
-        <p:spPr>
-          <a:xfrm>
-            <a:off x="2782268" y="5013215"/>
-            <a:ext cx="2099912" cy="1133953"/>
-          </a:xfrm>
-          <a:prstGeom prst="rect">
-            <a:avLst/>
-          </a:prstGeom>
-        </p:spPr>
-      </p:pic>
-      <p:pic>
-        <p:nvPicPr>
-          <p:cNvPr id="18" name="Рисунок 17">
-            <a:extLst>
-              <a:ext uri="{FF2B5EF4-FFF2-40B4-BE49-F238E27FC236}">
-                <a16:creationId xmlns:a16="http://schemas.microsoft.com/office/drawing/2014/main" id="{1EB10DC3-B782-431C-A7FE-B7733C394ADC}"/>
-              </a:ext>
-            </a:extLst>
-          </p:cNvPr>
-          <p:cNvPicPr>
-            <a:picLocks noChangeAspect="1"/>
-          </p:cNvPicPr>
-          <p:nvPr/>
-        </p:nvPicPr>
-        <p:blipFill>
-          <a:blip r:embed="rId6"/>
-          <a:stretch>
-            <a:fillRect/>
-          </a:stretch>
-        </p:blipFill>
-        <p:spPr>
-          <a:xfrm>
-            <a:off x="6626565" y="5396783"/>
-            <a:ext cx="2423370" cy="1211685"/>
-          </a:xfrm>
-          <a:prstGeom prst="rect">
-            <a:avLst/>
-          </a:prstGeom>
-        </p:spPr>
-      </p:pic>
-      <p:pic>
-        <p:nvPicPr>
-          <p:cNvPr id="20" name="Рисунок 19">
-            <a:extLst>
-              <a:ext uri="{FF2B5EF4-FFF2-40B4-BE49-F238E27FC236}">
-                <a16:creationId xmlns:a16="http://schemas.microsoft.com/office/drawing/2014/main" id="{73E9D9B9-8503-409D-B7FA-AE4740E8F2E8}"/>
-              </a:ext>
-            </a:extLst>
-          </p:cNvPr>
-          <p:cNvPicPr>
-            <a:picLocks noChangeAspect="1"/>
-          </p:cNvPicPr>
-          <p:nvPr/>
-        </p:nvPicPr>
-        <p:blipFill>
-          <a:blip r:embed="rId7">
-            <a:extLst>
-              <a:ext uri="{28A0092B-C50C-407E-A947-70E740481C1C}">
-                <a14:useLocalDpi xmlns:a14="http://schemas.microsoft.com/office/drawing/2010/main" val="0"/>
-              </a:ext>
-            </a:extLst>
-          </a:blip>
-          <a:stretch>
-            <a:fillRect/>
-          </a:stretch>
-        </p:blipFill>
-        <p:spPr>
-          <a:xfrm>
-            <a:off x="5554909" y="3940421"/>
-            <a:ext cx="2438405" cy="929642"/>
-          </a:xfrm>
-          <a:prstGeom prst="rect">
-            <a:avLst/>
-          </a:prstGeom>
-        </p:spPr>
-      </p:pic>
-      <p:pic>
-        <p:nvPicPr>
-          <p:cNvPr id="1026" name="Picture 2" descr="Matplotlib Logo &amp; Brand Assets (SVG, PNG and vector) - Brandfetch">
-            <a:extLst>
-              <a:ext uri="{FF2B5EF4-FFF2-40B4-BE49-F238E27FC236}">
-                <a16:creationId xmlns:a16="http://schemas.microsoft.com/office/drawing/2014/main" id="{DD816C83-71E5-4DD2-9490-E516FC25D6DD}"/>
-              </a:ext>
-            </a:extLst>
-          </p:cNvPr>
-          <p:cNvPicPr>
-            <a:picLocks noChangeAspect="1" noChangeArrowheads="1"/>
-          </p:cNvPicPr>
-          <p:nvPr/>
-        </p:nvPicPr>
-        <p:blipFill>
-          <a:blip r:embed="rId8">
-            <a:extLst>
-              <a:ext uri="{28A0092B-C50C-407E-A947-70E740481C1C}">
-                <a14:useLocalDpi xmlns:a14="http://schemas.microsoft.com/office/drawing/2010/main" val="0"/>
-              </a:ext>
-            </a:extLst>
-          </a:blip>
-          <a:srcRect/>
-          <a:stretch>
-            <a:fillRect/>
-          </a:stretch>
-        </p:blipFill>
-        <p:spPr bwMode="auto">
-          <a:xfrm>
-            <a:off x="3392269" y="2512544"/>
-            <a:ext cx="2979822" cy="993274"/>
+        </p:nvSpPr>
+        <p:spPr>
+          <a:xfrm>
+            <a:off x="1817443" y="1738171"/>
+            <a:ext cx="6097002" cy="646331"/>
           </a:xfrm>
           <a:prstGeom prst="rect">
             <a:avLst/>
           </a:prstGeom>
           <a:noFill/>
-          <a:extLst>
-            <a:ext uri="{909E8E84-426E-40DD-AFC4-6F175D3DCCD1}">
-              <a14:hiddenFill xmlns:a14="http://schemas.microsoft.com/office/drawing/2010/main">
-                <a:solidFill>
-                  <a:srgbClr val="FFFFFF"/>
-                </a:solidFill>
-              </a14:hiddenFill>
-            </a:ext>
-          </a:extLst>
-        </p:spPr>
-      </p:pic>
-      <p:pic>
-        <p:nvPicPr>
-          <p:cNvPr id="1028" name="Picture 4" descr="About Gators — gators documentation">
-            <a:extLst>
-              <a:ext uri="{FF2B5EF4-FFF2-40B4-BE49-F238E27FC236}">
-                <a16:creationId xmlns:a16="http://schemas.microsoft.com/office/drawing/2014/main" id="{D7EBC160-E39F-480B-A1A5-01B678028B5E}"/>
-              </a:ext>
-            </a:extLst>
-          </p:cNvPr>
-          <p:cNvPicPr>
-            <a:picLocks noChangeAspect="1" noChangeArrowheads="1"/>
-          </p:cNvPicPr>
+          <a:ln w="12700" cap="flat">
+            <a:noFill/>
+            <a:miter lim="400000"/>
+          </a:ln>
+          <a:effectLst/>
+        </p:spPr>
+        <p:style>
+          <a:lnRef idx="0">
+            <a:scrgbClr r="0" g="0" b="0"/>
+          </a:lnRef>
+          <a:fillRef idx="0">
+            <a:scrgbClr r="0" g="0" b="0"/>
+          </a:fillRef>
+          <a:effectRef idx="0">
+            <a:scrgbClr r="0" g="0" b="0"/>
+          </a:effectRef>
+          <a:fontRef idx="none"/>
+        </p:style>
+        <p:txBody>
+          <a:bodyPr wrap="square">
+            <a:spAutoFit/>
+          </a:bodyPr>
+          <a:lstStyle/>
+          <a:p>
+            <a:r>
+              <a:rPr lang="ru-RU" altLang="en-US" sz="3600" dirty="0">
+                <a:solidFill>
+                  <a:srgbClr val="1485FC"/>
+                </a:solidFill>
+                <a:latin typeface="CoFo Sans (Основной текст)"/>
+                <a:cs typeface="Times New Roman" panose="02020603050405020304" charset="0"/>
+              </a:rPr>
+              <a:t>Цель работы:</a:t>
+            </a:r>
+            <a:endParaRPr lang="ru-RU" sz="3600" dirty="0">
+              <a:solidFill>
+                <a:srgbClr val="1485FC"/>
+              </a:solidFill>
+              <a:latin typeface="CoFo Sans (Основной текст)"/>
+              <a:cs typeface="Times New Roman" panose="02020603050405020304" charset="0"/>
+            </a:endParaRPr>
+          </a:p>
+        </p:txBody>
+      </p:sp>
+      <p:sp>
+        <p:nvSpPr>
+          <p:cNvPr id="2" name="TextBox 1">
+            <a:extLst>
+              <a:ext uri="{FF2B5EF4-FFF2-40B4-BE49-F238E27FC236}">
+                <a16:creationId xmlns:a16="http://schemas.microsoft.com/office/drawing/2014/main" id="{F11E085D-58B9-E950-AB8F-1B04389A2AAB}"/>
+              </a:ext>
+            </a:extLst>
+          </p:cNvPr>
+          <p:cNvSpPr txBox="1"/>
           <p:nvPr/>
-        </p:nvPicPr>
-        <p:blipFill>
-          <a:blip r:embed="rId9">
-            <a:extLst>
-              <a:ext uri="{28A0092B-C50C-407E-A947-70E740481C1C}">
-                <a14:useLocalDpi xmlns:a14="http://schemas.microsoft.com/office/drawing/2010/main" val="0"/>
-              </a:ext>
-            </a:extLst>
-          </a:blip>
-          <a:srcRect/>
-          <a:stretch>
-            <a:fillRect/>
-          </a:stretch>
-        </p:blipFill>
-        <p:spPr bwMode="auto">
-          <a:xfrm>
-            <a:off x="7233446" y="1891919"/>
-            <a:ext cx="3024980" cy="685216"/>
+        </p:nvSpPr>
+        <p:spPr>
+          <a:xfrm>
+            <a:off x="537283" y="568642"/>
+            <a:ext cx="6097002" cy="769441"/>
           </a:xfrm>
           <a:prstGeom prst="rect">
             <a:avLst/>
           </a:prstGeom>
           <a:noFill/>
-          <a:extLst>
-            <a:ext uri="{909E8E84-426E-40DD-AFC4-6F175D3DCCD1}">
-              <a14:hiddenFill xmlns:a14="http://schemas.microsoft.com/office/drawing/2010/main">
-                <a:solidFill>
-                  <a:srgbClr val="FFFFFF"/>
-                </a:solidFill>
-              </a14:hiddenFill>
-            </a:ext>
-          </a:extLst>
-        </p:spPr>
-      </p:pic>
+          <a:ln w="12700" cap="flat">
+            <a:noFill/>
+            <a:miter lim="400000"/>
+          </a:ln>
+          <a:effectLst/>
+        </p:spPr>
+        <p:style>
+          <a:lnRef idx="0">
+            <a:scrgbClr r="0" g="0" b="0"/>
+          </a:lnRef>
+          <a:fillRef idx="0">
+            <a:scrgbClr r="0" g="0" b="0"/>
+          </a:fillRef>
+          <a:effectRef idx="0">
+            <a:scrgbClr r="0" g="0" b="0"/>
+          </a:effectRef>
+          <a:fontRef idx="none"/>
+        </p:style>
+        <p:txBody>
+          <a:bodyPr wrap="square">
+            <a:spAutoFit/>
+          </a:bodyPr>
+          <a:lstStyle/>
+          <a:p>
+            <a:r>
+              <a:rPr lang="ru-RU" altLang="en-US" sz="4400" dirty="0">
+                <a:solidFill>
+                  <a:srgbClr val="1485FC"/>
+                </a:solidFill>
+                <a:latin typeface="CoFo Sans (Основной текст)"/>
+                <a:cs typeface="Times New Roman" panose="02020603050405020304" charset="0"/>
+              </a:rPr>
+              <a:t>Постановка задачи</a:t>
+            </a:r>
+            <a:endParaRPr lang="ru-RU" sz="4400" dirty="0">
+              <a:solidFill>
+                <a:srgbClr val="1485FC"/>
+              </a:solidFill>
+              <a:latin typeface="CoFo Sans (Основной текст)"/>
+              <a:cs typeface="Times New Roman" panose="02020603050405020304" charset="0"/>
+            </a:endParaRPr>
+          </a:p>
+        </p:txBody>
+      </p:sp>
     </p:spTree>
-    <p:extLst>
-      <p:ext uri="{BB962C8B-B14F-4D97-AF65-F5344CB8AC3E}">
-        <p14:creationId xmlns:p14="http://schemas.microsoft.com/office/powerpoint/2010/main" val="790499391"/>
-      </p:ext>
-    </p:extLst>
   </p:cSld>
   <p:clrMapOvr>
     <a:masterClrMapping/>
   </p:clrMapOvr>
-  <p:transition spd="med"/>
+  <p:transition spd="slow">
+    <p:push dir="u"/>
+  </p:transition>
 </p:sld>
 </file>
 
@@ -6434,10 +7465,10 @@
       </p:grpSpPr>
       <p:pic>
         <p:nvPicPr>
-          <p:cNvPr id="6" name="Рисунок 5">
-            <a:extLst>
-              <a:ext uri="{FF2B5EF4-FFF2-40B4-BE49-F238E27FC236}">
-                <a16:creationId xmlns:a16="http://schemas.microsoft.com/office/drawing/2014/main" id="{FF1A8EE4-C052-48A6-8122-3FA93D40F84C}"/>
+          <p:cNvPr id="4" name="Рисунок 3">
+            <a:extLst>
+              <a:ext uri="{FF2B5EF4-FFF2-40B4-BE49-F238E27FC236}">
+                <a16:creationId xmlns:a16="http://schemas.microsoft.com/office/drawing/2014/main" id="{41801B26-7CA5-4B08-A9BB-F68F6A1906D2}"/>
               </a:ext>
             </a:extLst>
           </p:cNvPr>
@@ -6460,8 +7491,8 @@
         </p:blipFill>
         <p:spPr>
           <a:xfrm>
-            <a:off x="0" y="-1"/>
-            <a:ext cx="12192000" cy="6857999"/>
+            <a:off x="-1" y="0"/>
+            <a:ext cx="12192001" cy="6858000"/>
           </a:xfrm>
           <a:prstGeom prst="rect">
             <a:avLst/>
@@ -6470,10 +7501,10 @@
       </p:pic>
       <p:sp>
         <p:nvSpPr>
-          <p:cNvPr id="5" name="Заголовок 4">
-            <a:extLst>
-              <a:ext uri="{FF2B5EF4-FFF2-40B4-BE49-F238E27FC236}">
-                <a16:creationId xmlns:a16="http://schemas.microsoft.com/office/drawing/2014/main" id="{1F91EF41-9A47-4696-B6D6-AFE521FC3A7D}"/>
+          <p:cNvPr id="2" name="Заголовок 1">
+            <a:extLst>
+              <a:ext uri="{FF2B5EF4-FFF2-40B4-BE49-F238E27FC236}">
+                <a16:creationId xmlns:a16="http://schemas.microsoft.com/office/drawing/2014/main" id="{68E8EE96-0A46-4056-900E-6A73ED06383E}"/>
               </a:ext>
             </a:extLst>
           </p:cNvPr>
@@ -6486,8 +7517,8 @@
         </p:nvSpPr>
         <p:spPr>
           <a:xfrm>
-            <a:off x="715511" y="362451"/>
-            <a:ext cx="11302400" cy="647700"/>
+            <a:off x="356285" y="710832"/>
+            <a:ext cx="8133195" cy="1089092"/>
           </a:xfrm>
         </p:spPr>
         <p:txBody>
@@ -6502,6 +7533,368 @@
                   <a:srgbClr val="1485FC"/>
                 </a:solidFill>
                 <a:latin typeface="CoFo Sans (Основной текст)"/>
+              </a:rPr>
+              <a:t>Использующиеся библиотеки</a:t>
+            </a:r>
+          </a:p>
+        </p:txBody>
+      </p:sp>
+      <p:pic>
+        <p:nvPicPr>
+          <p:cNvPr id="12" name="Рисунок 11">
+            <a:extLst>
+              <a:ext uri="{FF2B5EF4-FFF2-40B4-BE49-F238E27FC236}">
+                <a16:creationId xmlns:a16="http://schemas.microsoft.com/office/drawing/2014/main" id="{45E7DD20-9B36-44FF-B911-18217691AF90}"/>
+              </a:ext>
+            </a:extLst>
+          </p:cNvPr>
+          <p:cNvPicPr>
+            <a:picLocks noChangeAspect="1"/>
+          </p:cNvPicPr>
+          <p:nvPr/>
+        </p:nvPicPr>
+        <p:blipFill>
+          <a:blip r:embed="rId3"/>
+          <a:stretch>
+            <a:fillRect/>
+          </a:stretch>
+        </p:blipFill>
+        <p:spPr>
+          <a:xfrm>
+            <a:off x="554964" y="1970181"/>
+            <a:ext cx="2688459" cy="1089092"/>
+          </a:xfrm>
+          <a:prstGeom prst="rect">
+            <a:avLst/>
+          </a:prstGeom>
+        </p:spPr>
+      </p:pic>
+      <p:pic>
+        <p:nvPicPr>
+          <p:cNvPr id="14" name="Рисунок 13">
+            <a:extLst>
+              <a:ext uri="{FF2B5EF4-FFF2-40B4-BE49-F238E27FC236}">
+                <a16:creationId xmlns:a16="http://schemas.microsoft.com/office/drawing/2014/main" id="{A6C672EA-DFAF-4332-B2F7-76FD0BB622D4}"/>
+              </a:ext>
+            </a:extLst>
+          </p:cNvPr>
+          <p:cNvPicPr>
+            <a:picLocks noChangeAspect="1"/>
+          </p:cNvPicPr>
+          <p:nvPr/>
+        </p:nvPicPr>
+        <p:blipFill>
+          <a:blip r:embed="rId4"/>
+          <a:stretch>
+            <a:fillRect/>
+          </a:stretch>
+        </p:blipFill>
+        <p:spPr>
+          <a:xfrm>
+            <a:off x="734673" y="3644865"/>
+            <a:ext cx="2552921" cy="1143099"/>
+          </a:xfrm>
+          <a:prstGeom prst="rect">
+            <a:avLst/>
+          </a:prstGeom>
+        </p:spPr>
+      </p:pic>
+      <p:pic>
+        <p:nvPicPr>
+          <p:cNvPr id="16" name="Рисунок 15">
+            <a:extLst>
+              <a:ext uri="{FF2B5EF4-FFF2-40B4-BE49-F238E27FC236}">
+                <a16:creationId xmlns:a16="http://schemas.microsoft.com/office/drawing/2014/main" id="{81A822F6-9637-4315-B2D2-E87C27BD525B}"/>
+              </a:ext>
+            </a:extLst>
+          </p:cNvPr>
+          <p:cNvPicPr>
+            <a:picLocks noChangeAspect="1"/>
+          </p:cNvPicPr>
+          <p:nvPr/>
+        </p:nvPicPr>
+        <p:blipFill>
+          <a:blip r:embed="rId5">
+            <a:extLst>
+              <a:ext uri="{28A0092B-C50C-407E-A947-70E740481C1C}">
+                <a14:useLocalDpi xmlns:a14="http://schemas.microsoft.com/office/drawing/2010/main" val="0"/>
+              </a:ext>
+            </a:extLst>
+          </a:blip>
+          <a:srcRect/>
+          <a:stretch/>
+        </p:blipFill>
+        <p:spPr>
+          <a:xfrm>
+            <a:off x="2782268" y="5013215"/>
+            <a:ext cx="2099912" cy="1133953"/>
+          </a:xfrm>
+          <a:prstGeom prst="rect">
+            <a:avLst/>
+          </a:prstGeom>
+        </p:spPr>
+      </p:pic>
+      <p:pic>
+        <p:nvPicPr>
+          <p:cNvPr id="18" name="Рисунок 17">
+            <a:extLst>
+              <a:ext uri="{FF2B5EF4-FFF2-40B4-BE49-F238E27FC236}">
+                <a16:creationId xmlns:a16="http://schemas.microsoft.com/office/drawing/2014/main" id="{1EB10DC3-B782-431C-A7FE-B7733C394ADC}"/>
+              </a:ext>
+            </a:extLst>
+          </p:cNvPr>
+          <p:cNvPicPr>
+            <a:picLocks noChangeAspect="1"/>
+          </p:cNvPicPr>
+          <p:nvPr/>
+        </p:nvPicPr>
+        <p:blipFill>
+          <a:blip r:embed="rId6"/>
+          <a:stretch>
+            <a:fillRect/>
+          </a:stretch>
+        </p:blipFill>
+        <p:spPr>
+          <a:xfrm>
+            <a:off x="6626565" y="5396783"/>
+            <a:ext cx="2423370" cy="1211685"/>
+          </a:xfrm>
+          <a:prstGeom prst="rect">
+            <a:avLst/>
+          </a:prstGeom>
+        </p:spPr>
+      </p:pic>
+      <p:pic>
+        <p:nvPicPr>
+          <p:cNvPr id="20" name="Рисунок 19">
+            <a:extLst>
+              <a:ext uri="{FF2B5EF4-FFF2-40B4-BE49-F238E27FC236}">
+                <a16:creationId xmlns:a16="http://schemas.microsoft.com/office/drawing/2014/main" id="{73E9D9B9-8503-409D-B7FA-AE4740E8F2E8}"/>
+              </a:ext>
+            </a:extLst>
+          </p:cNvPr>
+          <p:cNvPicPr>
+            <a:picLocks noChangeAspect="1"/>
+          </p:cNvPicPr>
+          <p:nvPr/>
+        </p:nvPicPr>
+        <p:blipFill>
+          <a:blip r:embed="rId7">
+            <a:extLst>
+              <a:ext uri="{28A0092B-C50C-407E-A947-70E740481C1C}">
+                <a14:useLocalDpi xmlns:a14="http://schemas.microsoft.com/office/drawing/2010/main" val="0"/>
+              </a:ext>
+            </a:extLst>
+          </a:blip>
+          <a:stretch>
+            <a:fillRect/>
+          </a:stretch>
+        </p:blipFill>
+        <p:spPr>
+          <a:xfrm>
+            <a:off x="5554909" y="3940421"/>
+            <a:ext cx="2438405" cy="929642"/>
+          </a:xfrm>
+          <a:prstGeom prst="rect">
+            <a:avLst/>
+          </a:prstGeom>
+        </p:spPr>
+      </p:pic>
+      <p:pic>
+        <p:nvPicPr>
+          <p:cNvPr id="1026" name="Picture 2" descr="Matplotlib Logo &amp; Brand Assets (SVG, PNG and vector) - Brandfetch">
+            <a:extLst>
+              <a:ext uri="{FF2B5EF4-FFF2-40B4-BE49-F238E27FC236}">
+                <a16:creationId xmlns:a16="http://schemas.microsoft.com/office/drawing/2014/main" id="{DD816C83-71E5-4DD2-9490-E516FC25D6DD}"/>
+              </a:ext>
+            </a:extLst>
+          </p:cNvPr>
+          <p:cNvPicPr>
+            <a:picLocks noChangeAspect="1" noChangeArrowheads="1"/>
+          </p:cNvPicPr>
+          <p:nvPr/>
+        </p:nvPicPr>
+        <p:blipFill>
+          <a:blip r:embed="rId8">
+            <a:extLst>
+              <a:ext uri="{28A0092B-C50C-407E-A947-70E740481C1C}">
+                <a14:useLocalDpi xmlns:a14="http://schemas.microsoft.com/office/drawing/2010/main" val="0"/>
+              </a:ext>
+            </a:extLst>
+          </a:blip>
+          <a:srcRect/>
+          <a:stretch>
+            <a:fillRect/>
+          </a:stretch>
+        </p:blipFill>
+        <p:spPr bwMode="auto">
+          <a:xfrm>
+            <a:off x="3392269" y="2512544"/>
+            <a:ext cx="2979822" cy="993274"/>
+          </a:xfrm>
+          <a:prstGeom prst="rect">
+            <a:avLst/>
+          </a:prstGeom>
+          <a:noFill/>
+          <a:extLst>
+            <a:ext uri="{909E8E84-426E-40DD-AFC4-6F175D3DCCD1}">
+              <a14:hiddenFill xmlns:a14="http://schemas.microsoft.com/office/drawing/2010/main">
+                <a:solidFill>
+                  <a:srgbClr val="FFFFFF"/>
+                </a:solidFill>
+              </a14:hiddenFill>
+            </a:ext>
+          </a:extLst>
+        </p:spPr>
+      </p:pic>
+      <p:pic>
+        <p:nvPicPr>
+          <p:cNvPr id="1028" name="Picture 4" descr="About Gators — gators documentation">
+            <a:extLst>
+              <a:ext uri="{FF2B5EF4-FFF2-40B4-BE49-F238E27FC236}">
+                <a16:creationId xmlns:a16="http://schemas.microsoft.com/office/drawing/2014/main" id="{D7EBC160-E39F-480B-A1A5-01B678028B5E}"/>
+              </a:ext>
+            </a:extLst>
+          </p:cNvPr>
+          <p:cNvPicPr>
+            <a:picLocks noChangeAspect="1" noChangeArrowheads="1"/>
+          </p:cNvPicPr>
+          <p:nvPr/>
+        </p:nvPicPr>
+        <p:blipFill>
+          <a:blip r:embed="rId9">
+            <a:extLst>
+              <a:ext uri="{28A0092B-C50C-407E-A947-70E740481C1C}">
+                <a14:useLocalDpi xmlns:a14="http://schemas.microsoft.com/office/drawing/2010/main" val="0"/>
+              </a:ext>
+            </a:extLst>
+          </a:blip>
+          <a:srcRect/>
+          <a:stretch>
+            <a:fillRect/>
+          </a:stretch>
+        </p:blipFill>
+        <p:spPr bwMode="auto">
+          <a:xfrm>
+            <a:off x="7233446" y="1891919"/>
+            <a:ext cx="3024980" cy="685216"/>
+          </a:xfrm>
+          <a:prstGeom prst="rect">
+            <a:avLst/>
+          </a:prstGeom>
+          <a:noFill/>
+          <a:extLst>
+            <a:ext uri="{909E8E84-426E-40DD-AFC4-6F175D3DCCD1}">
+              <a14:hiddenFill xmlns:a14="http://schemas.microsoft.com/office/drawing/2010/main">
+                <a:solidFill>
+                  <a:srgbClr val="FFFFFF"/>
+                </a:solidFill>
+              </a14:hiddenFill>
+            </a:ext>
+          </a:extLst>
+        </p:spPr>
+      </p:pic>
+    </p:spTree>
+    <p:extLst>
+      <p:ext uri="{BB962C8B-B14F-4D97-AF65-F5344CB8AC3E}">
+        <p14:creationId xmlns:p14="http://schemas.microsoft.com/office/powerpoint/2010/main" val="790499391"/>
+      </p:ext>
+    </p:extLst>
+  </p:cSld>
+  <p:clrMapOvr>
+    <a:masterClrMapping/>
+  </p:clrMapOvr>
+  <p:transition spd="med"/>
+</p:sld>
+</file>
+
+<file path=ppt/slides/slide6.xml><?xml version="1.0" encoding="utf-8"?>
+<p:sld xmlns:a="http://schemas.openxmlformats.org/drawingml/2006/main" xmlns:r="http://schemas.openxmlformats.org/officeDocument/2006/relationships" xmlns:p="http://schemas.openxmlformats.org/presentationml/2006/main">
+  <p:cSld>
+    <p:spTree>
+      <p:nvGrpSpPr>
+        <p:cNvPr id="1" name=""/>
+        <p:cNvGrpSpPr/>
+        <p:nvPr/>
+      </p:nvGrpSpPr>
+      <p:grpSpPr>
+        <a:xfrm>
+          <a:off x="0" y="0"/>
+          <a:ext cx="0" cy="0"/>
+          <a:chOff x="0" y="0"/>
+          <a:chExt cx="0" cy="0"/>
+        </a:xfrm>
+      </p:grpSpPr>
+      <p:pic>
+        <p:nvPicPr>
+          <p:cNvPr id="6" name="Рисунок 5">
+            <a:extLst>
+              <a:ext uri="{FF2B5EF4-FFF2-40B4-BE49-F238E27FC236}">
+                <a16:creationId xmlns:a16="http://schemas.microsoft.com/office/drawing/2014/main" id="{FF1A8EE4-C052-48A6-8122-3FA93D40F84C}"/>
+              </a:ext>
+            </a:extLst>
+          </p:cNvPr>
+          <p:cNvPicPr>
+            <a:picLocks noChangeAspect="1"/>
+          </p:cNvPicPr>
+          <p:nvPr/>
+        </p:nvPicPr>
+        <p:blipFill>
+          <a:blip r:embed="rId2">
+            <a:extLst>
+              <a:ext uri="{28A0092B-C50C-407E-A947-70E740481C1C}">
+                <a14:useLocalDpi xmlns:a14="http://schemas.microsoft.com/office/drawing/2010/main" val="0"/>
+              </a:ext>
+            </a:extLst>
+          </a:blip>
+          <a:stretch>
+            <a:fillRect/>
+          </a:stretch>
+        </p:blipFill>
+        <p:spPr>
+          <a:xfrm>
+            <a:off x="0" y="-1"/>
+            <a:ext cx="12192000" cy="6857999"/>
+          </a:xfrm>
+          <a:prstGeom prst="rect">
+            <a:avLst/>
+          </a:prstGeom>
+        </p:spPr>
+      </p:pic>
+      <p:sp>
+        <p:nvSpPr>
+          <p:cNvPr id="5" name="Заголовок 4">
+            <a:extLst>
+              <a:ext uri="{FF2B5EF4-FFF2-40B4-BE49-F238E27FC236}">
+                <a16:creationId xmlns:a16="http://schemas.microsoft.com/office/drawing/2014/main" id="{1F91EF41-9A47-4696-B6D6-AFE521FC3A7D}"/>
+              </a:ext>
+            </a:extLst>
+          </p:cNvPr>
+          <p:cNvSpPr>
+            <a:spLocks noGrp="1"/>
+          </p:cNvSpPr>
+          <p:nvPr>
+            <p:ph type="title"/>
+          </p:nvPr>
+        </p:nvSpPr>
+        <p:spPr>
+          <a:xfrm>
+            <a:off x="715511" y="362451"/>
+            <a:ext cx="11302400" cy="647700"/>
+          </a:xfrm>
+        </p:spPr>
+        <p:txBody>
+          <a:bodyPr>
+            <a:normAutofit/>
+          </a:bodyPr>
+          <a:lstStyle/>
+          <a:p>
+            <a:r>
+              <a:rPr lang="ru-RU" sz="4000" dirty="0">
+                <a:solidFill>
+                  <a:srgbClr val="1485FC"/>
+                </a:solidFill>
+                <a:latin typeface="CoFo Sans (Основной текст)"/>
                 <a:cs typeface="Times New Roman" panose="02020603050405020304" pitchFamily="18" charset="0"/>
               </a:rPr>
               <a:t>Просмотр предоставленных данных</a:t>
@@ -6509,1849 +7902,77 @@
           </a:p>
         </p:txBody>
       </p:sp>
-      <p:sp>
-        <p:nvSpPr>
-          <p:cNvPr id="2" name="TextBox 1">
-            <a:extLst>
-              <a:ext uri="{FF2B5EF4-FFF2-40B4-BE49-F238E27FC236}">
-                <a16:creationId xmlns:a16="http://schemas.microsoft.com/office/drawing/2014/main" id="{61853162-6014-4AB6-B30D-4DD95B26D347}"/>
-              </a:ext>
-            </a:extLst>
-          </p:cNvPr>
-          <p:cNvSpPr txBox="1"/>
+      <p:pic>
+        <p:nvPicPr>
+          <p:cNvPr id="4" name="Рисунок 3">
+            <a:extLst>
+              <a:ext uri="{FF2B5EF4-FFF2-40B4-BE49-F238E27FC236}">
+                <a16:creationId xmlns:a16="http://schemas.microsoft.com/office/drawing/2014/main" id="{9149DC2F-00F6-4D25-AB10-0C971F52E204}"/>
+              </a:ext>
+            </a:extLst>
+          </p:cNvPr>
+          <p:cNvPicPr>
+            <a:picLocks noChangeAspect="1"/>
+          </p:cNvPicPr>
           <p:nvPr/>
-        </p:nvSpPr>
-        <p:spPr>
-          <a:xfrm>
-            <a:off x="715511" y="1222407"/>
-            <a:ext cx="4515050" cy="5170646"/>
+        </p:nvPicPr>
+        <p:blipFill>
+          <a:blip r:embed="rId3">
+            <a:extLst>
+              <a:ext uri="{28A0092B-C50C-407E-A947-70E740481C1C}">
+                <a14:useLocalDpi xmlns:a14="http://schemas.microsoft.com/office/drawing/2010/main" val="0"/>
+              </a:ext>
+            </a:extLst>
+          </a:blip>
+          <a:srcRect/>
+          <a:stretch/>
+        </p:blipFill>
+        <p:spPr>
+          <a:xfrm>
+            <a:off x="2520727" y="1304627"/>
+            <a:ext cx="7487695" cy="2124371"/>
           </a:xfrm>
           <a:prstGeom prst="rect">
             <a:avLst/>
           </a:prstGeom>
-          <a:solidFill>
-            <a:srgbClr val="1485FC"/>
-          </a:solidFill>
-          <a:ln>
-            <a:noFill/>
-          </a:ln>
-          <a:effectLst>
-            <a:reflection stA="0" endPos="65000" dist="50800" dir="5400000" sy="-100000" algn="bl" rotWithShape="0"/>
-            <a:softEdge rad="0"/>
-          </a:effectLst>
-        </p:spPr>
-        <p:txBody>
-          <a:bodyPr wrap="square" rtlCol="0">
-            <a:spAutoFit/>
-          </a:bodyPr>
-          <a:lstStyle/>
-          <a:p>
-            <a:r>
-              <a:rPr lang="en-US" sz="1100" dirty="0" err="1">
-                <a:solidFill>
-                  <a:schemeClr val="bg1"/>
-                </a:solidFill>
-              </a:rPr>
-              <a:t>report_date</a:t>
-            </a:r>
-            <a:r>
-              <a:rPr lang="en-US" sz="1100" dirty="0">
-                <a:solidFill>
-                  <a:schemeClr val="bg1"/>
-                </a:solidFill>
-              </a:rPr>
-              <a:t>  </a:t>
-            </a:r>
-            <a:r>
-              <a:rPr lang="en-US" sz="1100" dirty="0" err="1">
-                <a:solidFill>
-                  <a:schemeClr val="bg1"/>
-                </a:solidFill>
-              </a:rPr>
-              <a:t>client_id</a:t>
-            </a:r>
-            <a:r>
-              <a:rPr lang="en-US" sz="1100" dirty="0">
-                <a:solidFill>
-                  <a:schemeClr val="bg1"/>
-                </a:solidFill>
-              </a:rPr>
-              <a:t>  target  col1  col2  col3  col4  col5  col6  col7  \</a:t>
-            </a:r>
-          </a:p>
-          <a:p>
-            <a:r>
-              <a:rPr lang="en-US" sz="1100" dirty="0">
-                <a:solidFill>
-                  <a:schemeClr val="bg1"/>
-                </a:solidFill>
-              </a:rPr>
-              <a:t>0  2022-11-01          1       0   </a:t>
-            </a:r>
-            <a:r>
-              <a:rPr lang="en-US" sz="1100" dirty="0" err="1">
-                <a:solidFill>
-                  <a:schemeClr val="bg1"/>
-                </a:solidFill>
-              </a:rPr>
-              <a:t>NaN</a:t>
-            </a:r>
-            <a:r>
-              <a:rPr lang="en-US" sz="1100" dirty="0">
-                <a:solidFill>
-                  <a:schemeClr val="bg1"/>
-                </a:solidFill>
-              </a:rPr>
-              <a:t>   </a:t>
-            </a:r>
-            <a:r>
-              <a:rPr lang="en-US" sz="1100" dirty="0" err="1">
-                <a:solidFill>
-                  <a:schemeClr val="bg1"/>
-                </a:solidFill>
-              </a:rPr>
-              <a:t>NaN</a:t>
-            </a:r>
-            <a:r>
-              <a:rPr lang="en-US" sz="1100" dirty="0">
-                <a:solidFill>
-                  <a:schemeClr val="bg1"/>
-                </a:solidFill>
-              </a:rPr>
-              <a:t>   </a:t>
-            </a:r>
-            <a:r>
-              <a:rPr lang="en-US" sz="1100" dirty="0" err="1">
-                <a:solidFill>
-                  <a:schemeClr val="bg1"/>
-                </a:solidFill>
-              </a:rPr>
-              <a:t>NaN</a:t>
-            </a:r>
-            <a:r>
-              <a:rPr lang="en-US" sz="1100" dirty="0">
-                <a:solidFill>
-                  <a:schemeClr val="bg1"/>
-                </a:solidFill>
-              </a:rPr>
-              <a:t>   </a:t>
-            </a:r>
-            <a:r>
-              <a:rPr lang="en-US" sz="1100" dirty="0" err="1">
-                <a:solidFill>
-                  <a:schemeClr val="bg1"/>
-                </a:solidFill>
-              </a:rPr>
-              <a:t>NaN</a:t>
-            </a:r>
-            <a:r>
-              <a:rPr lang="en-US" sz="1100" dirty="0">
-                <a:solidFill>
-                  <a:schemeClr val="bg1"/>
-                </a:solidFill>
-              </a:rPr>
-              <a:t>   </a:t>
-            </a:r>
-            <a:r>
-              <a:rPr lang="en-US" sz="1100" dirty="0" err="1">
-                <a:solidFill>
-                  <a:schemeClr val="bg1"/>
-                </a:solidFill>
-              </a:rPr>
-              <a:t>NaN</a:t>
-            </a:r>
-            <a:r>
-              <a:rPr lang="en-US" sz="1100" dirty="0">
-                <a:solidFill>
-                  <a:schemeClr val="bg1"/>
-                </a:solidFill>
-              </a:rPr>
-              <a:t>   </a:t>
-            </a:r>
-            <a:r>
-              <a:rPr lang="en-US" sz="1100" dirty="0" err="1">
-                <a:solidFill>
-                  <a:schemeClr val="bg1"/>
-                </a:solidFill>
-              </a:rPr>
-              <a:t>NaN</a:t>
-            </a:r>
-            <a:r>
-              <a:rPr lang="en-US" sz="1100" dirty="0">
-                <a:solidFill>
-                  <a:schemeClr val="bg1"/>
-                </a:solidFill>
-              </a:rPr>
-              <a:t>   </a:t>
-            </a:r>
-            <a:r>
-              <a:rPr lang="en-US" sz="1100" dirty="0" err="1">
-                <a:solidFill>
-                  <a:schemeClr val="bg1"/>
-                </a:solidFill>
-              </a:rPr>
-              <a:t>NaN</a:t>
-            </a:r>
-            <a:r>
-              <a:rPr lang="en-US" sz="1100" dirty="0">
-                <a:solidFill>
-                  <a:schemeClr val="bg1"/>
-                </a:solidFill>
-              </a:rPr>
-              <a:t>   </a:t>
-            </a:r>
-          </a:p>
-          <a:p>
-            <a:r>
-              <a:rPr lang="en-US" sz="1100" dirty="0">
-                <a:solidFill>
-                  <a:schemeClr val="bg1"/>
-                </a:solidFill>
-              </a:rPr>
-              <a:t>1  2022-11-01          5       0   </a:t>
-            </a:r>
-            <a:r>
-              <a:rPr lang="en-US" sz="1100" dirty="0" err="1">
-                <a:solidFill>
-                  <a:schemeClr val="bg1"/>
-                </a:solidFill>
-              </a:rPr>
-              <a:t>NaN</a:t>
-            </a:r>
-            <a:r>
-              <a:rPr lang="en-US" sz="1100" dirty="0">
-                <a:solidFill>
-                  <a:schemeClr val="bg1"/>
-                </a:solidFill>
-              </a:rPr>
-              <a:t>   </a:t>
-            </a:r>
-            <a:r>
-              <a:rPr lang="en-US" sz="1100" dirty="0" err="1">
-                <a:solidFill>
-                  <a:schemeClr val="bg1"/>
-                </a:solidFill>
-              </a:rPr>
-              <a:t>NaN</a:t>
-            </a:r>
-            <a:r>
-              <a:rPr lang="en-US" sz="1100" dirty="0">
-                <a:solidFill>
-                  <a:schemeClr val="bg1"/>
-                </a:solidFill>
-              </a:rPr>
-              <a:t>   </a:t>
-            </a:r>
-            <a:r>
-              <a:rPr lang="en-US" sz="1100" dirty="0" err="1">
-                <a:solidFill>
-                  <a:schemeClr val="bg1"/>
-                </a:solidFill>
-              </a:rPr>
-              <a:t>NaN</a:t>
-            </a:r>
-            <a:r>
-              <a:rPr lang="en-US" sz="1100" dirty="0">
-                <a:solidFill>
-                  <a:schemeClr val="bg1"/>
-                </a:solidFill>
-              </a:rPr>
-              <a:t>   </a:t>
-            </a:r>
-            <a:r>
-              <a:rPr lang="en-US" sz="1100" dirty="0" err="1">
-                <a:solidFill>
-                  <a:schemeClr val="bg1"/>
-                </a:solidFill>
-              </a:rPr>
-              <a:t>NaN</a:t>
-            </a:r>
-            <a:r>
-              <a:rPr lang="en-US" sz="1100" dirty="0">
-                <a:solidFill>
-                  <a:schemeClr val="bg1"/>
-                </a:solidFill>
-              </a:rPr>
-              <a:t>   </a:t>
-            </a:r>
-            <a:r>
-              <a:rPr lang="en-US" sz="1100" dirty="0" err="1">
-                <a:solidFill>
-                  <a:schemeClr val="bg1"/>
-                </a:solidFill>
-              </a:rPr>
-              <a:t>NaN</a:t>
-            </a:r>
-            <a:r>
-              <a:rPr lang="en-US" sz="1100" dirty="0">
-                <a:solidFill>
-                  <a:schemeClr val="bg1"/>
-                </a:solidFill>
-              </a:rPr>
-              <a:t>   </a:t>
-            </a:r>
-            <a:r>
-              <a:rPr lang="en-US" sz="1100" dirty="0" err="1">
-                <a:solidFill>
-                  <a:schemeClr val="bg1"/>
-                </a:solidFill>
-              </a:rPr>
-              <a:t>NaN</a:t>
-            </a:r>
-            <a:r>
-              <a:rPr lang="en-US" sz="1100" dirty="0">
-                <a:solidFill>
-                  <a:schemeClr val="bg1"/>
-                </a:solidFill>
-              </a:rPr>
-              <a:t>   </a:t>
-            </a:r>
-            <a:r>
-              <a:rPr lang="en-US" sz="1100" dirty="0" err="1">
-                <a:solidFill>
-                  <a:schemeClr val="bg1"/>
-                </a:solidFill>
-              </a:rPr>
-              <a:t>NaN</a:t>
-            </a:r>
-            <a:r>
-              <a:rPr lang="en-US" sz="1100" dirty="0">
-                <a:solidFill>
-                  <a:schemeClr val="bg1"/>
-                </a:solidFill>
-              </a:rPr>
-              <a:t>   </a:t>
-            </a:r>
-          </a:p>
-          <a:p>
-            <a:r>
-              <a:rPr lang="en-US" sz="1100" dirty="0">
-                <a:solidFill>
-                  <a:schemeClr val="bg1"/>
-                </a:solidFill>
-              </a:rPr>
-              <a:t>2  2022-05-01          6       0   </a:t>
-            </a:r>
-            <a:r>
-              <a:rPr lang="en-US" sz="1100" dirty="0" err="1">
-                <a:solidFill>
-                  <a:schemeClr val="bg1"/>
-                </a:solidFill>
-              </a:rPr>
-              <a:t>NaN</a:t>
-            </a:r>
-            <a:r>
-              <a:rPr lang="en-US" sz="1100" dirty="0">
-                <a:solidFill>
-                  <a:schemeClr val="bg1"/>
-                </a:solidFill>
-              </a:rPr>
-              <a:t>   </a:t>
-            </a:r>
-            <a:r>
-              <a:rPr lang="en-US" sz="1100" dirty="0" err="1">
-                <a:solidFill>
-                  <a:schemeClr val="bg1"/>
-                </a:solidFill>
-              </a:rPr>
-              <a:t>NaN</a:t>
-            </a:r>
-            <a:r>
-              <a:rPr lang="en-US" sz="1100" dirty="0">
-                <a:solidFill>
-                  <a:schemeClr val="bg1"/>
-                </a:solidFill>
-              </a:rPr>
-              <a:t>   </a:t>
-            </a:r>
-            <a:r>
-              <a:rPr lang="en-US" sz="1100" dirty="0" err="1">
-                <a:solidFill>
-                  <a:schemeClr val="bg1"/>
-                </a:solidFill>
-              </a:rPr>
-              <a:t>NaN</a:t>
-            </a:r>
-            <a:r>
-              <a:rPr lang="en-US" sz="1100" dirty="0">
-                <a:solidFill>
-                  <a:schemeClr val="bg1"/>
-                </a:solidFill>
-              </a:rPr>
-              <a:t>   </a:t>
-            </a:r>
-            <a:r>
-              <a:rPr lang="en-US" sz="1100" dirty="0" err="1">
-                <a:solidFill>
-                  <a:schemeClr val="bg1"/>
-                </a:solidFill>
-              </a:rPr>
-              <a:t>NaN</a:t>
-            </a:r>
-            <a:r>
-              <a:rPr lang="en-US" sz="1100" dirty="0">
-                <a:solidFill>
-                  <a:schemeClr val="bg1"/>
-                </a:solidFill>
-              </a:rPr>
-              <a:t>   </a:t>
-            </a:r>
-            <a:r>
-              <a:rPr lang="en-US" sz="1100" dirty="0" err="1">
-                <a:solidFill>
-                  <a:schemeClr val="bg1"/>
-                </a:solidFill>
-              </a:rPr>
-              <a:t>NaN</a:t>
-            </a:r>
-            <a:r>
-              <a:rPr lang="en-US" sz="1100" dirty="0">
-                <a:solidFill>
-                  <a:schemeClr val="bg1"/>
-                </a:solidFill>
-              </a:rPr>
-              <a:t>   </a:t>
-            </a:r>
-            <a:r>
-              <a:rPr lang="en-US" sz="1100" dirty="0" err="1">
-                <a:solidFill>
-                  <a:schemeClr val="bg1"/>
-                </a:solidFill>
-              </a:rPr>
-              <a:t>NaN</a:t>
-            </a:r>
-            <a:r>
-              <a:rPr lang="en-US" sz="1100" dirty="0">
-                <a:solidFill>
-                  <a:schemeClr val="bg1"/>
-                </a:solidFill>
-              </a:rPr>
-              <a:t>   </a:t>
-            </a:r>
-            <a:r>
-              <a:rPr lang="en-US" sz="1100" dirty="0" err="1">
-                <a:solidFill>
-                  <a:schemeClr val="bg1"/>
-                </a:solidFill>
-              </a:rPr>
-              <a:t>NaN</a:t>
-            </a:r>
-            <a:r>
-              <a:rPr lang="en-US" sz="1100" dirty="0">
-                <a:solidFill>
-                  <a:schemeClr val="bg1"/>
-                </a:solidFill>
-              </a:rPr>
-              <a:t>   </a:t>
-            </a:r>
-          </a:p>
-          <a:p>
-            <a:r>
-              <a:rPr lang="en-US" sz="1100" dirty="0">
-                <a:solidFill>
-                  <a:schemeClr val="bg1"/>
-                </a:solidFill>
-              </a:rPr>
-              <a:t>3  2022-09-01          7       0   </a:t>
-            </a:r>
-            <a:r>
-              <a:rPr lang="en-US" sz="1100" dirty="0" err="1">
-                <a:solidFill>
-                  <a:schemeClr val="bg1"/>
-                </a:solidFill>
-              </a:rPr>
-              <a:t>NaN</a:t>
-            </a:r>
-            <a:r>
-              <a:rPr lang="en-US" sz="1100" dirty="0">
-                <a:solidFill>
-                  <a:schemeClr val="bg1"/>
-                </a:solidFill>
-              </a:rPr>
-              <a:t>   </a:t>
-            </a:r>
-            <a:r>
-              <a:rPr lang="en-US" sz="1100" dirty="0" err="1">
-                <a:solidFill>
-                  <a:schemeClr val="bg1"/>
-                </a:solidFill>
-              </a:rPr>
-              <a:t>NaN</a:t>
-            </a:r>
-            <a:r>
-              <a:rPr lang="en-US" sz="1100" dirty="0">
-                <a:solidFill>
-                  <a:schemeClr val="bg1"/>
-                </a:solidFill>
-              </a:rPr>
-              <a:t>   </a:t>
-            </a:r>
-            <a:r>
-              <a:rPr lang="en-US" sz="1100" dirty="0" err="1">
-                <a:solidFill>
-                  <a:schemeClr val="bg1"/>
-                </a:solidFill>
-              </a:rPr>
-              <a:t>NaN</a:t>
-            </a:r>
-            <a:r>
-              <a:rPr lang="en-US" sz="1100" dirty="0">
-                <a:solidFill>
-                  <a:schemeClr val="bg1"/>
-                </a:solidFill>
-              </a:rPr>
-              <a:t>   </a:t>
-            </a:r>
-            <a:r>
-              <a:rPr lang="en-US" sz="1100" dirty="0" err="1">
-                <a:solidFill>
-                  <a:schemeClr val="bg1"/>
-                </a:solidFill>
-              </a:rPr>
-              <a:t>NaN</a:t>
-            </a:r>
-            <a:r>
-              <a:rPr lang="en-US" sz="1100" dirty="0">
-                <a:solidFill>
-                  <a:schemeClr val="bg1"/>
-                </a:solidFill>
-              </a:rPr>
-              <a:t>   </a:t>
-            </a:r>
-            <a:r>
-              <a:rPr lang="en-US" sz="1100" dirty="0" err="1">
-                <a:solidFill>
-                  <a:schemeClr val="bg1"/>
-                </a:solidFill>
-              </a:rPr>
-              <a:t>NaN</a:t>
-            </a:r>
-            <a:r>
-              <a:rPr lang="en-US" sz="1100" dirty="0">
-                <a:solidFill>
-                  <a:schemeClr val="bg1"/>
-                </a:solidFill>
-              </a:rPr>
-              <a:t>   </a:t>
-            </a:r>
-            <a:r>
-              <a:rPr lang="en-US" sz="1100" dirty="0" err="1">
-                <a:solidFill>
-                  <a:schemeClr val="bg1"/>
-                </a:solidFill>
-              </a:rPr>
-              <a:t>NaN</a:t>
-            </a:r>
-            <a:r>
-              <a:rPr lang="en-US" sz="1100" dirty="0">
-                <a:solidFill>
-                  <a:schemeClr val="bg1"/>
-                </a:solidFill>
-              </a:rPr>
-              <a:t>   </a:t>
-            </a:r>
-            <a:r>
-              <a:rPr lang="en-US" sz="1100" dirty="0" err="1">
-                <a:solidFill>
-                  <a:schemeClr val="bg1"/>
-                </a:solidFill>
-              </a:rPr>
-              <a:t>NaN</a:t>
-            </a:r>
-            <a:r>
-              <a:rPr lang="en-US" sz="1100" dirty="0">
-                <a:solidFill>
-                  <a:schemeClr val="bg1"/>
-                </a:solidFill>
-              </a:rPr>
-              <a:t>   </a:t>
-            </a:r>
-          </a:p>
-          <a:p>
-            <a:r>
-              <a:rPr lang="en-US" sz="1100" dirty="0">
-                <a:solidFill>
-                  <a:schemeClr val="bg1"/>
-                </a:solidFill>
-              </a:rPr>
-              <a:t>4  2022-08-01          8       0   </a:t>
-            </a:r>
-            <a:r>
-              <a:rPr lang="en-US" sz="1100" dirty="0" err="1">
-                <a:solidFill>
-                  <a:schemeClr val="bg1"/>
-                </a:solidFill>
-              </a:rPr>
-              <a:t>NaN</a:t>
-            </a:r>
-            <a:r>
-              <a:rPr lang="en-US" sz="1100" dirty="0">
-                <a:solidFill>
-                  <a:schemeClr val="bg1"/>
-                </a:solidFill>
-              </a:rPr>
-              <a:t>   </a:t>
-            </a:r>
-            <a:r>
-              <a:rPr lang="en-US" sz="1100" dirty="0" err="1">
-                <a:solidFill>
-                  <a:schemeClr val="bg1"/>
-                </a:solidFill>
-              </a:rPr>
-              <a:t>NaN</a:t>
-            </a:r>
-            <a:r>
-              <a:rPr lang="en-US" sz="1100" dirty="0">
-                <a:solidFill>
-                  <a:schemeClr val="bg1"/>
-                </a:solidFill>
-              </a:rPr>
-              <a:t>   </a:t>
-            </a:r>
-            <a:r>
-              <a:rPr lang="en-US" sz="1100" dirty="0" err="1">
-                <a:solidFill>
-                  <a:schemeClr val="bg1"/>
-                </a:solidFill>
-              </a:rPr>
-              <a:t>NaN</a:t>
-            </a:r>
-            <a:r>
-              <a:rPr lang="en-US" sz="1100" dirty="0">
-                <a:solidFill>
-                  <a:schemeClr val="bg1"/>
-                </a:solidFill>
-              </a:rPr>
-              <a:t>   </a:t>
-            </a:r>
-            <a:r>
-              <a:rPr lang="en-US" sz="1100" dirty="0" err="1">
-                <a:solidFill>
-                  <a:schemeClr val="bg1"/>
-                </a:solidFill>
-              </a:rPr>
-              <a:t>NaN</a:t>
-            </a:r>
-            <a:r>
-              <a:rPr lang="en-US" sz="1100" dirty="0">
-                <a:solidFill>
-                  <a:schemeClr val="bg1"/>
-                </a:solidFill>
-              </a:rPr>
-              <a:t>   </a:t>
-            </a:r>
-            <a:r>
-              <a:rPr lang="en-US" sz="1100" dirty="0" err="1">
-                <a:solidFill>
-                  <a:schemeClr val="bg1"/>
-                </a:solidFill>
-              </a:rPr>
-              <a:t>NaN</a:t>
-            </a:r>
-            <a:r>
-              <a:rPr lang="en-US" sz="1100" dirty="0">
-                <a:solidFill>
-                  <a:schemeClr val="bg1"/>
-                </a:solidFill>
-              </a:rPr>
-              <a:t>   </a:t>
-            </a:r>
-            <a:r>
-              <a:rPr lang="en-US" sz="1100" dirty="0" err="1">
-                <a:solidFill>
-                  <a:schemeClr val="bg1"/>
-                </a:solidFill>
-              </a:rPr>
-              <a:t>NaN</a:t>
-            </a:r>
-            <a:r>
-              <a:rPr lang="en-US" sz="1100" dirty="0">
-                <a:solidFill>
-                  <a:schemeClr val="bg1"/>
-                </a:solidFill>
-              </a:rPr>
-              <a:t>   </a:t>
-            </a:r>
-            <a:r>
-              <a:rPr lang="en-US" sz="1100" dirty="0" err="1">
-                <a:solidFill>
-                  <a:schemeClr val="bg1"/>
-                </a:solidFill>
-              </a:rPr>
-              <a:t>NaN</a:t>
-            </a:r>
-            <a:r>
-              <a:rPr lang="en-US" sz="1100" dirty="0">
-                <a:solidFill>
-                  <a:schemeClr val="bg1"/>
-                </a:solidFill>
-              </a:rPr>
-              <a:t>   </a:t>
-            </a:r>
-          </a:p>
-          <a:p>
-            <a:endParaRPr lang="en-US" sz="1100" dirty="0">
-              <a:solidFill>
-                <a:schemeClr val="bg1"/>
-              </a:solidFill>
-            </a:endParaRPr>
-          </a:p>
-          <a:p>
-            <a:r>
-              <a:rPr lang="en-US" sz="1100" dirty="0">
-                <a:solidFill>
-                  <a:schemeClr val="bg1"/>
-                </a:solidFill>
-              </a:rPr>
-              <a:t>   ...    col2654    col2655    col2656  col2657  col2658  col2659    col2660  \</a:t>
-            </a:r>
-          </a:p>
-          <a:p>
-            <a:r>
-              <a:rPr lang="en-US" sz="1100" dirty="0">
-                <a:solidFill>
-                  <a:schemeClr val="bg1"/>
-                </a:solidFill>
-              </a:rPr>
-              <a:t>0  ...        </a:t>
-            </a:r>
-            <a:r>
-              <a:rPr lang="en-US" sz="1100" dirty="0" err="1">
-                <a:solidFill>
-                  <a:schemeClr val="bg1"/>
-                </a:solidFill>
-              </a:rPr>
-              <a:t>NaN</a:t>
-            </a:r>
-            <a:r>
-              <a:rPr lang="en-US" sz="1100" dirty="0">
-                <a:solidFill>
-                  <a:schemeClr val="bg1"/>
-                </a:solidFill>
-              </a:rPr>
-              <a:t>        </a:t>
-            </a:r>
-            <a:r>
-              <a:rPr lang="en-US" sz="1100" dirty="0" err="1">
-                <a:solidFill>
-                  <a:schemeClr val="bg1"/>
-                </a:solidFill>
-              </a:rPr>
-              <a:t>NaN</a:t>
-            </a:r>
-            <a:r>
-              <a:rPr lang="en-US" sz="1100" dirty="0">
-                <a:solidFill>
-                  <a:schemeClr val="bg1"/>
-                </a:solidFill>
-              </a:rPr>
-              <a:t>        </a:t>
-            </a:r>
-            <a:r>
-              <a:rPr lang="en-US" sz="1100" dirty="0" err="1">
-                <a:solidFill>
-                  <a:schemeClr val="bg1"/>
-                </a:solidFill>
-              </a:rPr>
-              <a:t>NaN</a:t>
-            </a:r>
-            <a:r>
-              <a:rPr lang="en-US" sz="1100" dirty="0">
-                <a:solidFill>
-                  <a:schemeClr val="bg1"/>
-                </a:solidFill>
-              </a:rPr>
-              <a:t>      </a:t>
-            </a:r>
-            <a:r>
-              <a:rPr lang="en-US" sz="1100" dirty="0" err="1">
-                <a:solidFill>
-                  <a:schemeClr val="bg1"/>
-                </a:solidFill>
-              </a:rPr>
-              <a:t>NaN</a:t>
-            </a:r>
-            <a:r>
-              <a:rPr lang="en-US" sz="1100" dirty="0">
-                <a:solidFill>
-                  <a:schemeClr val="bg1"/>
-                </a:solidFill>
-              </a:rPr>
-              <a:t>      </a:t>
-            </a:r>
-            <a:r>
-              <a:rPr lang="en-US" sz="1100" dirty="0" err="1">
-                <a:solidFill>
-                  <a:schemeClr val="bg1"/>
-                </a:solidFill>
-              </a:rPr>
-              <a:t>NaN</a:t>
-            </a:r>
-            <a:r>
-              <a:rPr lang="en-US" sz="1100" dirty="0">
-                <a:solidFill>
-                  <a:schemeClr val="bg1"/>
-                </a:solidFill>
-              </a:rPr>
-              <a:t>      </a:t>
-            </a:r>
-            <a:r>
-              <a:rPr lang="en-US" sz="1100" dirty="0" err="1">
-                <a:solidFill>
-                  <a:schemeClr val="bg1"/>
-                </a:solidFill>
-              </a:rPr>
-              <a:t>NaN</a:t>
-            </a:r>
-            <a:r>
-              <a:rPr lang="en-US" sz="1100" dirty="0">
-                <a:solidFill>
-                  <a:schemeClr val="bg1"/>
-                </a:solidFill>
-              </a:rPr>
-              <a:t>        </a:t>
-            </a:r>
-            <a:r>
-              <a:rPr lang="en-US" sz="1100" dirty="0" err="1">
-                <a:solidFill>
-                  <a:schemeClr val="bg1"/>
-                </a:solidFill>
-              </a:rPr>
-              <a:t>NaN</a:t>
-            </a:r>
-            <a:r>
-              <a:rPr lang="en-US" sz="1100" dirty="0">
-                <a:solidFill>
-                  <a:schemeClr val="bg1"/>
-                </a:solidFill>
-              </a:rPr>
-              <a:t>   </a:t>
-            </a:r>
-          </a:p>
-          <a:p>
-            <a:r>
-              <a:rPr lang="en-US" sz="1100" dirty="0">
-                <a:solidFill>
-                  <a:schemeClr val="bg1"/>
-                </a:solidFill>
-              </a:rPr>
-              <a:t>1  ...  7616803.0  7616803.0  7616803.0      </a:t>
-            </a:r>
-            <a:r>
-              <a:rPr lang="en-US" sz="1100" dirty="0" err="1">
-                <a:solidFill>
-                  <a:schemeClr val="bg1"/>
-                </a:solidFill>
-              </a:rPr>
-              <a:t>NaN</a:t>
-            </a:r>
-            <a:r>
-              <a:rPr lang="en-US" sz="1100" dirty="0">
-                <a:solidFill>
-                  <a:schemeClr val="bg1"/>
-                </a:solidFill>
-              </a:rPr>
-              <a:t>      </a:t>
-            </a:r>
-            <a:r>
-              <a:rPr lang="en-US" sz="1100" dirty="0" err="1">
-                <a:solidFill>
-                  <a:schemeClr val="bg1"/>
-                </a:solidFill>
-              </a:rPr>
-              <a:t>NaN</a:t>
-            </a:r>
-            <a:r>
-              <a:rPr lang="en-US" sz="1100" dirty="0">
-                <a:solidFill>
-                  <a:schemeClr val="bg1"/>
-                </a:solidFill>
-              </a:rPr>
-              <a:t>      </a:t>
-            </a:r>
-            <a:r>
-              <a:rPr lang="en-US" sz="1100" dirty="0" err="1">
-                <a:solidFill>
-                  <a:schemeClr val="bg1"/>
-                </a:solidFill>
-              </a:rPr>
-              <a:t>NaN</a:t>
-            </a:r>
-            <a:r>
-              <a:rPr lang="en-US" sz="1100" dirty="0">
-                <a:solidFill>
-                  <a:schemeClr val="bg1"/>
-                </a:solidFill>
-              </a:rPr>
-              <a:t>  7616803.0   </a:t>
-            </a:r>
-          </a:p>
-          <a:p>
-            <a:r>
-              <a:rPr lang="en-US" sz="1100" dirty="0">
-                <a:solidFill>
-                  <a:schemeClr val="bg1"/>
-                </a:solidFill>
-              </a:rPr>
-              <a:t>2  ...        </a:t>
-            </a:r>
-            <a:r>
-              <a:rPr lang="en-US" sz="1100" dirty="0" err="1">
-                <a:solidFill>
-                  <a:schemeClr val="bg1"/>
-                </a:solidFill>
-              </a:rPr>
-              <a:t>NaN</a:t>
-            </a:r>
-            <a:r>
-              <a:rPr lang="en-US" sz="1100" dirty="0">
-                <a:solidFill>
-                  <a:schemeClr val="bg1"/>
-                </a:solidFill>
-              </a:rPr>
-              <a:t>        </a:t>
-            </a:r>
-            <a:r>
-              <a:rPr lang="en-US" sz="1100" dirty="0" err="1">
-                <a:solidFill>
-                  <a:schemeClr val="bg1"/>
-                </a:solidFill>
-              </a:rPr>
-              <a:t>NaN</a:t>
-            </a:r>
-            <a:r>
-              <a:rPr lang="en-US" sz="1100" dirty="0">
-                <a:solidFill>
-                  <a:schemeClr val="bg1"/>
-                </a:solidFill>
-              </a:rPr>
-              <a:t>        </a:t>
-            </a:r>
-            <a:r>
-              <a:rPr lang="en-US" sz="1100" dirty="0" err="1">
-                <a:solidFill>
-                  <a:schemeClr val="bg1"/>
-                </a:solidFill>
-              </a:rPr>
-              <a:t>NaN</a:t>
-            </a:r>
-            <a:r>
-              <a:rPr lang="en-US" sz="1100" dirty="0">
-                <a:solidFill>
-                  <a:schemeClr val="bg1"/>
-                </a:solidFill>
-              </a:rPr>
-              <a:t>      </a:t>
-            </a:r>
-            <a:r>
-              <a:rPr lang="en-US" sz="1100" dirty="0" err="1">
-                <a:solidFill>
-                  <a:schemeClr val="bg1"/>
-                </a:solidFill>
-              </a:rPr>
-              <a:t>NaN</a:t>
-            </a:r>
-            <a:r>
-              <a:rPr lang="en-US" sz="1100" dirty="0">
-                <a:solidFill>
-                  <a:schemeClr val="bg1"/>
-                </a:solidFill>
-              </a:rPr>
-              <a:t>      </a:t>
-            </a:r>
-            <a:r>
-              <a:rPr lang="en-US" sz="1100" dirty="0" err="1">
-                <a:solidFill>
-                  <a:schemeClr val="bg1"/>
-                </a:solidFill>
-              </a:rPr>
-              <a:t>NaN</a:t>
-            </a:r>
-            <a:r>
-              <a:rPr lang="en-US" sz="1100" dirty="0">
-                <a:solidFill>
-                  <a:schemeClr val="bg1"/>
-                </a:solidFill>
-              </a:rPr>
-              <a:t>      </a:t>
-            </a:r>
-            <a:r>
-              <a:rPr lang="en-US" sz="1100" dirty="0" err="1">
-                <a:solidFill>
-                  <a:schemeClr val="bg1"/>
-                </a:solidFill>
-              </a:rPr>
-              <a:t>NaN</a:t>
-            </a:r>
-            <a:r>
-              <a:rPr lang="en-US" sz="1100" dirty="0">
-                <a:solidFill>
-                  <a:schemeClr val="bg1"/>
-                </a:solidFill>
-              </a:rPr>
-              <a:t>        </a:t>
-            </a:r>
-            <a:r>
-              <a:rPr lang="en-US" sz="1100" dirty="0" err="1">
-                <a:solidFill>
-                  <a:schemeClr val="bg1"/>
-                </a:solidFill>
-              </a:rPr>
-              <a:t>NaN</a:t>
-            </a:r>
-            <a:r>
-              <a:rPr lang="en-US" sz="1100" dirty="0">
-                <a:solidFill>
-                  <a:schemeClr val="bg1"/>
-                </a:solidFill>
-              </a:rPr>
-              <a:t>   </a:t>
-            </a:r>
-          </a:p>
-          <a:p>
-            <a:r>
-              <a:rPr lang="en-US" sz="1100" dirty="0">
-                <a:solidFill>
-                  <a:schemeClr val="bg1"/>
-                </a:solidFill>
-              </a:rPr>
-              <a:t>3  ...        </a:t>
-            </a:r>
-            <a:r>
-              <a:rPr lang="en-US" sz="1100" dirty="0" err="1">
-                <a:solidFill>
-                  <a:schemeClr val="bg1"/>
-                </a:solidFill>
-              </a:rPr>
-              <a:t>NaN</a:t>
-            </a:r>
-            <a:r>
-              <a:rPr lang="en-US" sz="1100" dirty="0">
-                <a:solidFill>
-                  <a:schemeClr val="bg1"/>
-                </a:solidFill>
-              </a:rPr>
-              <a:t>        </a:t>
-            </a:r>
-            <a:r>
-              <a:rPr lang="en-US" sz="1100" dirty="0" err="1">
-                <a:solidFill>
-                  <a:schemeClr val="bg1"/>
-                </a:solidFill>
-              </a:rPr>
-              <a:t>NaN</a:t>
-            </a:r>
-            <a:r>
-              <a:rPr lang="en-US" sz="1100" dirty="0">
-                <a:solidFill>
-                  <a:schemeClr val="bg1"/>
-                </a:solidFill>
-              </a:rPr>
-              <a:t>        </a:t>
-            </a:r>
-            <a:r>
-              <a:rPr lang="en-US" sz="1100" dirty="0" err="1">
-                <a:solidFill>
-                  <a:schemeClr val="bg1"/>
-                </a:solidFill>
-              </a:rPr>
-              <a:t>NaN</a:t>
-            </a:r>
-            <a:r>
-              <a:rPr lang="en-US" sz="1100" dirty="0">
-                <a:solidFill>
-                  <a:schemeClr val="bg1"/>
-                </a:solidFill>
-              </a:rPr>
-              <a:t>      </a:t>
-            </a:r>
-            <a:r>
-              <a:rPr lang="en-US" sz="1100" dirty="0" err="1">
-                <a:solidFill>
-                  <a:schemeClr val="bg1"/>
-                </a:solidFill>
-              </a:rPr>
-              <a:t>NaN</a:t>
-            </a:r>
-            <a:r>
-              <a:rPr lang="en-US" sz="1100" dirty="0">
-                <a:solidFill>
-                  <a:schemeClr val="bg1"/>
-                </a:solidFill>
-              </a:rPr>
-              <a:t>      </a:t>
-            </a:r>
-            <a:r>
-              <a:rPr lang="en-US" sz="1100" dirty="0" err="1">
-                <a:solidFill>
-                  <a:schemeClr val="bg1"/>
-                </a:solidFill>
-              </a:rPr>
-              <a:t>NaN</a:t>
-            </a:r>
-            <a:r>
-              <a:rPr lang="en-US" sz="1100" dirty="0">
-                <a:solidFill>
-                  <a:schemeClr val="bg1"/>
-                </a:solidFill>
-              </a:rPr>
-              <a:t>      </a:t>
-            </a:r>
-            <a:r>
-              <a:rPr lang="en-US" sz="1100" dirty="0" err="1">
-                <a:solidFill>
-                  <a:schemeClr val="bg1"/>
-                </a:solidFill>
-              </a:rPr>
-              <a:t>NaN</a:t>
-            </a:r>
-            <a:r>
-              <a:rPr lang="en-US" sz="1100" dirty="0">
-                <a:solidFill>
-                  <a:schemeClr val="bg1"/>
-                </a:solidFill>
-              </a:rPr>
-              <a:t>        </a:t>
-            </a:r>
-            <a:r>
-              <a:rPr lang="en-US" sz="1100" dirty="0" err="1">
-                <a:solidFill>
-                  <a:schemeClr val="bg1"/>
-                </a:solidFill>
-              </a:rPr>
-              <a:t>NaN</a:t>
-            </a:r>
-            <a:r>
-              <a:rPr lang="en-US" sz="1100" dirty="0">
-                <a:solidFill>
-                  <a:schemeClr val="bg1"/>
-                </a:solidFill>
-              </a:rPr>
-              <a:t>   </a:t>
-            </a:r>
-          </a:p>
-          <a:p>
-            <a:r>
-              <a:rPr lang="en-US" sz="1100" dirty="0">
-                <a:solidFill>
-                  <a:schemeClr val="bg1"/>
-                </a:solidFill>
-              </a:rPr>
-              <a:t>4  ...        </a:t>
-            </a:r>
-            <a:r>
-              <a:rPr lang="en-US" sz="1100" dirty="0" err="1">
-                <a:solidFill>
-                  <a:schemeClr val="bg1"/>
-                </a:solidFill>
-              </a:rPr>
-              <a:t>NaN</a:t>
-            </a:r>
-            <a:r>
-              <a:rPr lang="en-US" sz="1100" dirty="0">
-                <a:solidFill>
-                  <a:schemeClr val="bg1"/>
-                </a:solidFill>
-              </a:rPr>
-              <a:t>        </a:t>
-            </a:r>
-            <a:r>
-              <a:rPr lang="en-US" sz="1100" dirty="0" err="1">
-                <a:solidFill>
-                  <a:schemeClr val="bg1"/>
-                </a:solidFill>
-              </a:rPr>
-              <a:t>NaN</a:t>
-            </a:r>
-            <a:r>
-              <a:rPr lang="en-US" sz="1100" dirty="0">
-                <a:solidFill>
-                  <a:schemeClr val="bg1"/>
-                </a:solidFill>
-              </a:rPr>
-              <a:t>        </a:t>
-            </a:r>
-            <a:r>
-              <a:rPr lang="en-US" sz="1100" dirty="0" err="1">
-                <a:solidFill>
-                  <a:schemeClr val="bg1"/>
-                </a:solidFill>
-              </a:rPr>
-              <a:t>NaN</a:t>
-            </a:r>
-            <a:r>
-              <a:rPr lang="en-US" sz="1100" dirty="0">
-                <a:solidFill>
-                  <a:schemeClr val="bg1"/>
-                </a:solidFill>
-              </a:rPr>
-              <a:t>      </a:t>
-            </a:r>
-            <a:r>
-              <a:rPr lang="en-US" sz="1100" dirty="0" err="1">
-                <a:solidFill>
-                  <a:schemeClr val="bg1"/>
-                </a:solidFill>
-              </a:rPr>
-              <a:t>NaN</a:t>
-            </a:r>
-            <a:r>
-              <a:rPr lang="en-US" sz="1100" dirty="0">
-                <a:solidFill>
-                  <a:schemeClr val="bg1"/>
-                </a:solidFill>
-              </a:rPr>
-              <a:t>      </a:t>
-            </a:r>
-            <a:r>
-              <a:rPr lang="en-US" sz="1100" dirty="0" err="1">
-                <a:solidFill>
-                  <a:schemeClr val="bg1"/>
-                </a:solidFill>
-              </a:rPr>
-              <a:t>NaN</a:t>
-            </a:r>
-            <a:r>
-              <a:rPr lang="en-US" sz="1100" dirty="0">
-                <a:solidFill>
-                  <a:schemeClr val="bg1"/>
-                </a:solidFill>
-              </a:rPr>
-              <a:t>      </a:t>
-            </a:r>
-            <a:r>
-              <a:rPr lang="en-US" sz="1100" dirty="0" err="1">
-                <a:solidFill>
-                  <a:schemeClr val="bg1"/>
-                </a:solidFill>
-              </a:rPr>
-              <a:t>NaN</a:t>
-            </a:r>
-            <a:r>
-              <a:rPr lang="en-US" sz="1100" dirty="0">
-                <a:solidFill>
-                  <a:schemeClr val="bg1"/>
-                </a:solidFill>
-              </a:rPr>
-              <a:t>        </a:t>
-            </a:r>
-            <a:r>
-              <a:rPr lang="en-US" sz="1100" dirty="0" err="1">
-                <a:solidFill>
-                  <a:schemeClr val="bg1"/>
-                </a:solidFill>
-              </a:rPr>
-              <a:t>NaN</a:t>
-            </a:r>
-            <a:r>
-              <a:rPr lang="en-US" sz="1100" dirty="0">
-                <a:solidFill>
-                  <a:schemeClr val="bg1"/>
-                </a:solidFill>
-              </a:rPr>
-              <a:t>   </a:t>
-            </a:r>
-          </a:p>
-          <a:p>
-            <a:endParaRPr lang="en-US" sz="1100" dirty="0">
-              <a:solidFill>
-                <a:schemeClr val="bg1"/>
-              </a:solidFill>
-            </a:endParaRPr>
-          </a:p>
-          <a:p>
-            <a:r>
-              <a:rPr lang="en-US" sz="1100" dirty="0">
-                <a:solidFill>
-                  <a:schemeClr val="bg1"/>
-                </a:solidFill>
-              </a:rPr>
-              <a:t>     col2661    col2662   col2663  </a:t>
-            </a:r>
-          </a:p>
-          <a:p>
-            <a:r>
-              <a:rPr lang="en-US" sz="1100" dirty="0">
-                <a:solidFill>
-                  <a:schemeClr val="bg1"/>
-                </a:solidFill>
-              </a:rPr>
-              <a:t>0        </a:t>
-            </a:r>
-            <a:r>
-              <a:rPr lang="en-US" sz="1100" dirty="0" err="1">
-                <a:solidFill>
-                  <a:schemeClr val="bg1"/>
-                </a:solidFill>
-              </a:rPr>
-              <a:t>NaN</a:t>
-            </a:r>
-            <a:r>
-              <a:rPr lang="en-US" sz="1100" dirty="0">
-                <a:solidFill>
-                  <a:schemeClr val="bg1"/>
-                </a:solidFill>
-              </a:rPr>
-              <a:t>        </a:t>
-            </a:r>
-            <a:r>
-              <a:rPr lang="en-US" sz="1100" dirty="0" err="1">
-                <a:solidFill>
-                  <a:schemeClr val="bg1"/>
-                </a:solidFill>
-              </a:rPr>
-              <a:t>NaN</a:t>
-            </a:r>
-            <a:r>
-              <a:rPr lang="en-US" sz="1100" dirty="0">
-                <a:solidFill>
-                  <a:schemeClr val="bg1"/>
-                </a:solidFill>
-              </a:rPr>
-              <a:t>  0.256261  </a:t>
-            </a:r>
-          </a:p>
-          <a:p>
-            <a:r>
-              <a:rPr lang="en-US" sz="1100" dirty="0">
-                <a:solidFill>
-                  <a:schemeClr val="bg1"/>
-                </a:solidFill>
-              </a:rPr>
-              <a:t>1  7616803.0  7616803.0  0.256261  </a:t>
-            </a:r>
-          </a:p>
-          <a:p>
-            <a:r>
-              <a:rPr lang="en-US" sz="1100" dirty="0">
-                <a:solidFill>
-                  <a:schemeClr val="bg1"/>
-                </a:solidFill>
-              </a:rPr>
-              <a:t>2        </a:t>
-            </a:r>
-            <a:r>
-              <a:rPr lang="en-US" sz="1100" dirty="0" err="1">
-                <a:solidFill>
-                  <a:schemeClr val="bg1"/>
-                </a:solidFill>
-              </a:rPr>
-              <a:t>NaN</a:t>
-            </a:r>
-            <a:r>
-              <a:rPr lang="en-US" sz="1100" dirty="0">
-                <a:solidFill>
-                  <a:schemeClr val="bg1"/>
-                </a:solidFill>
-              </a:rPr>
-              <a:t>        </a:t>
-            </a:r>
-            <a:r>
-              <a:rPr lang="en-US" sz="1100" dirty="0" err="1">
-                <a:solidFill>
-                  <a:schemeClr val="bg1"/>
-                </a:solidFill>
-              </a:rPr>
-              <a:t>NaN</a:t>
-            </a:r>
-            <a:r>
-              <a:rPr lang="en-US" sz="1100" dirty="0">
-                <a:solidFill>
-                  <a:schemeClr val="bg1"/>
-                </a:solidFill>
-              </a:rPr>
-              <a:t>  0.256261  </a:t>
-            </a:r>
-          </a:p>
-          <a:p>
-            <a:r>
-              <a:rPr lang="en-US" sz="1100" dirty="0">
-                <a:solidFill>
-                  <a:schemeClr val="bg1"/>
-                </a:solidFill>
-              </a:rPr>
-              <a:t>3        </a:t>
-            </a:r>
-            <a:r>
-              <a:rPr lang="en-US" sz="1100" dirty="0" err="1">
-                <a:solidFill>
-                  <a:schemeClr val="bg1"/>
-                </a:solidFill>
-              </a:rPr>
-              <a:t>NaN</a:t>
-            </a:r>
-            <a:r>
-              <a:rPr lang="en-US" sz="1100" dirty="0">
-                <a:solidFill>
-                  <a:schemeClr val="bg1"/>
-                </a:solidFill>
-              </a:rPr>
-              <a:t>        </a:t>
-            </a:r>
-            <a:r>
-              <a:rPr lang="en-US" sz="1100" dirty="0" err="1">
-                <a:solidFill>
-                  <a:schemeClr val="bg1"/>
-                </a:solidFill>
-              </a:rPr>
-              <a:t>NaN</a:t>
-            </a:r>
-            <a:r>
-              <a:rPr lang="en-US" sz="1100" dirty="0">
-                <a:solidFill>
-                  <a:schemeClr val="bg1"/>
-                </a:solidFill>
-              </a:rPr>
-              <a:t>  0.258682  </a:t>
-            </a:r>
-          </a:p>
-          <a:p>
-            <a:r>
-              <a:rPr lang="en-US" sz="1100" dirty="0">
-                <a:solidFill>
-                  <a:schemeClr val="bg1"/>
-                </a:solidFill>
-              </a:rPr>
-              <a:t>4        </a:t>
-            </a:r>
-            <a:r>
-              <a:rPr lang="en-US" sz="1100" dirty="0" err="1">
-                <a:solidFill>
-                  <a:schemeClr val="bg1"/>
-                </a:solidFill>
-              </a:rPr>
-              <a:t>NaN</a:t>
-            </a:r>
-            <a:r>
-              <a:rPr lang="en-US" sz="1100" dirty="0">
-                <a:solidFill>
-                  <a:schemeClr val="bg1"/>
-                </a:solidFill>
-              </a:rPr>
-              <a:t>        </a:t>
-            </a:r>
-            <a:r>
-              <a:rPr lang="en-US" sz="1100" dirty="0" err="1">
-                <a:solidFill>
-                  <a:schemeClr val="bg1"/>
-                </a:solidFill>
-              </a:rPr>
-              <a:t>NaN</a:t>
-            </a:r>
-            <a:r>
-              <a:rPr lang="en-US" sz="1100" dirty="0">
-                <a:solidFill>
-                  <a:schemeClr val="bg1"/>
-                </a:solidFill>
-              </a:rPr>
-              <a:t>  0.254164  </a:t>
-            </a:r>
-          </a:p>
-          <a:p>
-            <a:endParaRPr lang="en-US" sz="1100" dirty="0">
-              <a:solidFill>
-                <a:schemeClr val="bg1"/>
-              </a:solidFill>
-            </a:endParaRPr>
-          </a:p>
-          <a:p>
-            <a:r>
-              <a:rPr lang="en-US" sz="1100" dirty="0">
-                <a:solidFill>
-                  <a:schemeClr val="bg1"/>
-                </a:solidFill>
-              </a:rPr>
-              <a:t>[5 rows x 2666 columns]</a:t>
-            </a:r>
-          </a:p>
-          <a:p>
-            <a:r>
-              <a:rPr lang="en-US" sz="1100" dirty="0">
-                <a:solidFill>
-                  <a:schemeClr val="bg1"/>
-                </a:solidFill>
-              </a:rPr>
-              <a:t>  </a:t>
-            </a:r>
-            <a:r>
-              <a:rPr lang="en-US" sz="1100" dirty="0" err="1">
-                <a:solidFill>
-                  <a:schemeClr val="bg1"/>
-                </a:solidFill>
-              </a:rPr>
-              <a:t>report_date</a:t>
-            </a:r>
-            <a:r>
-              <a:rPr lang="en-US" sz="1100" dirty="0">
-                <a:solidFill>
-                  <a:schemeClr val="bg1"/>
-                </a:solidFill>
-              </a:rPr>
-              <a:t>  </a:t>
-            </a:r>
-            <a:r>
-              <a:rPr lang="en-US" sz="1100" dirty="0" err="1">
-                <a:solidFill>
-                  <a:schemeClr val="bg1"/>
-                </a:solidFill>
-              </a:rPr>
-              <a:t>client_id</a:t>
-            </a:r>
-            <a:r>
-              <a:rPr lang="en-US" sz="1100" dirty="0">
-                <a:solidFill>
-                  <a:schemeClr val="bg1"/>
-                </a:solidFill>
-              </a:rPr>
-              <a:t>  target  col1  col2  col3  col4  col5  col6  col7  \</a:t>
-            </a:r>
-          </a:p>
-          <a:p>
-            <a:r>
-              <a:rPr lang="en-US" sz="1100" dirty="0">
-                <a:solidFill>
-                  <a:schemeClr val="bg1"/>
-                </a:solidFill>
-              </a:rPr>
-              <a:t>0  2023-04-01          2       0   </a:t>
-            </a:r>
-            <a:r>
-              <a:rPr lang="en-US" sz="1100" dirty="0" err="1">
-                <a:solidFill>
-                  <a:schemeClr val="bg1"/>
-                </a:solidFill>
-              </a:rPr>
-              <a:t>NaN</a:t>
-            </a:r>
-            <a:r>
-              <a:rPr lang="en-US" sz="1100" dirty="0">
-                <a:solidFill>
-                  <a:schemeClr val="bg1"/>
-                </a:solidFill>
-              </a:rPr>
-              <a:t>   </a:t>
-            </a:r>
-            <a:r>
-              <a:rPr lang="en-US" sz="1100" dirty="0" err="1">
-                <a:solidFill>
-                  <a:schemeClr val="bg1"/>
-                </a:solidFill>
-              </a:rPr>
-              <a:t>NaN</a:t>
-            </a:r>
-            <a:r>
-              <a:rPr lang="en-US" sz="1100" dirty="0">
-                <a:solidFill>
-                  <a:schemeClr val="bg1"/>
-                </a:solidFill>
-              </a:rPr>
-              <a:t>   </a:t>
-            </a:r>
-            <a:r>
-              <a:rPr lang="en-US" sz="1100" dirty="0" err="1">
-                <a:solidFill>
-                  <a:schemeClr val="bg1"/>
-                </a:solidFill>
-              </a:rPr>
-              <a:t>NaN</a:t>
-            </a:r>
-            <a:r>
-              <a:rPr lang="en-US" sz="1100" dirty="0">
-                <a:solidFill>
-                  <a:schemeClr val="bg1"/>
-                </a:solidFill>
-              </a:rPr>
-              <a:t>   </a:t>
-            </a:r>
-            <a:r>
-              <a:rPr lang="en-US" sz="1100" dirty="0" err="1">
-                <a:solidFill>
-                  <a:schemeClr val="bg1"/>
-                </a:solidFill>
-              </a:rPr>
-              <a:t>NaN</a:t>
-            </a:r>
-            <a:r>
-              <a:rPr lang="en-US" sz="1100" dirty="0">
-                <a:solidFill>
-                  <a:schemeClr val="bg1"/>
-                </a:solidFill>
-              </a:rPr>
-              <a:t>   </a:t>
-            </a:r>
-            <a:r>
-              <a:rPr lang="en-US" sz="1100" dirty="0" err="1">
-                <a:solidFill>
-                  <a:schemeClr val="bg1"/>
-                </a:solidFill>
-              </a:rPr>
-              <a:t>NaN</a:t>
-            </a:r>
-            <a:r>
-              <a:rPr lang="en-US" sz="1100" dirty="0">
-                <a:solidFill>
-                  <a:schemeClr val="bg1"/>
-                </a:solidFill>
-              </a:rPr>
-              <a:t>   </a:t>
-            </a:r>
-            <a:r>
-              <a:rPr lang="en-US" sz="1100" dirty="0" err="1">
-                <a:solidFill>
-                  <a:schemeClr val="bg1"/>
-                </a:solidFill>
-              </a:rPr>
-              <a:t>NaN</a:t>
-            </a:r>
-            <a:r>
-              <a:rPr lang="en-US" sz="1100" dirty="0">
-                <a:solidFill>
-                  <a:schemeClr val="bg1"/>
-                </a:solidFill>
-              </a:rPr>
-              <a:t>   </a:t>
-            </a:r>
-            <a:r>
-              <a:rPr lang="en-US" sz="1100" dirty="0" err="1">
-                <a:solidFill>
-                  <a:schemeClr val="bg1"/>
-                </a:solidFill>
-              </a:rPr>
-              <a:t>NaN</a:t>
-            </a:r>
-            <a:r>
-              <a:rPr lang="en-US" sz="1100" dirty="0">
-                <a:solidFill>
-                  <a:schemeClr val="bg1"/>
-                </a:solidFill>
-              </a:rPr>
-              <a:t>   </a:t>
-            </a:r>
-          </a:p>
-          <a:p>
-            <a:r>
-              <a:rPr lang="en-US" sz="1100" dirty="0">
-                <a:solidFill>
-                  <a:schemeClr val="bg1"/>
-                </a:solidFill>
-              </a:rPr>
-              <a:t>1  2023-05-01          4       0   </a:t>
-            </a:r>
-            <a:r>
-              <a:rPr lang="en-US" sz="1100" dirty="0" err="1">
-                <a:solidFill>
-                  <a:schemeClr val="bg1"/>
-                </a:solidFill>
-              </a:rPr>
-              <a:t>NaN</a:t>
-            </a:r>
-            <a:r>
-              <a:rPr lang="en-US" sz="1100" dirty="0">
-                <a:solidFill>
-                  <a:schemeClr val="bg1"/>
-                </a:solidFill>
-              </a:rPr>
-              <a:t>   </a:t>
-            </a:r>
-            <a:r>
-              <a:rPr lang="en-US" sz="1100" dirty="0" err="1">
-                <a:solidFill>
-                  <a:schemeClr val="bg1"/>
-                </a:solidFill>
-              </a:rPr>
-              <a:t>NaN</a:t>
-            </a:r>
-            <a:r>
-              <a:rPr lang="en-US" sz="1100" dirty="0">
-                <a:solidFill>
-                  <a:schemeClr val="bg1"/>
-                </a:solidFill>
-              </a:rPr>
-              <a:t>   </a:t>
-            </a:r>
-            <a:r>
-              <a:rPr lang="en-US" sz="1100" dirty="0" err="1">
-                <a:solidFill>
-                  <a:schemeClr val="bg1"/>
-                </a:solidFill>
-              </a:rPr>
-              <a:t>NaN</a:t>
-            </a:r>
-            <a:r>
-              <a:rPr lang="en-US" sz="1100" dirty="0">
-                <a:solidFill>
-                  <a:schemeClr val="bg1"/>
-                </a:solidFill>
-              </a:rPr>
-              <a:t>   </a:t>
-            </a:r>
-            <a:r>
-              <a:rPr lang="en-US" sz="1100" dirty="0" err="1">
-                <a:solidFill>
-                  <a:schemeClr val="bg1"/>
-                </a:solidFill>
-              </a:rPr>
-              <a:t>NaN</a:t>
-            </a:r>
-            <a:r>
-              <a:rPr lang="en-US" sz="1100" dirty="0">
-                <a:solidFill>
-                  <a:schemeClr val="bg1"/>
-                </a:solidFill>
-              </a:rPr>
-              <a:t>   </a:t>
-            </a:r>
-            <a:r>
-              <a:rPr lang="en-US" sz="1100" dirty="0" err="1">
-                <a:solidFill>
-                  <a:schemeClr val="bg1"/>
-                </a:solidFill>
-              </a:rPr>
-              <a:t>NaN</a:t>
-            </a:r>
-            <a:r>
-              <a:rPr lang="en-US" sz="1100" dirty="0">
-                <a:solidFill>
-                  <a:schemeClr val="bg1"/>
-                </a:solidFill>
-              </a:rPr>
-              <a:t>   </a:t>
-            </a:r>
-            <a:r>
-              <a:rPr lang="en-US" sz="1100" dirty="0" err="1">
-                <a:solidFill>
-                  <a:schemeClr val="bg1"/>
-                </a:solidFill>
-              </a:rPr>
-              <a:t>NaN</a:t>
-            </a:r>
-            <a:r>
-              <a:rPr lang="en-US" sz="1100" dirty="0">
-                <a:solidFill>
-                  <a:schemeClr val="bg1"/>
-                </a:solidFill>
-              </a:rPr>
-              <a:t>   </a:t>
-            </a:r>
-            <a:r>
-              <a:rPr lang="en-US" sz="1100" dirty="0" err="1">
-                <a:solidFill>
-                  <a:schemeClr val="bg1"/>
-                </a:solidFill>
-              </a:rPr>
-              <a:t>NaN</a:t>
-            </a:r>
-            <a:r>
-              <a:rPr lang="en-US" sz="1100" dirty="0">
-                <a:solidFill>
-                  <a:schemeClr val="bg1"/>
-                </a:solidFill>
-              </a:rPr>
-              <a:t>   </a:t>
-            </a:r>
-          </a:p>
-          <a:p>
-            <a:r>
-              <a:rPr lang="en-US" sz="1100" dirty="0">
-                <a:solidFill>
-                  <a:schemeClr val="bg1"/>
-                </a:solidFill>
-              </a:rPr>
-              <a:t>...</a:t>
-            </a:r>
-          </a:p>
-          <a:p>
-            <a:r>
-              <a:rPr lang="en-US" sz="1100" dirty="0">
-                <a:solidFill>
-                  <a:schemeClr val="bg1"/>
-                </a:solidFill>
-              </a:rPr>
-              <a:t>3         </a:t>
-            </a:r>
-            <a:r>
-              <a:rPr lang="en-US" sz="1100" dirty="0" err="1">
-                <a:solidFill>
-                  <a:schemeClr val="bg1"/>
-                </a:solidFill>
-              </a:rPr>
-              <a:t>NaN</a:t>
-            </a:r>
-            <a:r>
-              <a:rPr lang="en-US" sz="1100" dirty="0">
-                <a:solidFill>
-                  <a:schemeClr val="bg1"/>
-                </a:solidFill>
-              </a:rPr>
-              <a:t>         </a:t>
-            </a:r>
-            <a:r>
-              <a:rPr lang="en-US" sz="1100" dirty="0" err="1">
-                <a:solidFill>
-                  <a:schemeClr val="bg1"/>
-                </a:solidFill>
-              </a:rPr>
-              <a:t>NaN</a:t>
-            </a:r>
-            <a:r>
-              <a:rPr lang="en-US" sz="1100" dirty="0">
-                <a:solidFill>
-                  <a:schemeClr val="bg1"/>
-                </a:solidFill>
-              </a:rPr>
-              <a:t>         </a:t>
-            </a:r>
-            <a:r>
-              <a:rPr lang="en-US" sz="1100" dirty="0" err="1">
-                <a:solidFill>
-                  <a:schemeClr val="bg1"/>
-                </a:solidFill>
-              </a:rPr>
-              <a:t>NaN</a:t>
-            </a:r>
-            <a:r>
-              <a:rPr lang="en-US" sz="1100" dirty="0">
-                <a:solidFill>
-                  <a:schemeClr val="bg1"/>
-                </a:solidFill>
-              </a:rPr>
-              <a:t>  0.256261  </a:t>
-            </a:r>
-          </a:p>
-          <a:p>
-            <a:r>
-              <a:rPr lang="en-US" sz="1100" dirty="0">
-                <a:solidFill>
-                  <a:schemeClr val="bg1"/>
-                </a:solidFill>
-              </a:rPr>
-              <a:t>4  10391000.0  10391000.0  10391000.0  0.257348  </a:t>
-            </a:r>
-          </a:p>
-          <a:p>
-            <a:endParaRPr lang="en-US" sz="1100" dirty="0">
-              <a:solidFill>
-                <a:schemeClr val="bg1"/>
-              </a:solidFill>
-            </a:endParaRPr>
-          </a:p>
-          <a:p>
-            <a:r>
-              <a:rPr lang="en-US" sz="1100" dirty="0">
-                <a:solidFill>
-                  <a:schemeClr val="bg1"/>
-                </a:solidFill>
-              </a:rPr>
-              <a:t>[5 rows x 2666 columns]</a:t>
-            </a:r>
-            <a:endParaRPr lang="ru-RU" sz="1100" dirty="0">
-              <a:solidFill>
-                <a:schemeClr val="bg1"/>
-              </a:solidFill>
-            </a:endParaRPr>
-          </a:p>
-        </p:txBody>
-      </p:sp>
+        </p:spPr>
+      </p:pic>
+      <p:pic>
+        <p:nvPicPr>
+          <p:cNvPr id="3" name="Рисунок 2">
+            <a:extLst>
+              <a:ext uri="{FF2B5EF4-FFF2-40B4-BE49-F238E27FC236}">
+                <a16:creationId xmlns:a16="http://schemas.microsoft.com/office/drawing/2014/main" id="{0A974D04-EDF5-4BBF-A29C-957B2A8AF47E}"/>
+              </a:ext>
+            </a:extLst>
+          </p:cNvPr>
+          <p:cNvPicPr>
+            <a:picLocks noChangeAspect="1"/>
+          </p:cNvPicPr>
+          <p:nvPr/>
+        </p:nvPicPr>
+        <p:blipFill>
+          <a:blip r:embed="rId4">
+            <a:extLst>
+              <a:ext uri="{28A0092B-C50C-407E-A947-70E740481C1C}">
+                <a14:useLocalDpi xmlns:a14="http://schemas.microsoft.com/office/drawing/2010/main" val="0"/>
+              </a:ext>
+            </a:extLst>
+          </a:blip>
+          <a:stretch>
+            <a:fillRect/>
+          </a:stretch>
+        </p:blipFill>
+        <p:spPr>
+          <a:xfrm>
+            <a:off x="2520728" y="3616278"/>
+            <a:ext cx="7487695" cy="2343477"/>
+          </a:xfrm>
+          <a:prstGeom prst="rect">
+            <a:avLst/>
+          </a:prstGeom>
+        </p:spPr>
+      </p:pic>
     </p:spTree>
     <p:extLst>
       <p:ext uri="{BB962C8B-B14F-4D97-AF65-F5344CB8AC3E}">
@@ -8368,7 +7989,7 @@
 </p:sld>
 </file>
 
-<file path=ppt/slides/slide6.xml><?xml version="1.0" encoding="utf-8"?>
+<file path=ppt/slides/slide7.xml><?xml version="1.0" encoding="utf-8"?>
 <p:sld xmlns:a="http://schemas.openxmlformats.org/drawingml/2006/main" xmlns:r="http://schemas.openxmlformats.org/officeDocument/2006/relationships" xmlns:p="http://schemas.openxmlformats.org/presentationml/2006/main">
   <p:cSld>
     <p:spTree>
@@ -8554,7 +8175,7 @@
 </p:sld>
 </file>
 
-<file path=ppt/slides/slide7.xml><?xml version="1.0" encoding="utf-8"?>
+<file path=ppt/slides/slide8.xml><?xml version="1.0" encoding="utf-8"?>
 <p:sld xmlns:a="http://schemas.openxmlformats.org/drawingml/2006/main" xmlns:r="http://schemas.openxmlformats.org/officeDocument/2006/relationships" xmlns:p="http://schemas.openxmlformats.org/presentationml/2006/main">
   <p:cSld>
     <p:spTree>
@@ -8715,7 +8336,7 @@
 </p:sld>
 </file>
 
-<file path=ppt/slides/slide8.xml><?xml version="1.0" encoding="utf-8"?>
+<file path=ppt/slides/slide9.xml><?xml version="1.0" encoding="utf-8"?>
 <p:sld xmlns:a="http://schemas.openxmlformats.org/drawingml/2006/main" xmlns:r="http://schemas.openxmlformats.org/officeDocument/2006/relationships" xmlns:p="http://schemas.openxmlformats.org/presentationml/2006/main">
   <p:cSld>
     <p:spTree>
@@ -8898,250 +8519,6 @@
   <p:transition spd="slow">
     <p:push dir="u"/>
   </p:transition>
-</p:sld>
-</file>
-
-<file path=ppt/slides/slide9.xml><?xml version="1.0" encoding="utf-8"?>
-<p:sld xmlns:a="http://schemas.openxmlformats.org/drawingml/2006/main" xmlns:r="http://schemas.openxmlformats.org/officeDocument/2006/relationships" xmlns:p="http://schemas.openxmlformats.org/presentationml/2006/main">
-  <p:cSld>
-    <p:spTree>
-      <p:nvGrpSpPr>
-        <p:cNvPr id="1" name=""/>
-        <p:cNvGrpSpPr/>
-        <p:nvPr/>
-      </p:nvGrpSpPr>
-      <p:grpSpPr>
-        <a:xfrm>
-          <a:off x="0" y="0"/>
-          <a:ext cx="0" cy="0"/>
-          <a:chOff x="0" y="0"/>
-          <a:chExt cx="0" cy="0"/>
-        </a:xfrm>
-      </p:grpSpPr>
-      <p:pic>
-        <p:nvPicPr>
-          <p:cNvPr id="4" name="Рисунок 3">
-            <a:extLst>
-              <a:ext uri="{FF2B5EF4-FFF2-40B4-BE49-F238E27FC236}">
-                <a16:creationId xmlns:a16="http://schemas.microsoft.com/office/drawing/2014/main" id="{E4FEBAF7-227A-4A3A-824C-635D021123C5}"/>
-              </a:ext>
-            </a:extLst>
-          </p:cNvPr>
-          <p:cNvPicPr>
-            <a:picLocks noChangeAspect="1"/>
-          </p:cNvPicPr>
-          <p:nvPr/>
-        </p:nvPicPr>
-        <p:blipFill>
-          <a:blip r:embed="rId2"/>
-          <a:stretch>
-            <a:fillRect/>
-          </a:stretch>
-        </p:blipFill>
-        <p:spPr>
-          <a:xfrm>
-            <a:off x="10391" y="-7110"/>
-            <a:ext cx="12192000" cy="6858000"/>
-          </a:xfrm>
-          <a:prstGeom prst="rect">
-            <a:avLst/>
-          </a:prstGeom>
-        </p:spPr>
-      </p:pic>
-      <p:sp>
-        <p:nvSpPr>
-          <p:cNvPr id="6" name="Прямоугольник: скругленные углы 5">
-            <a:extLst>
-              <a:ext uri="{FF2B5EF4-FFF2-40B4-BE49-F238E27FC236}">
-                <a16:creationId xmlns:a16="http://schemas.microsoft.com/office/drawing/2014/main" id="{BA3A3730-695B-49CD-A1E2-237C9ED5C9F1}"/>
-              </a:ext>
-            </a:extLst>
-          </p:cNvPr>
-          <p:cNvSpPr/>
-          <p:nvPr/>
-        </p:nvSpPr>
-        <p:spPr>
-          <a:xfrm>
-            <a:off x="509155" y="2254827"/>
-            <a:ext cx="8952478" cy="2536038"/>
-          </a:xfrm>
-          <a:prstGeom prst="roundRect">
-            <a:avLst/>
-          </a:prstGeom>
-          <a:solidFill>
-            <a:srgbClr val="1485FC"/>
-          </a:solidFill>
-        </p:spPr>
-        <p:style>
-          <a:lnRef idx="2">
-            <a:schemeClr val="accent1">
-              <a:shade val="50000"/>
-            </a:schemeClr>
-          </a:lnRef>
-          <a:fillRef idx="1">
-            <a:schemeClr val="accent1"/>
-          </a:fillRef>
-          <a:effectRef idx="0">
-            <a:schemeClr val="accent1"/>
-          </a:effectRef>
-          <a:fontRef idx="minor">
-            <a:schemeClr val="lt1"/>
-          </a:fontRef>
-        </p:style>
-        <p:txBody>
-          <a:bodyPr rtlCol="0" anchor="ctr"/>
-          <a:lstStyle/>
-          <a:p>
-            <a:pPr algn="ctr"/>
-            <a:endParaRPr lang="ru-RU"/>
-          </a:p>
-        </p:txBody>
-      </p:sp>
-      <p:sp>
-        <p:nvSpPr>
-          <p:cNvPr id="2" name="Заголовок 1">
-            <a:extLst>
-              <a:ext uri="{FF2B5EF4-FFF2-40B4-BE49-F238E27FC236}">
-                <a16:creationId xmlns:a16="http://schemas.microsoft.com/office/drawing/2014/main" id="{5635490A-FD44-4AEC-AF9E-0EF911ACC6AD}"/>
-              </a:ext>
-            </a:extLst>
-          </p:cNvPr>
-          <p:cNvSpPr>
-            <a:spLocks noGrp="1"/>
-          </p:cNvSpPr>
-          <p:nvPr>
-            <p:ph type="title"/>
-          </p:nvPr>
-        </p:nvSpPr>
-        <p:spPr>
-          <a:xfrm>
-            <a:off x="934452" y="1607419"/>
-            <a:ext cx="8527181" cy="3830855"/>
-          </a:xfrm>
-        </p:spPr>
-        <p:txBody>
-          <a:bodyPr>
-            <a:normAutofit/>
-          </a:bodyPr>
-          <a:lstStyle/>
-          <a:p>
-            <a:r>
-              <a:rPr lang="ru-RU" sz="3600" dirty="0">
-                <a:solidFill>
-                  <a:schemeClr val="bg1"/>
-                </a:solidFill>
-                <a:latin typeface="CoFo Sans (Основной текст)"/>
-              </a:rPr>
-              <a:t>Логистическая регрессия</a:t>
-            </a:r>
-            <a:br>
-              <a:rPr lang="en-US" sz="3600" b="0" i="0" dirty="0">
-                <a:solidFill>
-                  <a:schemeClr val="bg1"/>
-                </a:solidFill>
-                <a:effectLst/>
-                <a:latin typeface="CoFo Sans (Основной текст)"/>
-              </a:rPr>
-            </a:br>
-            <a:r>
-              <a:rPr lang="ru-RU" sz="3600" b="0" i="0" dirty="0">
-                <a:solidFill>
-                  <a:schemeClr val="bg1"/>
-                </a:solidFill>
-                <a:effectLst/>
-                <a:latin typeface="CoFo Sans (Основной текст)"/>
-              </a:rPr>
-              <a:t>Случайный лес</a:t>
-            </a:r>
-            <a:br>
-              <a:rPr lang="ru-RU" sz="3600" b="0" i="0" dirty="0">
-                <a:solidFill>
-                  <a:schemeClr val="bg1"/>
-                </a:solidFill>
-                <a:effectLst/>
-                <a:latin typeface="CoFo Sans (Основной текст)"/>
-              </a:rPr>
-            </a:br>
-            <a:r>
-              <a:rPr lang="ru-RU" sz="3600" b="0" i="0" dirty="0">
-                <a:solidFill>
-                  <a:schemeClr val="bg1"/>
-                </a:solidFill>
-                <a:effectLst/>
-                <a:latin typeface="CoFo Sans (Основной текст)"/>
-              </a:rPr>
-              <a:t>Градиентный </a:t>
-            </a:r>
-            <a:r>
-              <a:rPr lang="ru-RU" sz="3600" b="0" i="0" dirty="0" err="1">
-                <a:solidFill>
-                  <a:schemeClr val="bg1"/>
-                </a:solidFill>
-                <a:effectLst/>
-                <a:latin typeface="CoFo Sans (Основной текст)"/>
-              </a:rPr>
-              <a:t>Бустинг</a:t>
-            </a:r>
-            <a:endParaRPr lang="ru-RU" sz="3600" dirty="0">
-              <a:solidFill>
-                <a:schemeClr val="bg1"/>
-              </a:solidFill>
-              <a:latin typeface="CoFo Sans (Основной текст)"/>
-            </a:endParaRPr>
-          </a:p>
-        </p:txBody>
-      </p:sp>
-      <p:sp>
-        <p:nvSpPr>
-          <p:cNvPr id="5" name="TextBox 4">
-            <a:extLst>
-              <a:ext uri="{FF2B5EF4-FFF2-40B4-BE49-F238E27FC236}">
-                <a16:creationId xmlns:a16="http://schemas.microsoft.com/office/drawing/2014/main" id="{E2BD67CE-62A4-449E-8800-2596646DC961}"/>
-              </a:ext>
-            </a:extLst>
-          </p:cNvPr>
-          <p:cNvSpPr txBox="1"/>
-          <p:nvPr/>
-        </p:nvSpPr>
-        <p:spPr>
-          <a:xfrm>
-            <a:off x="376186" y="341697"/>
-            <a:ext cx="5207267" cy="830997"/>
-          </a:xfrm>
-          <a:prstGeom prst="rect">
-            <a:avLst/>
-          </a:prstGeom>
-          <a:noFill/>
-        </p:spPr>
-        <p:txBody>
-          <a:bodyPr wrap="square" rtlCol="0">
-            <a:spAutoFit/>
-          </a:bodyPr>
-          <a:lstStyle/>
-          <a:p>
-            <a:r>
-              <a:rPr lang="ru-RU" sz="4800" dirty="0">
-                <a:solidFill>
-                  <a:srgbClr val="1485FC"/>
-                </a:solidFill>
-                <a:latin typeface="CoFo Sans (Основной текст)"/>
-              </a:rPr>
-              <a:t>Модели</a:t>
-            </a:r>
-          </a:p>
-        </p:txBody>
-      </p:sp>
-    </p:spTree>
-    <p:extLst>
-      <p:ext uri="{BB962C8B-B14F-4D97-AF65-F5344CB8AC3E}">
-        <p14:creationId xmlns:p14="http://schemas.microsoft.com/office/powerpoint/2010/main" val="1720386346"/>
-      </p:ext>
-    </p:extLst>
-  </p:cSld>
-  <p:clrMapOvr>
-    <a:masterClrMapping/>
-  </p:clrMapOvr>
-  <p:transition spd="med"/>
 </p:sld>
 </file>
 
